--- a/Careerhack/Personal Branding Canvas - Careerhack.pptx
+++ b/Careerhack/Personal Branding Canvas - Careerhack.pptx
@@ -6,44 +6,41 @@
     <p:sldMasterId id="2147483672" r:id="rId2"/>
   </p:sldMasterIdLst>
   <p:notesMasterIdLst>
-    <p:notesMasterId r:id="rId7"/>
+    <p:notesMasterId r:id="rId4"/>
   </p:notesMasterIdLst>
   <p:sldIdLst>
-    <p:sldId id="256" r:id="rId3"/>
-    <p:sldId id="257" r:id="rId4"/>
-    <p:sldId id="258" r:id="rId5"/>
-    <p:sldId id="259" r:id="rId6"/>
+    <p:sldId id="257" r:id="rId3"/>
   </p:sldIdLst>
   <p:sldSz cx="9144000" cy="5143500" type="screen16x9"/>
   <p:notesSz cx="6858000" cy="9144000"/>
   <p:embeddedFontLst>
     <p:embeddedFont>
       <p:font typeface="Helvetica Neue" panose="020B0604020202020204" charset="0"/>
-      <p:regular r:id="rId8"/>
-      <p:bold r:id="rId9"/>
-      <p:italic r:id="rId10"/>
-      <p:boldItalic r:id="rId11"/>
+      <p:regular r:id="rId5"/>
+      <p:bold r:id="rId6"/>
+      <p:italic r:id="rId7"/>
+      <p:boldItalic r:id="rId8"/>
     </p:embeddedFont>
     <p:embeddedFont>
       <p:font typeface="Helvetica Neue Light" panose="020B0604020202020204" charset="0"/>
-      <p:regular r:id="rId12"/>
-      <p:bold r:id="rId13"/>
-      <p:italic r:id="rId14"/>
-      <p:boldItalic r:id="rId15"/>
+      <p:regular r:id="rId9"/>
+      <p:bold r:id="rId10"/>
+      <p:italic r:id="rId11"/>
+      <p:boldItalic r:id="rId12"/>
     </p:embeddedFont>
     <p:embeddedFont>
       <p:font typeface="Montserrat" panose="020B0604020202020204" charset="0"/>
-      <p:regular r:id="rId16"/>
-      <p:bold r:id="rId17"/>
-      <p:italic r:id="rId18"/>
-      <p:boldItalic r:id="rId19"/>
+      <p:regular r:id="rId13"/>
+      <p:bold r:id="rId14"/>
+      <p:italic r:id="rId15"/>
+      <p:boldItalic r:id="rId16"/>
     </p:embeddedFont>
     <p:embeddedFont>
       <p:font typeface="Work Sans" panose="020B0604020202020204" charset="0"/>
-      <p:regular r:id="rId20"/>
-      <p:bold r:id="rId21"/>
-      <p:italic r:id="rId22"/>
-      <p:boldItalic r:id="rId23"/>
+      <p:regular r:id="rId17"/>
+      <p:bold r:id="rId18"/>
+      <p:italic r:id="rId19"/>
+      <p:boldItalic r:id="rId20"/>
     </p:embeddedFont>
   </p:embeddedFontLst>
   <p:defaultTextStyle>
@@ -740,110 +737,6 @@
   <p:cSld>
     <p:spTree>
       <p:nvGrpSpPr>
-        <p:cNvPr id="1" name="Shape 100"/>
-        <p:cNvGrpSpPr/>
-        <p:nvPr/>
-      </p:nvGrpSpPr>
-      <p:grpSpPr>
-        <a:xfrm>
-          <a:off x="0" y="0"/>
-          <a:ext cx="0" cy="0"/>
-          <a:chOff x="0" y="0"/>
-          <a:chExt cx="0" cy="0"/>
-        </a:xfrm>
-      </p:grpSpPr>
-      <p:sp>
-        <p:nvSpPr>
-          <p:cNvPr id="101" name="Google Shape;101;g9e59f70569_4_0:notes"/>
-          <p:cNvSpPr>
-            <a:spLocks noGrp="1" noRot="1" noChangeAspect="1"/>
-          </p:cNvSpPr>
-          <p:nvPr>
-            <p:ph type="sldImg" idx="2"/>
-          </p:nvPr>
-        </p:nvSpPr>
-        <p:spPr>
-          <a:xfrm>
-            <a:off x="381300" y="685800"/>
-            <a:ext cx="6096000" cy="3429000"/>
-          </a:xfrm>
-          <a:custGeom>
-            <a:avLst/>
-            <a:gdLst/>
-            <a:ahLst/>
-            <a:cxnLst/>
-            <a:rect l="l" t="t" r="r" b="b"/>
-            <a:pathLst>
-              <a:path w="120000" h="120000" extrusionOk="0">
-                <a:moveTo>
-                  <a:pt x="0" y="0"/>
-                </a:moveTo>
-                <a:lnTo>
-                  <a:pt x="120000" y="0"/>
-                </a:lnTo>
-                <a:lnTo>
-                  <a:pt x="120000" y="120000"/>
-                </a:lnTo>
-                <a:lnTo>
-                  <a:pt x="0" y="120000"/>
-                </a:lnTo>
-                <a:close/>
-              </a:path>
-            </a:pathLst>
-          </a:custGeom>
-        </p:spPr>
-      </p:sp>
-      <p:sp>
-        <p:nvSpPr>
-          <p:cNvPr id="102" name="Google Shape;102;g9e59f70569_4_0:notes"/>
-          <p:cNvSpPr txBox="1">
-            <a:spLocks noGrp="1"/>
-          </p:cNvSpPr>
-          <p:nvPr>
-            <p:ph type="body" idx="1"/>
-          </p:nvPr>
-        </p:nvSpPr>
-        <p:spPr>
-          <a:xfrm>
-            <a:off x="685800" y="4343400"/>
-            <a:ext cx="5486400" cy="4114800"/>
-          </a:xfrm>
-          <a:prstGeom prst="rect">
-            <a:avLst/>
-          </a:prstGeom>
-        </p:spPr>
-        <p:txBody>
-          <a:bodyPr spcFirstLastPara="1" wrap="square" lIns="91425" tIns="91425" rIns="91425" bIns="91425" anchor="t" anchorCtr="0">
-            <a:noAutofit/>
-          </a:bodyPr>
-          <a:lstStyle/>
-          <a:p>
-            <a:pPr marL="0" lvl="0" indent="0" algn="l" rtl="0">
-              <a:spcBef>
-                <a:spcPts val="0"/>
-              </a:spcBef>
-              <a:spcAft>
-                <a:spcPts val="0"/>
-              </a:spcAft>
-              <a:buNone/>
-            </a:pPr>
-            <a:endParaRPr/>
-          </a:p>
-        </p:txBody>
-      </p:sp>
-    </p:spTree>
-  </p:cSld>
-  <p:clrMapOvr>
-    <a:masterClrMapping/>
-  </p:clrMapOvr>
-</p:notes>
-</file>
-
-<file path=ppt/notesSlides/notesSlide2.xml><?xml version="1.0" encoding="utf-8"?>
-<p:notes xmlns:a="http://schemas.openxmlformats.org/drawingml/2006/main" xmlns:r="http://schemas.openxmlformats.org/officeDocument/2006/relationships" xmlns:p="http://schemas.openxmlformats.org/presentationml/2006/main" showMasterSp="0" showMasterPhAnim="0">
-  <p:cSld>
-    <p:spTree>
-      <p:nvGrpSpPr>
         <p:cNvPr id="1" name="Shape 105"/>
         <p:cNvGrpSpPr/>
         <p:nvPr/>
@@ -900,214 +793,6 @@
       <p:sp>
         <p:nvSpPr>
           <p:cNvPr id="107" name="Google Shape;107;g63d74be41e_0_0:notes"/>
-          <p:cNvSpPr txBox="1">
-            <a:spLocks noGrp="1"/>
-          </p:cNvSpPr>
-          <p:nvPr>
-            <p:ph type="body" idx="1"/>
-          </p:nvPr>
-        </p:nvSpPr>
-        <p:spPr>
-          <a:xfrm>
-            <a:off x="685800" y="4343400"/>
-            <a:ext cx="5486400" cy="4114800"/>
-          </a:xfrm>
-          <a:prstGeom prst="rect">
-            <a:avLst/>
-          </a:prstGeom>
-        </p:spPr>
-        <p:txBody>
-          <a:bodyPr spcFirstLastPara="1" wrap="square" lIns="91425" tIns="91425" rIns="91425" bIns="91425" anchor="t" anchorCtr="0">
-            <a:noAutofit/>
-          </a:bodyPr>
-          <a:lstStyle/>
-          <a:p>
-            <a:pPr marL="0" lvl="0" indent="0" algn="l" rtl="0">
-              <a:spcBef>
-                <a:spcPts val="0"/>
-              </a:spcBef>
-              <a:spcAft>
-                <a:spcPts val="0"/>
-              </a:spcAft>
-              <a:buNone/>
-            </a:pPr>
-            <a:endParaRPr/>
-          </a:p>
-        </p:txBody>
-      </p:sp>
-    </p:spTree>
-  </p:cSld>
-  <p:clrMapOvr>
-    <a:masterClrMapping/>
-  </p:clrMapOvr>
-</p:notes>
-</file>
-
-<file path=ppt/notesSlides/notesSlide3.xml><?xml version="1.0" encoding="utf-8"?>
-<p:notes xmlns:a="http://schemas.openxmlformats.org/drawingml/2006/main" xmlns:r="http://schemas.openxmlformats.org/officeDocument/2006/relationships" xmlns:p="http://schemas.openxmlformats.org/presentationml/2006/main" showMasterSp="0" showMasterPhAnim="0">
-  <p:cSld>
-    <p:spTree>
-      <p:nvGrpSpPr>
-        <p:cNvPr id="1" name="Shape 112"/>
-        <p:cNvGrpSpPr/>
-        <p:nvPr/>
-      </p:nvGrpSpPr>
-      <p:grpSpPr>
-        <a:xfrm>
-          <a:off x="0" y="0"/>
-          <a:ext cx="0" cy="0"/>
-          <a:chOff x="0" y="0"/>
-          <a:chExt cx="0" cy="0"/>
-        </a:xfrm>
-      </p:grpSpPr>
-      <p:sp>
-        <p:nvSpPr>
-          <p:cNvPr id="113" name="Google Shape;113;g63d74be41e_0_6:notes"/>
-          <p:cNvSpPr>
-            <a:spLocks noGrp="1" noRot="1" noChangeAspect="1"/>
-          </p:cNvSpPr>
-          <p:nvPr>
-            <p:ph type="sldImg" idx="2"/>
-          </p:nvPr>
-        </p:nvSpPr>
-        <p:spPr>
-          <a:xfrm>
-            <a:off x="381000" y="685800"/>
-            <a:ext cx="6096000" cy="3429000"/>
-          </a:xfrm>
-          <a:custGeom>
-            <a:avLst/>
-            <a:gdLst/>
-            <a:ahLst/>
-            <a:cxnLst/>
-            <a:rect l="l" t="t" r="r" b="b"/>
-            <a:pathLst>
-              <a:path w="120000" h="120000" extrusionOk="0">
-                <a:moveTo>
-                  <a:pt x="0" y="0"/>
-                </a:moveTo>
-                <a:lnTo>
-                  <a:pt x="120000" y="0"/>
-                </a:lnTo>
-                <a:lnTo>
-                  <a:pt x="120000" y="120000"/>
-                </a:lnTo>
-                <a:lnTo>
-                  <a:pt x="0" y="120000"/>
-                </a:lnTo>
-                <a:close/>
-              </a:path>
-            </a:pathLst>
-          </a:custGeom>
-        </p:spPr>
-      </p:sp>
-      <p:sp>
-        <p:nvSpPr>
-          <p:cNvPr id="114" name="Google Shape;114;g63d74be41e_0_6:notes"/>
-          <p:cNvSpPr txBox="1">
-            <a:spLocks noGrp="1"/>
-          </p:cNvSpPr>
-          <p:nvPr>
-            <p:ph type="body" idx="1"/>
-          </p:nvPr>
-        </p:nvSpPr>
-        <p:spPr>
-          <a:xfrm>
-            <a:off x="685800" y="4343400"/>
-            <a:ext cx="5486400" cy="4114800"/>
-          </a:xfrm>
-          <a:prstGeom prst="rect">
-            <a:avLst/>
-          </a:prstGeom>
-        </p:spPr>
-        <p:txBody>
-          <a:bodyPr spcFirstLastPara="1" wrap="square" lIns="91425" tIns="91425" rIns="91425" bIns="91425" anchor="t" anchorCtr="0">
-            <a:noAutofit/>
-          </a:bodyPr>
-          <a:lstStyle/>
-          <a:p>
-            <a:pPr marL="0" lvl="0" indent="0" algn="l" rtl="0">
-              <a:spcBef>
-                <a:spcPts val="0"/>
-              </a:spcBef>
-              <a:spcAft>
-                <a:spcPts val="0"/>
-              </a:spcAft>
-              <a:buNone/>
-            </a:pPr>
-            <a:endParaRPr/>
-          </a:p>
-        </p:txBody>
-      </p:sp>
-    </p:spTree>
-  </p:cSld>
-  <p:clrMapOvr>
-    <a:masterClrMapping/>
-  </p:clrMapOvr>
-</p:notes>
-</file>
-
-<file path=ppt/notesSlides/notesSlide4.xml><?xml version="1.0" encoding="utf-8"?>
-<p:notes xmlns:a="http://schemas.openxmlformats.org/drawingml/2006/main" xmlns:r="http://schemas.openxmlformats.org/officeDocument/2006/relationships" xmlns:p="http://schemas.openxmlformats.org/presentationml/2006/main" showMasterSp="0" showMasterPhAnim="0">
-  <p:cSld>
-    <p:spTree>
-      <p:nvGrpSpPr>
-        <p:cNvPr id="1" name="Shape 120"/>
-        <p:cNvGrpSpPr/>
-        <p:nvPr/>
-      </p:nvGrpSpPr>
-      <p:grpSpPr>
-        <a:xfrm>
-          <a:off x="0" y="0"/>
-          <a:ext cx="0" cy="0"/>
-          <a:chOff x="0" y="0"/>
-          <a:chExt cx="0" cy="0"/>
-        </a:xfrm>
-      </p:grpSpPr>
-      <p:sp>
-        <p:nvSpPr>
-          <p:cNvPr id="121" name="Google Shape;121;g7010f4d9f6_0_0:notes"/>
-          <p:cNvSpPr>
-            <a:spLocks noGrp="1" noRot="1" noChangeAspect="1"/>
-          </p:cNvSpPr>
-          <p:nvPr>
-            <p:ph type="sldImg" idx="2"/>
-          </p:nvPr>
-        </p:nvSpPr>
-        <p:spPr>
-          <a:xfrm>
-            <a:off x="381000" y="685800"/>
-            <a:ext cx="6096000" cy="3429000"/>
-          </a:xfrm>
-          <a:custGeom>
-            <a:avLst/>
-            <a:gdLst/>
-            <a:ahLst/>
-            <a:cxnLst/>
-            <a:rect l="l" t="t" r="r" b="b"/>
-            <a:pathLst>
-              <a:path w="120000" h="120000" extrusionOk="0">
-                <a:moveTo>
-                  <a:pt x="0" y="0"/>
-                </a:moveTo>
-                <a:lnTo>
-                  <a:pt x="120000" y="0"/>
-                </a:lnTo>
-                <a:lnTo>
-                  <a:pt x="120000" y="120000"/>
-                </a:lnTo>
-                <a:lnTo>
-                  <a:pt x="0" y="120000"/>
-                </a:lnTo>
-                <a:close/>
-              </a:path>
-            </a:pathLst>
-          </a:custGeom>
-        </p:spPr>
-      </p:sp>
-      <p:sp>
-        <p:nvSpPr>
-          <p:cNvPr id="122" name="Google Shape;122;g7010f4d9f6_0_0:notes"/>
           <p:cNvSpPr txBox="1">
             <a:spLocks noGrp="1"/>
           </p:cNvSpPr>
@@ -17025,73 +16710,6 @@
   <p:cSld>
     <p:spTree>
       <p:nvGrpSpPr>
-        <p:cNvPr id="1" name="Shape 103"/>
-        <p:cNvGrpSpPr/>
-        <p:nvPr/>
-      </p:nvGrpSpPr>
-      <p:grpSpPr>
-        <a:xfrm>
-          <a:off x="0" y="0"/>
-          <a:ext cx="0" cy="0"/>
-          <a:chOff x="0" y="0"/>
-          <a:chExt cx="0" cy="0"/>
-        </a:xfrm>
-      </p:grpSpPr>
-      <p:sp>
-        <p:nvSpPr>
-          <p:cNvPr id="104" name="Google Shape;104;p26"/>
-          <p:cNvSpPr txBox="1">
-            <a:spLocks noGrp="1"/>
-          </p:cNvSpPr>
-          <p:nvPr>
-            <p:ph type="title"/>
-          </p:nvPr>
-        </p:nvSpPr>
-        <p:spPr>
-          <a:xfrm>
-            <a:off x="666750" y="1361763"/>
-            <a:ext cx="7810500" cy="1743000"/>
-          </a:xfrm>
-          <a:prstGeom prst="rect">
-            <a:avLst/>
-          </a:prstGeom>
-        </p:spPr>
-        <p:txBody>
-          <a:bodyPr spcFirstLastPara="1" wrap="square" lIns="19050" tIns="19050" rIns="19050" bIns="19050" anchor="b" anchorCtr="0">
-            <a:noAutofit/>
-          </a:bodyPr>
-          <a:lstStyle/>
-          <a:p>
-            <a:pPr marL="0" lvl="0" indent="0" algn="ctr" rtl="0">
-              <a:spcBef>
-                <a:spcPts val="0"/>
-              </a:spcBef>
-              <a:spcAft>
-                <a:spcPts val="0"/>
-              </a:spcAft>
-              <a:buNone/>
-            </a:pPr>
-            <a:r>
-              <a:rPr lang="en"/>
-              <a:t>MAKE A COPY OF THIS DOCUMENT</a:t>
-            </a:r>
-            <a:endParaRPr/>
-          </a:p>
-        </p:txBody>
-      </p:sp>
-    </p:spTree>
-  </p:cSld>
-  <p:clrMapOvr>
-    <a:masterClrMapping/>
-  </p:clrMapOvr>
-</p:sld>
-</file>
-
-<file path=ppt/slides/slide2.xml><?xml version="1.0" encoding="utf-8"?>
-<p:sld xmlns:a="http://schemas.openxmlformats.org/drawingml/2006/main" xmlns:r="http://schemas.openxmlformats.org/officeDocument/2006/relationships" xmlns:p="http://schemas.openxmlformats.org/presentationml/2006/main">
-  <p:cSld>
-    <p:spTree>
-      <p:nvGrpSpPr>
         <p:cNvPr id="1" name="Shape 108"/>
         <p:cNvGrpSpPr/>
         <p:nvPr/>
@@ -17111,14 +16729,14 @@
           <p:nvPr>
             <p:extLst>
               <p:ext uri="{D42A27DB-BD31-4B8C-83A1-F6EECF244321}">
-                <p14:modId xmlns:p14="http://schemas.microsoft.com/office/powerpoint/2010/main" val="3151212127"/>
+                <p14:modId xmlns:p14="http://schemas.microsoft.com/office/powerpoint/2010/main" val="2759108025"/>
               </p:ext>
             </p:extLst>
           </p:nvPr>
         </p:nvGraphicFramePr>
         <p:xfrm>
-          <a:off x="121444" y="509650"/>
-          <a:ext cx="8905056" cy="5648790"/>
+          <a:off x="114300" y="529856"/>
+          <a:ext cx="8915399" cy="4419480"/>
         </p:xfrm>
         <a:graphic>
           <a:graphicData uri="http://schemas.openxmlformats.org/drawingml/2006/table">
@@ -17128,28 +16746,28 @@
                 <a:tableStyleId>{6C8AC783-B38B-4F6A-9F3E-C5600058E208}</a:tableStyleId>
               </a:tblPr>
               <a:tblGrid>
-                <a:gridCol w="1871306">
+                <a:gridCol w="1861202">
                   <a:extLst>
                     <a:ext uri="{9D8B030D-6E8A-4147-A177-3AD203B41FA5}">
                       <a16:colId xmlns:a16="http://schemas.microsoft.com/office/drawing/2014/main" val="20000"/>
                     </a:ext>
                   </a:extLst>
                 </a:gridCol>
-                <a:gridCol w="2325275">
+                <a:gridCol w="2332035">
                   <a:extLst>
                     <a:ext uri="{9D8B030D-6E8A-4147-A177-3AD203B41FA5}">
                       <a16:colId xmlns:a16="http://schemas.microsoft.com/office/drawing/2014/main" val="20001"/>
                     </a:ext>
                   </a:extLst>
                 </a:gridCol>
-                <a:gridCol w="2216225">
+                <a:gridCol w="2222667">
                   <a:extLst>
                     <a:ext uri="{9D8B030D-6E8A-4147-A177-3AD203B41FA5}">
                       <a16:colId xmlns:a16="http://schemas.microsoft.com/office/drawing/2014/main" val="20002"/>
                     </a:ext>
                   </a:extLst>
                 </a:gridCol>
-                <a:gridCol w="2492250">
+                <a:gridCol w="2499495">
                   <a:extLst>
                     <a:ext uri="{9D8B030D-6E8A-4147-A177-3AD203B41FA5}">
                       <a16:colId xmlns:a16="http://schemas.microsoft.com/office/drawing/2014/main" val="20003"/>
@@ -17157,7 +16775,7 @@
                   </a:extLst>
                 </a:gridCol>
               </a:tblGrid>
-              <a:tr h="906775">
+              <a:tr h="0">
                 <a:tc>
                   <a:txBody>
                     <a:bodyPr/>
@@ -17182,7 +16800,7 @@
                           <a:solidFill>
                             <a:schemeClr val="dk2"/>
                           </a:solidFill>
-                          <a:latin typeface="Montserrat"/>
+                          <a:latin typeface="Montserrat" panose="020B0604020202020204" charset="0"/>
                           <a:ea typeface="Montserrat"/>
                           <a:cs typeface="Montserrat"/>
                           <a:sym typeface="Montserrat"/>
@@ -17193,151 +16811,7 @@
                         <a:solidFill>
                           <a:schemeClr val="dk2"/>
                         </a:solidFill>
-                        <a:latin typeface="Montserrat"/>
-                        <a:ea typeface="Montserrat"/>
-                        <a:cs typeface="Montserrat"/>
-                        <a:sym typeface="Montserrat"/>
-                      </a:endParaRPr>
-                    </a:p>
-                    <a:p>
-                      <a:pPr marL="0" lvl="0" indent="0" algn="l" rtl="0">
-                        <a:spcBef>
-                          <a:spcPts val="0"/>
-                        </a:spcBef>
-                        <a:spcAft>
-                          <a:spcPts val="0"/>
-                        </a:spcAft>
-                        <a:buClr>
-                          <a:srgbClr val="000000"/>
-                        </a:buClr>
-                        <a:buSzPts val="1100"/>
-                        <a:buFont typeface="Arial"/>
-                        <a:buNone/>
-                      </a:pPr>
-                      <a:r>
-                        <a:rPr lang="en" sz="800" i="1" dirty="0">
-                          <a:solidFill>
-                            <a:schemeClr val="dk2"/>
-                          </a:solidFill>
-                          <a:latin typeface="Montserrat"/>
-                          <a:ea typeface="Montserrat"/>
-                          <a:cs typeface="Montserrat"/>
-                          <a:sym typeface="Montserrat"/>
-                        </a:rPr>
-                        <a:t>Who you are, what you value</a:t>
-                      </a:r>
-                      <a:endParaRPr sz="800" i="1" dirty="0">
-                        <a:solidFill>
-                          <a:schemeClr val="dk2"/>
-                        </a:solidFill>
-                        <a:latin typeface="Montserrat"/>
-                        <a:ea typeface="Montserrat"/>
-                        <a:cs typeface="Montserrat"/>
-                        <a:sym typeface="Montserrat"/>
-                      </a:endParaRPr>
-                    </a:p>
-                    <a:p>
-                      <a:pPr marL="0" lvl="0" indent="0" algn="l" rtl="0">
-                        <a:spcBef>
-                          <a:spcPts val="0"/>
-                        </a:spcBef>
-                        <a:spcAft>
-                          <a:spcPts val="0"/>
-                        </a:spcAft>
-                        <a:buClr>
-                          <a:srgbClr val="000000"/>
-                        </a:buClr>
-                        <a:buSzPts val="1100"/>
-                        <a:buFont typeface="Arial"/>
-                        <a:buNone/>
-                      </a:pPr>
-                      <a:endParaRPr sz="800" i="1" dirty="0">
-                        <a:solidFill>
-                          <a:schemeClr val="dk2"/>
-                        </a:solidFill>
-                        <a:latin typeface="Montserrat"/>
-                        <a:ea typeface="Montserrat"/>
-                        <a:cs typeface="Montserrat"/>
-                        <a:sym typeface="Montserrat"/>
-                      </a:endParaRPr>
-                    </a:p>
-                    <a:p>
-                      <a:pPr marL="0" lvl="0" indent="0" algn="l" rtl="0">
-                        <a:spcBef>
-                          <a:spcPts val="0"/>
-                        </a:spcBef>
-                        <a:spcAft>
-                          <a:spcPts val="0"/>
-                        </a:spcAft>
-                        <a:buClr>
-                          <a:srgbClr val="000000"/>
-                        </a:buClr>
-                        <a:buSzPts val="1100"/>
-                        <a:buFont typeface="Arial"/>
-                        <a:buNone/>
-                      </a:pPr>
-                      <a:endParaRPr sz="800" i="1" dirty="0">
-                        <a:solidFill>
-                          <a:schemeClr val="dk2"/>
-                        </a:solidFill>
-                        <a:latin typeface="Montserrat"/>
-                        <a:ea typeface="Montserrat"/>
-                        <a:cs typeface="Montserrat"/>
-                        <a:sym typeface="Montserrat"/>
-                      </a:endParaRPr>
-                    </a:p>
-                    <a:p>
-                      <a:pPr marL="0" lvl="0" indent="0" algn="l" rtl="0">
-                        <a:spcBef>
-                          <a:spcPts val="0"/>
-                        </a:spcBef>
-                        <a:spcAft>
-                          <a:spcPts val="0"/>
-                        </a:spcAft>
-                        <a:buNone/>
-                      </a:pPr>
-                      <a:endParaRPr sz="800" i="1" dirty="0">
-                        <a:solidFill>
-                          <a:schemeClr val="dk2"/>
-                        </a:solidFill>
-                        <a:latin typeface="Montserrat"/>
-                        <a:ea typeface="Montserrat"/>
-                        <a:cs typeface="Montserrat"/>
-                        <a:sym typeface="Montserrat"/>
-                      </a:endParaRPr>
-                    </a:p>
-                    <a:p>
-                      <a:pPr marL="0" lvl="0" indent="0" algn="l" rtl="0">
-                        <a:spcBef>
-                          <a:spcPts val="0"/>
-                        </a:spcBef>
-                        <a:spcAft>
-                          <a:spcPts val="0"/>
-                        </a:spcAft>
-                        <a:buClr>
-                          <a:srgbClr val="000000"/>
-                        </a:buClr>
-                        <a:buSzPts val="1100"/>
-                        <a:buFont typeface="Arial"/>
-                        <a:buNone/>
-                      </a:pPr>
-                      <a:r>
-                        <a:rPr lang="en" sz="800" i="1" dirty="0">
-                          <a:solidFill>
-                            <a:schemeClr val="dk2"/>
-                          </a:solidFill>
-                          <a:latin typeface="Montserrat"/>
-                          <a:ea typeface="Montserrat"/>
-                          <a:cs typeface="Montserrat"/>
-                          <a:sym typeface="Montserrat"/>
-                        </a:rPr>
-                        <a:t>Hint: Top values exercise.</a:t>
-                      </a:r>
-                      <a:endParaRPr sz="800" i="1" dirty="0">
-                        <a:solidFill>
-                          <a:schemeClr val="dk2"/>
-                        </a:solidFill>
-                        <a:latin typeface="Montserrat"/>
+                        <a:latin typeface="Montserrat" panose="020B0604020202020204" charset="0"/>
                         <a:ea typeface="Montserrat"/>
                         <a:cs typeface="Montserrat"/>
                         <a:sym typeface="Montserrat"/>
@@ -17407,7 +16881,7 @@
                           <a:solidFill>
                             <a:schemeClr val="dk2"/>
                           </a:solidFill>
-                          <a:latin typeface="Montserrat"/>
+                          <a:latin typeface="Montserrat" panose="020B0604020202020204" charset="0"/>
                           <a:ea typeface="Montserrat"/>
                           <a:cs typeface="Montserrat"/>
                           <a:sym typeface="Montserrat"/>
@@ -17418,131 +16892,7 @@
                         <a:solidFill>
                           <a:schemeClr val="dk2"/>
                         </a:solidFill>
-                        <a:latin typeface="Montserrat"/>
-                        <a:ea typeface="Montserrat"/>
-                        <a:cs typeface="Montserrat"/>
-                        <a:sym typeface="Montserrat"/>
-                      </a:endParaRPr>
-                    </a:p>
-                    <a:p>
-                      <a:pPr marL="0" lvl="0" indent="0" algn="l" rtl="0">
-                        <a:spcBef>
-                          <a:spcPts val="0"/>
-                        </a:spcBef>
-                        <a:spcAft>
-                          <a:spcPts val="0"/>
-                        </a:spcAft>
-                        <a:buClr>
-                          <a:srgbClr val="000000"/>
-                        </a:buClr>
-                        <a:buSzPts val="1100"/>
-                        <a:buFont typeface="Arial"/>
-                        <a:buNone/>
-                      </a:pPr>
-                      <a:r>
-                        <a:rPr lang="en" sz="800" i="1" dirty="0">
-                          <a:solidFill>
-                            <a:schemeClr val="dk2"/>
-                          </a:solidFill>
-                          <a:latin typeface="Montserrat"/>
-                          <a:ea typeface="Montserrat"/>
-                          <a:cs typeface="Montserrat"/>
-                          <a:sym typeface="Montserrat"/>
-                        </a:rPr>
-                        <a:t>What is your brand image? What do others think you’re good at? </a:t>
-                      </a:r>
-                      <a:endParaRPr sz="800" i="1" dirty="0">
-                        <a:solidFill>
-                          <a:schemeClr val="dk2"/>
-                        </a:solidFill>
-                        <a:latin typeface="Montserrat"/>
-                        <a:ea typeface="Montserrat"/>
-                        <a:cs typeface="Montserrat"/>
-                        <a:sym typeface="Montserrat"/>
-                      </a:endParaRPr>
-                    </a:p>
-                    <a:p>
-                      <a:pPr marL="0" lvl="0" indent="0" algn="l" rtl="0">
-                        <a:spcBef>
-                          <a:spcPts val="0"/>
-                        </a:spcBef>
-                        <a:spcAft>
-                          <a:spcPts val="0"/>
-                        </a:spcAft>
-                        <a:buClr>
-                          <a:srgbClr val="000000"/>
-                        </a:buClr>
-                        <a:buSzPts val="1100"/>
-                        <a:buFont typeface="Arial"/>
-                        <a:buNone/>
-                      </a:pPr>
-                      <a:endParaRPr sz="800" i="1" dirty="0">
-                        <a:solidFill>
-                          <a:schemeClr val="dk2"/>
-                        </a:solidFill>
-                        <a:latin typeface="Montserrat"/>
-                        <a:ea typeface="Montserrat"/>
-                        <a:cs typeface="Montserrat"/>
-                        <a:sym typeface="Montserrat"/>
-                      </a:endParaRPr>
-                    </a:p>
-                    <a:p>
-                      <a:pPr marL="0" lvl="0" indent="0" algn="l" rtl="0">
-                        <a:spcBef>
-                          <a:spcPts val="0"/>
-                        </a:spcBef>
-                        <a:spcAft>
-                          <a:spcPts val="0"/>
-                        </a:spcAft>
-                        <a:buClr>
-                          <a:srgbClr val="000000"/>
-                        </a:buClr>
-                        <a:buSzPts val="1100"/>
-                        <a:buFont typeface="Arial"/>
-                        <a:buNone/>
-                      </a:pPr>
-                      <a:endParaRPr sz="800" i="1" dirty="0">
-                        <a:solidFill>
-                          <a:schemeClr val="dk2"/>
-                        </a:solidFill>
-                        <a:latin typeface="Montserrat"/>
-                        <a:ea typeface="Montserrat"/>
-                        <a:cs typeface="Montserrat"/>
-                        <a:sym typeface="Montserrat"/>
-                      </a:endParaRPr>
-                    </a:p>
-                    <a:p>
-                      <a:pPr marL="0" lvl="0" indent="0" algn="l" rtl="0">
-                        <a:spcBef>
-                          <a:spcPts val="0"/>
-                        </a:spcBef>
-                        <a:spcAft>
-                          <a:spcPts val="0"/>
-                        </a:spcAft>
-                        <a:buClr>
-                          <a:srgbClr val="000000"/>
-                        </a:buClr>
-                        <a:buSzPts val="1100"/>
-                        <a:buFont typeface="Arial"/>
-                        <a:buNone/>
-                      </a:pPr>
-                      <a:r>
-                        <a:rPr lang="en" sz="800" i="1" dirty="0">
-                          <a:solidFill>
-                            <a:schemeClr val="dk2"/>
-                          </a:solidFill>
-                          <a:latin typeface="Montserrat"/>
-                          <a:ea typeface="Montserrat"/>
-                          <a:cs typeface="Montserrat"/>
-                          <a:sym typeface="Montserrat"/>
-                        </a:rPr>
-                        <a:t>Hint: Brand attributes exercise</a:t>
-                      </a:r>
-                      <a:endParaRPr sz="800" i="1" dirty="0">
-                        <a:solidFill>
-                          <a:schemeClr val="dk2"/>
-                        </a:solidFill>
-                        <a:latin typeface="Montserrat"/>
+                        <a:latin typeface="Montserrat" panose="020B0604020202020204" charset="0"/>
                         <a:ea typeface="Montserrat"/>
                         <a:cs typeface="Montserrat"/>
                         <a:sym typeface="Montserrat"/>
@@ -17608,107 +16958,22 @@
                         <a:buNone/>
                       </a:pPr>
                       <a:r>
-                        <a:rPr lang="en" sz="900" b="1">
+                        <a:rPr lang="en" sz="900" b="1" dirty="0">
                           <a:solidFill>
                             <a:schemeClr val="dk2"/>
                           </a:solidFill>
-                          <a:latin typeface="Montserrat"/>
+                          <a:latin typeface="Montserrat" panose="020B0604020202020204" charset="0"/>
                           <a:ea typeface="Montserrat"/>
                           <a:cs typeface="Montserrat"/>
                           <a:sym typeface="Montserrat"/>
                         </a:rPr>
                         <a:t>5. Who’s your audience</a:t>
                       </a:r>
-                      <a:br>
-                        <a:rPr lang="en" sz="900" b="1">
-                          <a:solidFill>
-                            <a:schemeClr val="dk2"/>
-                          </a:solidFill>
-                          <a:latin typeface="Montserrat"/>
-                          <a:ea typeface="Montserrat"/>
-                          <a:cs typeface="Montserrat"/>
-                          <a:sym typeface="Montserrat"/>
-                        </a:rPr>
-                      </a:br>
-                      <a:r>
-                        <a:rPr lang="en" sz="800" i="1">
-                          <a:solidFill>
-                            <a:schemeClr val="dk2"/>
-                          </a:solidFill>
-                          <a:latin typeface="Montserrat"/>
-                          <a:ea typeface="Montserrat"/>
-                          <a:cs typeface="Montserrat"/>
-                          <a:sym typeface="Montserrat"/>
-                        </a:rPr>
-                        <a:t>Who are the people you target to achieve your goals? In what places or communities can you find them?</a:t>
-                      </a:r>
-                      <a:endParaRPr sz="800" i="1">
+                      <a:endParaRPr sz="900" b="1" dirty="0">
                         <a:solidFill>
                           <a:schemeClr val="dk2"/>
                         </a:solidFill>
-                        <a:latin typeface="Montserrat"/>
-                        <a:ea typeface="Montserrat"/>
-                        <a:cs typeface="Montserrat"/>
-                        <a:sym typeface="Montserrat"/>
-                      </a:endParaRPr>
-                    </a:p>
-                    <a:p>
-                      <a:pPr marL="0" lvl="0" indent="0" algn="l" rtl="0">
-                        <a:spcBef>
-                          <a:spcPts val="0"/>
-                        </a:spcBef>
-                        <a:spcAft>
-                          <a:spcPts val="0"/>
-                        </a:spcAft>
-                        <a:buClr>
-                          <a:srgbClr val="000000"/>
-                        </a:buClr>
-                        <a:buSzPts val="1100"/>
-                        <a:buFont typeface="Arial"/>
-                        <a:buNone/>
-                      </a:pPr>
-                      <a:endParaRPr sz="800" i="1">
-                        <a:solidFill>
-                          <a:schemeClr val="dk2"/>
-                        </a:solidFill>
-                        <a:latin typeface="Montserrat"/>
-                        <a:ea typeface="Montserrat"/>
-                        <a:cs typeface="Montserrat"/>
-                        <a:sym typeface="Montserrat"/>
-                      </a:endParaRPr>
-                    </a:p>
-                    <a:p>
-                      <a:pPr marL="0" lvl="0" indent="0" algn="l" rtl="0">
-                        <a:spcBef>
-                          <a:spcPts val="0"/>
-                        </a:spcBef>
-                        <a:spcAft>
-                          <a:spcPts val="0"/>
-                        </a:spcAft>
-                        <a:buClr>
-                          <a:schemeClr val="dk1"/>
-                        </a:buClr>
-                        <a:buSzPts val="1100"/>
-                        <a:buFont typeface="Arial"/>
-                        <a:buNone/>
-                      </a:pPr>
-                      <a:r>
-                        <a:rPr lang="en" sz="800" i="1">
-                          <a:solidFill>
-                            <a:schemeClr val="dk2"/>
-                          </a:solidFill>
-                          <a:latin typeface="Montserrat"/>
-                          <a:ea typeface="Montserrat"/>
-                          <a:cs typeface="Montserrat"/>
-                          <a:sym typeface="Montserrat"/>
-                        </a:rPr>
-                        <a:t>Hint: Audience exercise</a:t>
-                      </a:r>
-                      <a:endParaRPr sz="900" b="1">
-                        <a:solidFill>
-                          <a:schemeClr val="dk2"/>
-                        </a:solidFill>
-                        <a:latin typeface="Montserrat"/>
+                        <a:latin typeface="Montserrat" panose="020B0604020202020204" charset="0"/>
                         <a:ea typeface="Montserrat"/>
                         <a:cs typeface="Montserrat"/>
                         <a:sym typeface="Montserrat"/>
@@ -17774,146 +17039,22 @@
                         <a:buNone/>
                       </a:pPr>
                       <a:r>
-                        <a:rPr lang="en" sz="900" b="1">
+                        <a:rPr lang="en" sz="900" b="1" dirty="0">
                           <a:solidFill>
                             <a:schemeClr val="dk2"/>
                           </a:solidFill>
-                          <a:latin typeface="Montserrat"/>
+                          <a:latin typeface="Montserrat" panose="020B0604020202020204" charset="0"/>
                           <a:ea typeface="Montserrat"/>
                           <a:cs typeface="Montserrat"/>
                           <a:sym typeface="Montserrat"/>
                         </a:rPr>
                         <a:t>7. Profiles/Channels</a:t>
                       </a:r>
-                      <a:endParaRPr sz="800" i="1">
+                      <a:endParaRPr sz="800" i="1" dirty="0">
                         <a:solidFill>
                           <a:schemeClr val="dk2"/>
                         </a:solidFill>
-                        <a:latin typeface="Montserrat"/>
-                        <a:ea typeface="Montserrat"/>
-                        <a:cs typeface="Montserrat"/>
-                        <a:sym typeface="Montserrat"/>
-                      </a:endParaRPr>
-                    </a:p>
-                    <a:p>
-                      <a:pPr marL="0" lvl="0" indent="0" algn="l" rtl="0">
-                        <a:spcBef>
-                          <a:spcPts val="0"/>
-                        </a:spcBef>
-                        <a:spcAft>
-                          <a:spcPts val="0"/>
-                        </a:spcAft>
-                        <a:buClr>
-                          <a:srgbClr val="000000"/>
-                        </a:buClr>
-                        <a:buSzPts val="1100"/>
-                        <a:buFont typeface="Arial"/>
-                        <a:buNone/>
-                      </a:pPr>
-                      <a:r>
-                        <a:rPr lang="en" sz="800" i="1">
-                          <a:solidFill>
-                            <a:schemeClr val="dk2"/>
-                          </a:solidFill>
-                          <a:latin typeface="Montserrat"/>
-                          <a:ea typeface="Montserrat"/>
-                          <a:cs typeface="Montserrat"/>
-                          <a:sym typeface="Montserrat"/>
-                        </a:rPr>
-                        <a:t>Time to tell the world: tailor your profile to portray your brand</a:t>
-                      </a:r>
-                      <a:endParaRPr sz="800" i="1">
-                        <a:solidFill>
-                          <a:schemeClr val="dk2"/>
-                        </a:solidFill>
-                        <a:latin typeface="Montserrat"/>
-                        <a:ea typeface="Montserrat"/>
-                        <a:cs typeface="Montserrat"/>
-                        <a:sym typeface="Montserrat"/>
-                      </a:endParaRPr>
-                    </a:p>
-                    <a:p>
-                      <a:pPr marL="0" lvl="0" indent="0" algn="l" rtl="0">
-                        <a:spcBef>
-                          <a:spcPts val="0"/>
-                        </a:spcBef>
-                        <a:spcAft>
-                          <a:spcPts val="0"/>
-                        </a:spcAft>
-                        <a:buClr>
-                          <a:srgbClr val="000000"/>
-                        </a:buClr>
-                        <a:buSzPts val="1100"/>
-                        <a:buFont typeface="Arial"/>
-                        <a:buNone/>
-                      </a:pPr>
-                      <a:endParaRPr sz="800" i="1">
-                        <a:solidFill>
-                          <a:schemeClr val="dk2"/>
-                        </a:solidFill>
-                        <a:latin typeface="Montserrat"/>
-                        <a:ea typeface="Montserrat"/>
-                        <a:cs typeface="Montserrat"/>
-                        <a:sym typeface="Montserrat"/>
-                      </a:endParaRPr>
-                    </a:p>
-                    <a:p>
-                      <a:pPr marL="0" lvl="0" indent="0" algn="l" rtl="0">
-                        <a:spcBef>
-                          <a:spcPts val="0"/>
-                        </a:spcBef>
-                        <a:spcAft>
-                          <a:spcPts val="0"/>
-                        </a:spcAft>
-                        <a:buClr>
-                          <a:srgbClr val="000000"/>
-                        </a:buClr>
-                        <a:buSzPts val="1100"/>
-                        <a:buFont typeface="Arial"/>
-                        <a:buNone/>
-                      </a:pPr>
-                      <a:endParaRPr sz="800" i="1">
-                        <a:solidFill>
-                          <a:schemeClr val="dk2"/>
-                        </a:solidFill>
-                        <a:latin typeface="Montserrat"/>
-                        <a:ea typeface="Montserrat"/>
-                        <a:cs typeface="Montserrat"/>
-                        <a:sym typeface="Montserrat"/>
-                      </a:endParaRPr>
-                    </a:p>
-                    <a:p>
-                      <a:pPr marL="0" lvl="0" indent="0" algn="l" rtl="0">
-                        <a:spcBef>
-                          <a:spcPts val="0"/>
-                        </a:spcBef>
-                        <a:spcAft>
-                          <a:spcPts val="0"/>
-                        </a:spcAft>
-                        <a:buClr>
-                          <a:schemeClr val="dk1"/>
-                        </a:buClr>
-                        <a:buSzPts val="1100"/>
-                        <a:buFont typeface="Arial"/>
-                        <a:buNone/>
-                      </a:pPr>
-                      <a:r>
-                        <a:rPr lang="en" sz="800" i="1">
-                          <a:solidFill>
-                            <a:schemeClr val="dk2"/>
-                          </a:solidFill>
-                          <a:latin typeface="Montserrat"/>
-                          <a:ea typeface="Montserrat"/>
-                          <a:cs typeface="Montserrat"/>
-                          <a:sym typeface="Montserrat"/>
-                        </a:rPr>
-                        <a:t>Hint: Linkedin + CV + Student Profile exercise</a:t>
-                      </a:r>
-                      <a:endParaRPr sz="800" i="1">
-                        <a:solidFill>
-                          <a:schemeClr val="dk2"/>
-                        </a:solidFill>
-                        <a:latin typeface="Montserrat"/>
+                        <a:latin typeface="Montserrat" panose="020B0604020202020204" charset="0"/>
                         <a:ea typeface="Montserrat"/>
                         <a:cs typeface="Montserrat"/>
                         <a:sym typeface="Montserrat"/>
@@ -17965,13 +17106,13 @@
                   </a:ext>
                 </a:extLst>
               </a:tr>
-              <a:tr h="1176900">
+              <a:tr h="0">
                 <a:tc>
                   <a:txBody>
                     <a:bodyPr/>
                     <a:lstStyle/>
                     <a:p>
-                      <a:pPr marL="0" marR="0" lvl="0" indent="0" algn="l" rtl="0">
+                      <a:pPr marL="88900" marR="0" lvl="0" indent="-88900" algn="l" rtl="0">
                         <a:lnSpc>
                           <a:spcPct val="100000"/>
                         </a:lnSpc>
@@ -17985,24 +17126,24 @@
                           <a:srgbClr val="000000"/>
                         </a:buClr>
                         <a:buSzPts val="1100"/>
-                        <a:buFont typeface="Arial"/>
-                        <a:buNone/>
+                        <a:buFont typeface="Arial" panose="020B0604020202020204" pitchFamily="34" charset="0"/>
+                        <a:buChar char="•"/>
                       </a:pPr>
                       <a:r>
                         <a:rPr lang="en-GB" sz="800" b="0" i="1" u="none" strike="noStrike" cap="none" dirty="0">
                           <a:solidFill>
                             <a:schemeClr val="dk2"/>
                           </a:solidFill>
-                          <a:latin typeface="Montserrat"/>
+                          <a:latin typeface="Montserrat" panose="020B0604020202020204" charset="0"/>
                           <a:ea typeface="Arial"/>
                           <a:cs typeface="Arial"/>
                           <a:sym typeface="Arial"/>
                         </a:rPr>
-                        <a:t>Influence: In my work to shape and influence the thinking of others.</a:t>
+                        <a:t>Influence and shape other’s thinking at work</a:t>
                       </a:r>
                     </a:p>
                     <a:p>
-                      <a:pPr marL="0" marR="0" lvl="0" indent="0" algn="l" rtl="0">
+                      <a:pPr marL="88900" marR="0" lvl="0" indent="-88900" algn="l" rtl="0">
                         <a:lnSpc>
                           <a:spcPct val="100000"/>
                         </a:lnSpc>
@@ -18016,24 +17157,21 @@
                           <a:srgbClr val="000000"/>
                         </a:buClr>
                         <a:buSzPts val="1100"/>
-                        <a:buFont typeface="Arial"/>
-                        <a:buNone/>
+                        <a:buFont typeface="Arial" panose="020B0604020202020204" pitchFamily="34" charset="0"/>
+                        <a:buChar char="•"/>
                       </a:pPr>
-                      <a:r>
-                        <a:rPr lang="en-GB" sz="800" b="0" i="1" u="none" strike="noStrike" cap="none" dirty="0">
-                          <a:solidFill>
-                            <a:schemeClr val="dk2"/>
-                          </a:solidFill>
-                          <a:latin typeface="Montserrat"/>
-                          <a:ea typeface="Arial"/>
-                          <a:cs typeface="Arial"/>
-                          <a:sym typeface="Arial"/>
-                        </a:rPr>
-                        <a:t> </a:t>
-                      </a:r>
+                      <a:endParaRPr lang="en-GB" sz="800" b="0" i="1" u="none" strike="noStrike" cap="none" dirty="0">
+                        <a:solidFill>
+                          <a:schemeClr val="dk2"/>
+                        </a:solidFill>
+                        <a:latin typeface="Montserrat" panose="020B0604020202020204" charset="0"/>
+                        <a:ea typeface="Arial"/>
+                        <a:cs typeface="Arial"/>
+                        <a:sym typeface="Arial"/>
+                      </a:endParaRPr>
                     </a:p>
                     <a:p>
-                      <a:pPr marL="0" marR="0" lvl="0" indent="0" algn="l" rtl="0">
+                      <a:pPr marL="88900" marR="0" lvl="0" indent="-88900" algn="l" rtl="0">
                         <a:lnSpc>
                           <a:spcPct val="100000"/>
                         </a:lnSpc>
@@ -18047,24 +17185,24 @@
                           <a:srgbClr val="000000"/>
                         </a:buClr>
                         <a:buSzPts val="1100"/>
-                        <a:buFont typeface="Arial"/>
-                        <a:buNone/>
+                        <a:buFont typeface="Arial" panose="020B0604020202020204" pitchFamily="34" charset="0"/>
+                        <a:buChar char="•"/>
                       </a:pPr>
                       <a:r>
                         <a:rPr lang="en-GB" sz="800" b="0" i="1" u="none" strike="noStrike" cap="none" dirty="0">
                           <a:solidFill>
                             <a:schemeClr val="dk2"/>
                           </a:solidFill>
-                          <a:latin typeface="Montserrat"/>
+                          <a:latin typeface="Montserrat" panose="020B0604020202020204" charset="0"/>
                           <a:ea typeface="Arial"/>
                           <a:cs typeface="Arial"/>
                           <a:sym typeface="Arial"/>
                         </a:rPr>
-                        <a:t>Sociability:  Engaging  regularly with people as part of my daily work.</a:t>
+                        <a:t>Sociability: Engaging  regularly with people as part of my daily work.  </a:t>
                       </a:r>
                     </a:p>
                     <a:p>
-                      <a:pPr marL="0" marR="0" lvl="0" indent="0" algn="l" rtl="0">
+                      <a:pPr marL="88900" marR="0" lvl="0" indent="-88900" algn="l" rtl="0">
                         <a:lnSpc>
                           <a:spcPct val="100000"/>
                         </a:lnSpc>
@@ -18078,24 +17216,21 @@
                           <a:srgbClr val="000000"/>
                         </a:buClr>
                         <a:buSzPts val="1100"/>
-                        <a:buFont typeface="Arial"/>
-                        <a:buNone/>
+                        <a:buFont typeface="Arial" panose="020B0604020202020204" pitchFamily="34" charset="0"/>
+                        <a:buChar char="•"/>
                       </a:pPr>
-                      <a:r>
-                        <a:rPr lang="en-GB" sz="800" b="0" i="1" u="none" strike="noStrike" cap="none" dirty="0">
-                          <a:solidFill>
-                            <a:schemeClr val="dk2"/>
-                          </a:solidFill>
-                          <a:latin typeface="Montserrat"/>
-                          <a:ea typeface="Arial"/>
-                          <a:cs typeface="Arial"/>
-                          <a:sym typeface="Arial"/>
-                        </a:rPr>
-                        <a:t>  </a:t>
-                      </a:r>
+                      <a:endParaRPr lang="en-GB" sz="800" b="0" i="1" u="none" strike="noStrike" cap="none" dirty="0">
+                        <a:solidFill>
+                          <a:schemeClr val="dk2"/>
+                        </a:solidFill>
+                        <a:latin typeface="Montserrat" panose="020B0604020202020204" charset="0"/>
+                        <a:ea typeface="Arial"/>
+                        <a:cs typeface="Arial"/>
+                        <a:sym typeface="Arial"/>
+                      </a:endParaRPr>
                     </a:p>
                     <a:p>
-                      <a:pPr marL="0" marR="0" lvl="0" indent="0" algn="l" rtl="0">
+                      <a:pPr marL="88900" marR="0" lvl="0" indent="-88900" algn="l" rtl="0">
                         <a:lnSpc>
                           <a:spcPct val="100000"/>
                         </a:lnSpc>
@@ -18109,24 +17244,24 @@
                           <a:srgbClr val="000000"/>
                         </a:buClr>
                         <a:buSzPts val="1100"/>
-                        <a:buFont typeface="Arial"/>
-                        <a:buNone/>
+                        <a:buFont typeface="Arial" panose="020B0604020202020204" pitchFamily="34" charset="0"/>
+                        <a:buChar char="•"/>
                       </a:pPr>
                       <a:r>
                         <a:rPr lang="en-GB" sz="800" b="0" i="1" u="none" strike="noStrike" cap="none" dirty="0">
                           <a:solidFill>
                             <a:schemeClr val="dk2"/>
                           </a:solidFill>
-                          <a:latin typeface="Montserrat"/>
+                          <a:latin typeface="Montserrat" panose="020B0604020202020204" charset="0"/>
                           <a:ea typeface="Arial"/>
                           <a:cs typeface="Arial"/>
                           <a:sym typeface="Arial"/>
                         </a:rPr>
-                        <a:t>Variation: Having tasks and responsibilities to vary regularly.</a:t>
+                        <a:t>Variation: Having tasks and responsibilities to vary regularly.  </a:t>
                       </a:r>
                     </a:p>
                     <a:p>
-                      <a:pPr marL="0" marR="0" lvl="0" indent="0" algn="l" rtl="0">
+                      <a:pPr marL="88900" marR="0" lvl="0" indent="-88900" algn="l" rtl="0">
                         <a:lnSpc>
                           <a:spcPct val="100000"/>
                         </a:lnSpc>
@@ -18140,24 +17275,21 @@
                           <a:srgbClr val="000000"/>
                         </a:buClr>
                         <a:buSzPts val="1100"/>
-                        <a:buFont typeface="Arial"/>
-                        <a:buNone/>
+                        <a:buFont typeface="Arial" panose="020B0604020202020204" pitchFamily="34" charset="0"/>
+                        <a:buChar char="•"/>
                       </a:pPr>
-                      <a:r>
-                        <a:rPr lang="en-GB" sz="800" b="0" i="1" u="none" strike="noStrike" cap="none" dirty="0">
-                          <a:solidFill>
-                            <a:schemeClr val="dk2"/>
-                          </a:solidFill>
-                          <a:latin typeface="Montserrat"/>
-                          <a:ea typeface="Arial"/>
-                          <a:cs typeface="Arial"/>
-                          <a:sym typeface="Arial"/>
-                        </a:rPr>
-                        <a:t>  </a:t>
-                      </a:r>
+                      <a:endParaRPr lang="en-GB" sz="800" b="0" i="1" u="none" strike="noStrike" cap="none" dirty="0">
+                        <a:solidFill>
+                          <a:schemeClr val="dk2"/>
+                        </a:solidFill>
+                        <a:latin typeface="Montserrat" panose="020B0604020202020204" charset="0"/>
+                        <a:ea typeface="Arial"/>
+                        <a:cs typeface="Arial"/>
+                        <a:sym typeface="Arial"/>
+                      </a:endParaRPr>
                     </a:p>
                     <a:p>
-                      <a:pPr marL="0" marR="0" lvl="0" indent="0" algn="l" rtl="0">
+                      <a:pPr marL="88900" marR="0" lvl="0" indent="-88900" algn="l" rtl="0">
                         <a:lnSpc>
                           <a:spcPct val="100000"/>
                         </a:lnSpc>
@@ -18171,15 +17303,15 @@
                           <a:srgbClr val="000000"/>
                         </a:buClr>
                         <a:buSzPts val="1100"/>
-                        <a:buFont typeface="Arial"/>
-                        <a:buNone/>
+                        <a:buFont typeface="Arial" panose="020B0604020202020204" pitchFamily="34" charset="0"/>
+                        <a:buChar char="•"/>
                       </a:pPr>
                       <a:r>
                         <a:rPr lang="en-GB" sz="800" b="0" i="1" u="none" strike="noStrike" cap="none" dirty="0">
                           <a:solidFill>
                             <a:schemeClr val="dk2"/>
                           </a:solidFill>
-                          <a:latin typeface="Montserrat"/>
+                          <a:latin typeface="Montserrat" panose="020B0604020202020204" charset="0"/>
                           <a:ea typeface="Arial"/>
                           <a:cs typeface="Arial"/>
                           <a:sym typeface="Arial"/>
@@ -18187,8 +17319,52 @@
                         <a:t>Expertise: Working hard toward expertise and mastery in my field.</a:t>
                       </a:r>
                     </a:p>
+                  </a:txBody>
+                  <a:tcPr marL="91425" marR="91425" marT="91425" marB="91425">
+                    <a:lnL w="9525" cap="flat" cmpd="sng">
+                      <a:solidFill>
+                        <a:srgbClr val="64C3F5"/>
+                      </a:solidFill>
+                      <a:prstDash val="solid"/>
+                      <a:round/>
+                      <a:headEnd type="none" w="sm" len="sm"/>
+                      <a:tailEnd type="none" w="sm" len="sm"/>
+                    </a:lnL>
+                    <a:lnR w="9525" cap="flat" cmpd="sng">
+                      <a:solidFill>
+                        <a:srgbClr val="64C3F5"/>
+                      </a:solidFill>
+                      <a:prstDash val="solid"/>
+                      <a:round/>
+                      <a:headEnd type="none" w="sm" len="sm"/>
+                      <a:tailEnd type="none" w="sm" len="sm"/>
+                    </a:lnR>
+                    <a:lnT w="9525" cap="flat" cmpd="sng">
+                      <a:solidFill>
+                        <a:srgbClr val="64C3F5"/>
+                      </a:solidFill>
+                      <a:prstDash val="solid"/>
+                      <a:round/>
+                      <a:headEnd type="none" w="sm" len="sm"/>
+                      <a:tailEnd type="none" w="sm" len="sm"/>
+                    </a:lnT>
+                    <a:lnB w="9525" cap="flat" cmpd="sng">
+                      <a:solidFill>
+                        <a:srgbClr val="64C3F5"/>
+                      </a:solidFill>
+                      <a:prstDash val="solid"/>
+                      <a:round/>
+                      <a:headEnd type="none" w="sm" len="sm"/>
+                      <a:tailEnd type="none" w="sm" len="sm"/>
+                    </a:lnB>
+                  </a:tcPr>
+                </a:tc>
+                <a:tc>
+                  <a:txBody>
+                    <a:bodyPr/>
+                    <a:lstStyle/>
                     <a:p>
-                      <a:pPr marL="0" marR="0" lvl="0" indent="0" algn="l" rtl="0">
+                      <a:pPr marL="171450" marR="0" lvl="0" indent="-171450" algn="l" rtl="0">
                         <a:lnSpc>
                           <a:spcPct val="100000"/>
                         </a:lnSpc>
@@ -18202,41 +17378,198 @@
                           <a:srgbClr val="000000"/>
                         </a:buClr>
                         <a:buSzPts val="1100"/>
-                        <a:buFont typeface="Arial"/>
-                        <a:buNone/>
+                        <a:buFont typeface="Arial" panose="020B0604020202020204" pitchFamily="34" charset="0"/>
+                        <a:buChar char="•"/>
                       </a:pPr>
                       <a:r>
                         <a:rPr lang="en-GB" sz="800" b="0" i="1" u="none" strike="noStrike" cap="none" dirty="0">
                           <a:solidFill>
                             <a:schemeClr val="dk2"/>
                           </a:solidFill>
-                          <a:latin typeface="Montserrat"/>
-                          <a:ea typeface="Arial"/>
+                          <a:latin typeface="Montserrat" panose="020B0604020202020204" charset="0"/>
+                          <a:ea typeface="Work Sans"/>
                           <a:cs typeface="Arial"/>
-                          <a:sym typeface="Arial"/>
+                          <a:sym typeface="Work Sans"/>
                         </a:rPr>
-                        <a:t> </a:t>
+                        <a:t>Trustworthy</a:t>
                       </a:r>
-                      <a:br>
+                    </a:p>
+                    <a:p>
+                      <a:pPr marL="171450" marR="0" lvl="0" indent="-171450" algn="l" rtl="0">
+                        <a:lnSpc>
+                          <a:spcPct val="100000"/>
+                        </a:lnSpc>
+                        <a:spcBef>
+                          <a:spcPts val="0"/>
+                        </a:spcBef>
+                        <a:spcAft>
+                          <a:spcPts val="0"/>
+                        </a:spcAft>
+                        <a:buClr>
+                          <a:srgbClr val="000000"/>
+                        </a:buClr>
+                        <a:buSzPts val="1100"/>
+                        <a:buFont typeface="Arial" panose="020B0604020202020204" pitchFamily="34" charset="0"/>
+                        <a:buChar char="•"/>
+                      </a:pPr>
+                      <a:endParaRPr lang="en-GB" sz="800" b="0" i="1" u="none" strike="noStrike" cap="none" dirty="0">
+                        <a:solidFill>
+                          <a:schemeClr val="dk2"/>
+                        </a:solidFill>
+                        <a:latin typeface="Montserrat" panose="020B0604020202020204" charset="0"/>
+                        <a:ea typeface="Work Sans"/>
+                        <a:cs typeface="Arial"/>
+                        <a:sym typeface="Work Sans"/>
+                      </a:endParaRPr>
+                    </a:p>
+                    <a:p>
+                      <a:pPr marL="171450" marR="0" lvl="0" indent="-171450" algn="l" rtl="0">
+                        <a:lnSpc>
+                          <a:spcPct val="100000"/>
+                        </a:lnSpc>
+                        <a:spcBef>
+                          <a:spcPts val="0"/>
+                        </a:spcBef>
+                        <a:spcAft>
+                          <a:spcPts val="0"/>
+                        </a:spcAft>
+                        <a:buClr>
+                          <a:srgbClr val="000000"/>
+                        </a:buClr>
+                        <a:buSzPts val="1100"/>
+                        <a:buFont typeface="Arial" panose="020B0604020202020204" pitchFamily="34" charset="0"/>
+                        <a:buChar char="•"/>
+                      </a:pPr>
+                      <a:r>
                         <a:rPr lang="en-GB" sz="800" b="0" i="1" u="none" strike="noStrike" cap="none" dirty="0">
                           <a:solidFill>
                             <a:schemeClr val="dk2"/>
                           </a:solidFill>
-                          <a:latin typeface="Montserrat"/>
-                          <a:ea typeface="Arial"/>
+                          <a:latin typeface="Montserrat" panose="020B0604020202020204" charset="0"/>
+                          <a:ea typeface="Work Sans"/>
                           <a:cs typeface="Arial"/>
-                          <a:sym typeface="Arial"/>
+                          <a:sym typeface="Work Sans"/>
                         </a:rPr>
-                      </a:br>
+                        <a:t>Resilient</a:t>
+                      </a:r>
+                    </a:p>
+                    <a:p>
+                      <a:pPr marL="171450" marR="0" lvl="0" indent="-171450" algn="l" rtl="0">
+                        <a:lnSpc>
+                          <a:spcPct val="100000"/>
+                        </a:lnSpc>
+                        <a:spcBef>
+                          <a:spcPts val="0"/>
+                        </a:spcBef>
+                        <a:spcAft>
+                          <a:spcPts val="0"/>
+                        </a:spcAft>
+                        <a:buClr>
+                          <a:srgbClr val="000000"/>
+                        </a:buClr>
+                        <a:buSzPts val="1100"/>
+                        <a:buFont typeface="Arial" panose="020B0604020202020204" pitchFamily="34" charset="0"/>
+                        <a:buChar char="•"/>
+                      </a:pPr>
                       <a:endParaRPr lang="en-GB" sz="800" b="0" i="1" u="none" strike="noStrike" cap="none" dirty="0">
                         <a:solidFill>
                           <a:schemeClr val="dk2"/>
                         </a:solidFill>
-                        <a:latin typeface="Montserrat"/>
-                        <a:ea typeface="Arial"/>
+                        <a:latin typeface="Montserrat" panose="020B0604020202020204" charset="0"/>
+                        <a:ea typeface="Work Sans"/>
                         <a:cs typeface="Arial"/>
-                        <a:sym typeface="Arial"/>
+                        <a:sym typeface="Work Sans"/>
                       </a:endParaRPr>
+                    </a:p>
+                    <a:p>
+                      <a:pPr marL="171450" marR="0" lvl="0" indent="-171450" algn="l" rtl="0">
+                        <a:lnSpc>
+                          <a:spcPct val="100000"/>
+                        </a:lnSpc>
+                        <a:spcBef>
+                          <a:spcPts val="0"/>
+                        </a:spcBef>
+                        <a:spcAft>
+                          <a:spcPts val="0"/>
+                        </a:spcAft>
+                        <a:buClr>
+                          <a:srgbClr val="000000"/>
+                        </a:buClr>
+                        <a:buSzPts val="1100"/>
+                        <a:buFont typeface="Arial" panose="020B0604020202020204" pitchFamily="34" charset="0"/>
+                        <a:buChar char="•"/>
+                      </a:pPr>
+                      <a:r>
+                        <a:rPr lang="en-GB" sz="800" b="0" i="1" u="none" strike="noStrike" cap="none" dirty="0">
+                          <a:solidFill>
+                            <a:schemeClr val="dk2"/>
+                          </a:solidFill>
+                          <a:latin typeface="Montserrat" panose="020B0604020202020204" charset="0"/>
+                          <a:ea typeface="Work Sans"/>
+                          <a:cs typeface="Arial"/>
+                          <a:sym typeface="Work Sans"/>
+                        </a:rPr>
+                        <a:t>Adaptable</a:t>
+                      </a:r>
+                    </a:p>
+                    <a:p>
+                      <a:pPr marL="171450" marR="0" lvl="0" indent="-171450" algn="l" rtl="0">
+                        <a:lnSpc>
+                          <a:spcPct val="100000"/>
+                        </a:lnSpc>
+                        <a:spcBef>
+                          <a:spcPts val="0"/>
+                        </a:spcBef>
+                        <a:spcAft>
+                          <a:spcPts val="0"/>
+                        </a:spcAft>
+                        <a:buClr>
+                          <a:srgbClr val="000000"/>
+                        </a:buClr>
+                        <a:buSzPts val="1100"/>
+                        <a:buFont typeface="Arial" panose="020B0604020202020204" pitchFamily="34" charset="0"/>
+                        <a:buChar char="•"/>
+                      </a:pPr>
+                      <a:endParaRPr lang="en-GB" sz="800" b="0" i="1" u="none" strike="noStrike" cap="none" dirty="0">
+                        <a:solidFill>
+                          <a:schemeClr val="dk2"/>
+                        </a:solidFill>
+                        <a:latin typeface="Montserrat" panose="020B0604020202020204" charset="0"/>
+                        <a:ea typeface="Work Sans"/>
+                        <a:cs typeface="Arial"/>
+                        <a:sym typeface="Work Sans"/>
+                      </a:endParaRPr>
+                    </a:p>
+                    <a:p>
+                      <a:pPr marL="171450" marR="0" lvl="0" indent="-171450" algn="l" rtl="0">
+                        <a:lnSpc>
+                          <a:spcPct val="100000"/>
+                        </a:lnSpc>
+                        <a:spcBef>
+                          <a:spcPts val="0"/>
+                        </a:spcBef>
+                        <a:spcAft>
+                          <a:spcPts val="0"/>
+                        </a:spcAft>
+                        <a:buClr>
+                          <a:srgbClr val="000000"/>
+                        </a:buClr>
+                        <a:buSzPts val="1100"/>
+                        <a:buFont typeface="Arial" panose="020B0604020202020204" pitchFamily="34" charset="0"/>
+                        <a:buChar char="•"/>
+                      </a:pPr>
+                      <a:r>
+                        <a:rPr lang="en-GB" sz="800" b="0" i="1" u="none" strike="noStrike" cap="none" dirty="0">
+                          <a:solidFill>
+                            <a:schemeClr val="dk2"/>
+                          </a:solidFill>
+                          <a:latin typeface="Montserrat" panose="020B0604020202020204" charset="0"/>
+                          <a:ea typeface="Work Sans"/>
+                          <a:cs typeface="Arial"/>
+                          <a:sym typeface="Work Sans"/>
+                        </a:rPr>
+                        <a:t>Kind</a:t>
+                      </a:r>
                     </a:p>
                     <a:p>
                       <a:pPr marL="0" lvl="0" indent="0" algn="l" rtl="0">
@@ -18257,7 +17590,7 @@
                         <a:solidFill>
                           <a:schemeClr val="dk2"/>
                         </a:solidFill>
-                        <a:latin typeface="Work Sans"/>
+                        <a:latin typeface="Montserrat" panose="020B0604020202020204" charset="0"/>
                         <a:ea typeface="Work Sans"/>
                         <a:cs typeface="Work Sans"/>
                         <a:sym typeface="Work Sans"/>
@@ -18308,7 +17641,7 @@
                     <a:bodyPr/>
                     <a:lstStyle/>
                     <a:p>
-                      <a:pPr marL="0" lvl="0" indent="0" algn="l" rtl="0">
+                      <a:pPr marL="171450" lvl="0" indent="-171450" algn="l" rtl="0">
                         <a:spcBef>
                           <a:spcPts val="0"/>
                         </a:spcBef>
@@ -18319,24 +17652,24 @@
                           <a:srgbClr val="000000"/>
                         </a:buClr>
                         <a:buSzPts val="1100"/>
-                        <a:buFont typeface="Arial"/>
-                        <a:buNone/>
+                        <a:buFont typeface="Arial" panose="020B0604020202020204" pitchFamily="34" charset="0"/>
+                        <a:buChar char="•"/>
                       </a:pPr>
                       <a:r>
-                        <a:rPr lang="en-GB" sz="900" i="1" dirty="0">
+                        <a:rPr lang="en-GB" sz="800" b="0" i="1" u="none" strike="noStrike" cap="none" dirty="0">
                           <a:solidFill>
                             <a:schemeClr val="dk2"/>
                           </a:solidFill>
-                          <a:latin typeface="Work Sans"/>
+                          <a:latin typeface="Montserrat" panose="020B0604020202020204" charset="0"/>
                           <a:ea typeface="Work Sans"/>
-                          <a:cs typeface="Work Sans"/>
+                          <a:cs typeface="Arial"/>
                           <a:sym typeface="Work Sans"/>
                         </a:rPr>
-                        <a:t>Using active  listening skills</a:t>
+                        <a:t>Country Manager</a:t>
                       </a:r>
                     </a:p>
                     <a:p>
-                      <a:pPr marL="0" lvl="0" indent="0" algn="l" rtl="0">
+                      <a:pPr marL="171450" lvl="0" indent="-171450" algn="l" rtl="0">
                         <a:spcBef>
                           <a:spcPts val="0"/>
                         </a:spcBef>
@@ -18347,21 +17680,21 @@
                           <a:srgbClr val="000000"/>
                         </a:buClr>
                         <a:buSzPts val="1100"/>
-                        <a:buFont typeface="Arial"/>
-                        <a:buNone/>
+                        <a:buFont typeface="Arial" panose="020B0604020202020204" pitchFamily="34" charset="0"/>
+                        <a:buChar char="•"/>
                       </a:pPr>
-                      <a:endParaRPr lang="en-GB" sz="900" i="1" dirty="0">
+                      <a:endParaRPr lang="en-GB" sz="800" b="0" i="1" u="none" strike="noStrike" cap="none" dirty="0">
                         <a:solidFill>
                           <a:schemeClr val="dk2"/>
                         </a:solidFill>
-                        <a:latin typeface="Work Sans"/>
+                        <a:latin typeface="Montserrat" panose="020B0604020202020204" charset="0"/>
                         <a:ea typeface="Work Sans"/>
-                        <a:cs typeface="Work Sans"/>
+                        <a:cs typeface="Arial"/>
                         <a:sym typeface="Work Sans"/>
                       </a:endParaRPr>
                     </a:p>
                     <a:p>
-                      <a:pPr marL="0" lvl="0" indent="0" algn="l" rtl="0">
+                      <a:pPr marL="171450" lvl="0" indent="-171450" algn="l" rtl="0">
                         <a:spcBef>
                           <a:spcPts val="0"/>
                         </a:spcBef>
@@ -18372,24 +17705,24 @@
                           <a:srgbClr val="000000"/>
                         </a:buClr>
                         <a:buSzPts val="1100"/>
-                        <a:buFont typeface="Arial"/>
-                        <a:buNone/>
+                        <a:buFont typeface="Arial" panose="020B0604020202020204" pitchFamily="34" charset="0"/>
+                        <a:buChar char="•"/>
                       </a:pPr>
                       <a:r>
-                        <a:rPr lang="en-GB" sz="900" i="1" dirty="0">
+                        <a:rPr lang="en-GB" sz="800" b="0" i="1" u="none" strike="noStrike" cap="none" dirty="0">
                           <a:solidFill>
                             <a:schemeClr val="dk2"/>
                           </a:solidFill>
-                          <a:latin typeface="Work Sans"/>
+                          <a:latin typeface="Montserrat" panose="020B0604020202020204" charset="0"/>
                           <a:ea typeface="Work Sans"/>
-                          <a:cs typeface="Work Sans"/>
+                          <a:cs typeface="Arial"/>
                           <a:sym typeface="Work Sans"/>
                         </a:rPr>
-                        <a:t>Promoting &amp; selling products or ideas</a:t>
+                        <a:t>Marketing Manager</a:t>
                       </a:r>
                     </a:p>
                     <a:p>
-                      <a:pPr marL="0" lvl="0" indent="0" algn="l" rtl="0">
+                      <a:pPr marL="171450" lvl="0" indent="-171450" algn="l" rtl="0">
                         <a:spcBef>
                           <a:spcPts val="0"/>
                         </a:spcBef>
@@ -18400,21 +17733,21 @@
                           <a:srgbClr val="000000"/>
                         </a:buClr>
                         <a:buSzPts val="1100"/>
-                        <a:buFont typeface="Arial"/>
-                        <a:buNone/>
+                        <a:buFont typeface="Arial" panose="020B0604020202020204" pitchFamily="34" charset="0"/>
+                        <a:buChar char="•"/>
                       </a:pPr>
-                      <a:endParaRPr lang="en-GB" sz="900" i="1" dirty="0">
+                      <a:endParaRPr lang="en-GB" sz="800" b="0" i="1" u="none" strike="noStrike" cap="none" dirty="0">
                         <a:solidFill>
                           <a:schemeClr val="dk2"/>
                         </a:solidFill>
-                        <a:latin typeface="Work Sans"/>
+                        <a:latin typeface="Montserrat" panose="020B0604020202020204" charset="0"/>
                         <a:ea typeface="Work Sans"/>
-                        <a:cs typeface="Work Sans"/>
+                        <a:cs typeface="Arial"/>
                         <a:sym typeface="Work Sans"/>
                       </a:endParaRPr>
                     </a:p>
                     <a:p>
-                      <a:pPr marL="0" lvl="0" indent="0" algn="l" rtl="0">
+                      <a:pPr marL="171450" lvl="0" indent="-171450" algn="l" rtl="0">
                         <a:spcBef>
                           <a:spcPts val="0"/>
                         </a:spcBef>
@@ -18425,146 +17758,40 @@
                           <a:srgbClr val="000000"/>
                         </a:buClr>
                         <a:buSzPts val="1100"/>
-                        <a:buFont typeface="Arial"/>
-                        <a:buNone/>
+                        <a:buFont typeface="Arial" panose="020B0604020202020204" pitchFamily="34" charset="0"/>
+                        <a:buChar char="•"/>
                       </a:pPr>
                       <a:r>
-                        <a:rPr lang="en-GB" sz="900" i="1" dirty="0">
+                        <a:rPr lang="en-GB" sz="800" b="0" i="1" u="none" strike="noStrike" cap="none" dirty="0">
                           <a:solidFill>
                             <a:schemeClr val="dk2"/>
                           </a:solidFill>
-                          <a:latin typeface="Work Sans"/>
+                          <a:latin typeface="Montserrat" panose="020B0604020202020204" charset="0"/>
                           <a:ea typeface="Work Sans"/>
-                          <a:cs typeface="Work Sans"/>
+                          <a:cs typeface="Arial"/>
                           <a:sym typeface="Work Sans"/>
                         </a:rPr>
-                        <a:t>Completing tasks &amp; attaining goals</a:t>
+                        <a:t>Marketing </a:t>
                       </a:r>
-                    </a:p>
-                    <a:p>
-                      <a:pPr marL="0" lvl="0" indent="0" algn="l" rtl="0">
-                        <a:spcBef>
-                          <a:spcPts val="0"/>
-                        </a:spcBef>
-                        <a:spcAft>
-                          <a:spcPts val="0"/>
-                        </a:spcAft>
-                        <a:buClr>
-                          <a:srgbClr val="000000"/>
-                        </a:buClr>
-                        <a:buSzPts val="1100"/>
-                        <a:buFont typeface="Arial"/>
-                        <a:buNone/>
-                      </a:pPr>
-                      <a:endParaRPr lang="en-GB" sz="900" i="1" dirty="0">
+                      <a:r>
+                        <a:rPr lang="en-GB" sz="800" b="0" i="1" u="none" strike="noStrike" cap="none" dirty="0" err="1">
+                          <a:solidFill>
+                            <a:schemeClr val="dk2"/>
+                          </a:solidFill>
+                          <a:latin typeface="Montserrat" panose="020B0604020202020204" charset="0"/>
+                          <a:ea typeface="Work Sans"/>
+                          <a:cs typeface="Arial"/>
+                          <a:sym typeface="Work Sans"/>
+                        </a:rPr>
+                        <a:t>Intellegence</a:t>
+                      </a:r>
+                      <a:endParaRPr sz="800" b="0" i="1" u="none" strike="noStrike" cap="none" dirty="0">
                         <a:solidFill>
                           <a:schemeClr val="dk2"/>
                         </a:solidFill>
-                        <a:latin typeface="Work Sans"/>
+                        <a:latin typeface="Montserrat" panose="020B0604020202020204" charset="0"/>
                         <a:ea typeface="Work Sans"/>
-                        <a:cs typeface="Work Sans"/>
-                        <a:sym typeface="Work Sans"/>
-                      </a:endParaRPr>
-                    </a:p>
-                    <a:p>
-                      <a:pPr marL="0" lvl="0" indent="0" algn="l" rtl="0">
-                        <a:spcBef>
-                          <a:spcPts val="0"/>
-                        </a:spcBef>
-                        <a:spcAft>
-                          <a:spcPts val="0"/>
-                        </a:spcAft>
-                        <a:buClr>
-                          <a:srgbClr val="000000"/>
-                        </a:buClr>
-                        <a:buSzPts val="1100"/>
-                        <a:buFont typeface="Arial"/>
-                        <a:buNone/>
-                      </a:pPr>
-                      <a:r>
-                        <a:rPr lang="en-GB" sz="900" i="1" dirty="0">
-                          <a:solidFill>
-                            <a:schemeClr val="dk2"/>
-                          </a:solidFill>
-                          <a:latin typeface="Work Sans"/>
-                          <a:ea typeface="Work Sans"/>
-                          <a:cs typeface="Work Sans"/>
-                          <a:sym typeface="Work Sans"/>
-                        </a:rPr>
-                        <a:t>Setting priorities</a:t>
-                      </a:r>
-                    </a:p>
-                    <a:p>
-                      <a:pPr marL="0" lvl="0" indent="0" algn="l" rtl="0">
-                        <a:spcBef>
-                          <a:spcPts val="0"/>
-                        </a:spcBef>
-                        <a:spcAft>
-                          <a:spcPts val="0"/>
-                        </a:spcAft>
-                        <a:buClr>
-                          <a:srgbClr val="000000"/>
-                        </a:buClr>
-                        <a:buSzPts val="1100"/>
-                        <a:buFont typeface="Arial"/>
-                        <a:buNone/>
-                      </a:pPr>
-                      <a:endParaRPr lang="en-GB" sz="900" i="1" dirty="0">
-                        <a:solidFill>
-                          <a:schemeClr val="dk2"/>
-                        </a:solidFill>
-                        <a:latin typeface="Work Sans"/>
-                        <a:ea typeface="Work Sans"/>
-                        <a:cs typeface="Work Sans"/>
-                        <a:sym typeface="Work Sans"/>
-                      </a:endParaRPr>
-                    </a:p>
-                    <a:p>
-                      <a:pPr marL="0" lvl="0" indent="0" algn="l" rtl="0">
-                        <a:spcBef>
-                          <a:spcPts val="0"/>
-                        </a:spcBef>
-                        <a:spcAft>
-                          <a:spcPts val="0"/>
-                        </a:spcAft>
-                        <a:buClr>
-                          <a:srgbClr val="000000"/>
-                        </a:buClr>
-                        <a:buSzPts val="1100"/>
-                        <a:buFont typeface="Arial"/>
-                        <a:buNone/>
-                      </a:pPr>
-                      <a:r>
-                        <a:rPr lang="en-GB" sz="900" i="1" dirty="0">
-                          <a:solidFill>
-                            <a:schemeClr val="dk2"/>
-                          </a:solidFill>
-                          <a:latin typeface="Work Sans"/>
-                          <a:ea typeface="Work Sans"/>
-                          <a:cs typeface="Work Sans"/>
-                          <a:sym typeface="Work Sans"/>
-                        </a:rPr>
-                        <a:t>Thinking critically </a:t>
-                      </a:r>
-                      <a:r>
-                        <a:rPr lang="en-GB" sz="900" i="1">
-                          <a:solidFill>
-                            <a:schemeClr val="dk2"/>
-                          </a:solidFill>
-                          <a:latin typeface="Work Sans"/>
-                          <a:ea typeface="Work Sans"/>
-                          <a:cs typeface="Work Sans"/>
-                          <a:sym typeface="Work Sans"/>
-                        </a:rPr>
-                        <a:t>and evaluating</a:t>
-                      </a:r>
-                      <a:endParaRPr sz="900" i="1" dirty="0">
-                        <a:solidFill>
-                          <a:schemeClr val="dk2"/>
-                        </a:solidFill>
-                        <a:latin typeface="Work Sans"/>
-                        <a:ea typeface="Work Sans"/>
-                        <a:cs typeface="Work Sans"/>
+                        <a:cs typeface="Arial"/>
                         <a:sym typeface="Work Sans"/>
                       </a:endParaRPr>
                     </a:p>
@@ -18613,7 +17840,7 @@
                     <a:bodyPr/>
                     <a:lstStyle/>
                     <a:p>
-                      <a:pPr marL="0" lvl="0" indent="0" algn="l" rtl="0">
+                      <a:pPr marL="171450" lvl="0" indent="-171450" algn="l" rtl="0">
                         <a:spcBef>
                           <a:spcPts val="0"/>
                         </a:spcBef>
@@ -18624,65 +17851,33 @@
                           <a:srgbClr val="000000"/>
                         </a:buClr>
                         <a:buSzPts val="1100"/>
-                        <a:buFont typeface="Arial"/>
-                        <a:buNone/>
+                        <a:buFont typeface="Arial" panose="020B0604020202020204" pitchFamily="34" charset="0"/>
+                        <a:buChar char="•"/>
                       </a:pPr>
-                      <a:endParaRPr sz="900" b="1" i="1">
+                      <a:r>
+                        <a:rPr lang="en-GB" sz="800" b="0" i="1" u="none" strike="noStrike" cap="none" dirty="0" err="1">
+                          <a:solidFill>
+                            <a:schemeClr val="dk2"/>
+                          </a:solidFill>
+                          <a:latin typeface="Montserrat" panose="020B0604020202020204" charset="0"/>
+                          <a:ea typeface="Work Sans"/>
+                          <a:cs typeface="Arial"/>
+                          <a:sym typeface="Work Sans"/>
+                        </a:rPr>
+                        <a:t>Linkedin</a:t>
+                      </a:r>
+                      <a:endParaRPr lang="en-GB" sz="800" b="0" i="1" u="none" strike="noStrike" cap="none" dirty="0">
                         <a:solidFill>
                           <a:schemeClr val="dk2"/>
                         </a:solidFill>
-                        <a:latin typeface="Work Sans"/>
+                        <a:latin typeface="Montserrat" panose="020B0604020202020204" charset="0"/>
                         <a:ea typeface="Work Sans"/>
-                        <a:cs typeface="Work Sans"/>
+                        <a:cs typeface="Arial"/>
                         <a:sym typeface="Work Sans"/>
                       </a:endParaRPr>
                     </a:p>
-                  </a:txBody>
-                  <a:tcPr marL="91425" marR="91425" marT="91425" marB="91425">
-                    <a:lnL w="9525" cap="flat" cmpd="sng">
-                      <a:solidFill>
-                        <a:srgbClr val="64C3F5"/>
-                      </a:solidFill>
-                      <a:prstDash val="solid"/>
-                      <a:round/>
-                      <a:headEnd type="none" w="sm" len="sm"/>
-                      <a:tailEnd type="none" w="sm" len="sm"/>
-                    </a:lnL>
-                    <a:lnR w="9525" cap="flat" cmpd="sng">
-                      <a:solidFill>
-                        <a:srgbClr val="64C3F5"/>
-                      </a:solidFill>
-                      <a:prstDash val="solid"/>
-                      <a:round/>
-                      <a:headEnd type="none" w="sm" len="sm"/>
-                      <a:tailEnd type="none" w="sm" len="sm"/>
-                    </a:lnR>
-                    <a:lnT w="9525" cap="flat" cmpd="sng">
-                      <a:solidFill>
-                        <a:srgbClr val="64C3F5"/>
-                      </a:solidFill>
-                      <a:prstDash val="solid"/>
-                      <a:round/>
-                      <a:headEnd type="none" w="sm" len="sm"/>
-                      <a:tailEnd type="none" w="sm" len="sm"/>
-                    </a:lnT>
-                    <a:lnB w="9525" cap="flat" cmpd="sng">
-                      <a:solidFill>
-                        <a:srgbClr val="64C3F5"/>
-                      </a:solidFill>
-                      <a:prstDash val="solid"/>
-                      <a:round/>
-                      <a:headEnd type="none" w="sm" len="sm"/>
-                      <a:tailEnd type="none" w="sm" len="sm"/>
-                    </a:lnB>
-                  </a:tcPr>
-                </a:tc>
-                <a:tc>
-                  <a:txBody>
-                    <a:bodyPr/>
-                    <a:lstStyle/>
                     <a:p>
-                      <a:pPr marL="0" lvl="0" indent="0" algn="l" rtl="0">
+                      <a:pPr marL="171450" lvl="0" indent="-171450" algn="l" rtl="0">
                         <a:spcBef>
                           <a:spcPts val="0"/>
                         </a:spcBef>
@@ -18693,21 +17888,21 @@
                           <a:srgbClr val="000000"/>
                         </a:buClr>
                         <a:buSzPts val="1100"/>
-                        <a:buFont typeface="Arial"/>
-                        <a:buNone/>
+                        <a:buFont typeface="Arial" panose="020B0604020202020204" pitchFamily="34" charset="0"/>
+                        <a:buChar char="•"/>
                       </a:pPr>
-                      <a:endParaRPr sz="900" b="1" i="1">
+                      <a:endParaRPr lang="en-GB" sz="800" b="0" i="1" u="none" strike="noStrike" cap="none" dirty="0">
                         <a:solidFill>
                           <a:schemeClr val="dk2"/>
                         </a:solidFill>
-                        <a:latin typeface="Work Sans"/>
+                        <a:latin typeface="Montserrat" panose="020B0604020202020204" charset="0"/>
                         <a:ea typeface="Work Sans"/>
-                        <a:cs typeface="Work Sans"/>
+                        <a:cs typeface="Arial"/>
                         <a:sym typeface="Work Sans"/>
                       </a:endParaRPr>
                     </a:p>
                     <a:p>
-                      <a:pPr marL="0" lvl="0" indent="0" algn="l" rtl="0">
+                      <a:pPr marL="171450" lvl="0" indent="-171450" algn="l" rtl="0">
                         <a:spcBef>
                           <a:spcPts val="0"/>
                         </a:spcBef>
@@ -18718,16 +17913,81 @@
                           <a:srgbClr val="000000"/>
                         </a:buClr>
                         <a:buSzPts val="1100"/>
-                        <a:buFont typeface="Arial"/>
-                        <a:buNone/>
+                        <a:buFont typeface="Arial" panose="020B0604020202020204" pitchFamily="34" charset="0"/>
+                        <a:buChar char="•"/>
                       </a:pPr>
-                      <a:endParaRPr sz="900" b="1" i="1">
+                      <a:r>
+                        <a:rPr lang="en-GB" sz="800" b="0" i="1" u="none" strike="noStrike" cap="none" dirty="0">
+                          <a:solidFill>
+                            <a:schemeClr val="dk2"/>
+                          </a:solidFill>
+                          <a:latin typeface="Montserrat" panose="020B0604020202020204" charset="0"/>
+                          <a:ea typeface="Work Sans"/>
+                          <a:cs typeface="Arial"/>
+                          <a:sym typeface="Work Sans"/>
+                        </a:rPr>
+                        <a:t>Meetup</a:t>
+                      </a:r>
+                    </a:p>
+                    <a:p>
+                      <a:pPr marL="171450" lvl="0" indent="-171450" algn="l" rtl="0">
+                        <a:spcBef>
+                          <a:spcPts val="0"/>
+                        </a:spcBef>
+                        <a:spcAft>
+                          <a:spcPts val="0"/>
+                        </a:spcAft>
+                        <a:buClr>
+                          <a:srgbClr val="000000"/>
+                        </a:buClr>
+                        <a:buSzPts val="1100"/>
+                        <a:buFont typeface="Arial" panose="020B0604020202020204" pitchFamily="34" charset="0"/>
+                        <a:buChar char="•"/>
+                      </a:pPr>
+                      <a:endParaRPr lang="en-GB" sz="800" b="0" i="1" u="none" strike="noStrike" cap="none" dirty="0">
                         <a:solidFill>
                           <a:schemeClr val="dk2"/>
                         </a:solidFill>
-                        <a:latin typeface="Work Sans"/>
+                        <a:latin typeface="Montserrat" panose="020B0604020202020204" charset="0"/>
                         <a:ea typeface="Work Sans"/>
-                        <a:cs typeface="Work Sans"/>
+                        <a:cs typeface="Arial"/>
+                        <a:sym typeface="Work Sans"/>
+                      </a:endParaRPr>
+                    </a:p>
+                    <a:p>
+                      <a:pPr marL="171450" lvl="0" indent="-171450" algn="l" rtl="0">
+                        <a:spcBef>
+                          <a:spcPts val="0"/>
+                        </a:spcBef>
+                        <a:spcAft>
+                          <a:spcPts val="0"/>
+                        </a:spcAft>
+                        <a:buClr>
+                          <a:srgbClr val="000000"/>
+                        </a:buClr>
+                        <a:buSzPts val="1100"/>
+                        <a:buFont typeface="Arial" panose="020B0604020202020204" pitchFamily="34" charset="0"/>
+                        <a:buChar char="•"/>
+                      </a:pPr>
+                      <a:r>
+                        <a:rPr lang="en-GB" sz="800" b="0" i="1" u="none" strike="noStrike" cap="none" dirty="0">
+                          <a:solidFill>
+                            <a:schemeClr val="dk2"/>
+                          </a:solidFill>
+                          <a:latin typeface="Montserrat" panose="020B0604020202020204" charset="0"/>
+                          <a:ea typeface="Work Sans"/>
+                          <a:cs typeface="Arial"/>
+                          <a:sym typeface="Work Sans"/>
+                        </a:rPr>
+                        <a:t>CV</a:t>
+                      </a:r>
+                      <a:endParaRPr sz="800" b="0" i="1" u="none" strike="noStrike" cap="none" dirty="0">
+                        <a:solidFill>
+                          <a:schemeClr val="dk2"/>
+                        </a:solidFill>
+                        <a:latin typeface="Montserrat" panose="020B0604020202020204" charset="0"/>
+                        <a:ea typeface="Work Sans"/>
+                        <a:cs typeface="Arial"/>
                         <a:sym typeface="Work Sans"/>
                       </a:endParaRPr>
                     </a:p>
@@ -18741,11 +18001,11 @@
                         </a:spcAft>
                         <a:buNone/>
                       </a:pPr>
-                      <a:endParaRPr sz="900" b="1" i="1">
+                      <a:endParaRPr sz="900" b="1" i="1" dirty="0">
                         <a:solidFill>
                           <a:schemeClr val="dk2"/>
                         </a:solidFill>
-                        <a:latin typeface="Work Sans"/>
+                        <a:latin typeface="Montserrat" panose="020B0604020202020204" charset="0"/>
                         <a:ea typeface="Work Sans"/>
                         <a:cs typeface="Work Sans"/>
                         <a:sym typeface="Work Sans"/>
@@ -18797,7 +18057,7 @@
                   </a:ext>
                 </a:extLst>
               </a:tr>
-              <a:tr h="952775">
+              <a:tr h="294631">
                 <a:tc>
                   <a:txBody>
                     <a:bodyPr/>
@@ -18822,7 +18082,7 @@
                           <a:solidFill>
                             <a:schemeClr val="dk2"/>
                           </a:solidFill>
-                          <a:latin typeface="Montserrat"/>
+                          <a:latin typeface="Montserrat" panose="020B0604020202020204" charset="0"/>
                           <a:ea typeface="Montserrat"/>
                           <a:cs typeface="Montserrat"/>
                           <a:sym typeface="Montserrat"/>
@@ -18833,143 +18093,7 @@
                         <a:solidFill>
                           <a:schemeClr val="dk2"/>
                         </a:solidFill>
-                        <a:latin typeface="Montserrat"/>
-                        <a:ea typeface="Montserrat"/>
-                        <a:cs typeface="Montserrat"/>
-                        <a:sym typeface="Montserrat"/>
-                      </a:endParaRPr>
-                    </a:p>
-                    <a:p>
-                      <a:pPr marL="0" lvl="0" indent="0" algn="l" rtl="0">
-                        <a:spcBef>
-                          <a:spcPts val="0"/>
-                        </a:spcBef>
-                        <a:spcAft>
-                          <a:spcPts val="0"/>
-                        </a:spcAft>
-                        <a:buClr>
-                          <a:srgbClr val="000000"/>
-                        </a:buClr>
-                        <a:buSzPts val="1100"/>
-                        <a:buFont typeface="Arial"/>
-                        <a:buNone/>
-                      </a:pPr>
-                      <a:r>
-                        <a:rPr lang="en" sz="800" dirty="0">
-                          <a:solidFill>
-                            <a:schemeClr val="dk2"/>
-                          </a:solidFill>
-                          <a:latin typeface="Montserrat"/>
-                          <a:ea typeface="Montserrat"/>
-                          <a:cs typeface="Montserrat"/>
-                          <a:sym typeface="Montserrat"/>
-                        </a:rPr>
-                        <a:t>What you can do </a:t>
-                      </a:r>
-                      <a:endParaRPr sz="800" dirty="0">
-                        <a:solidFill>
-                          <a:schemeClr val="dk2"/>
-                        </a:solidFill>
-                        <a:latin typeface="Montserrat"/>
-                        <a:ea typeface="Montserrat"/>
-                        <a:cs typeface="Montserrat"/>
-                        <a:sym typeface="Montserrat"/>
-                      </a:endParaRPr>
-                    </a:p>
-                    <a:p>
-                      <a:pPr marL="0" lvl="0" indent="0" algn="l" rtl="0">
-                        <a:spcBef>
-                          <a:spcPts val="0"/>
-                        </a:spcBef>
-                        <a:spcAft>
-                          <a:spcPts val="0"/>
-                        </a:spcAft>
-                        <a:buClr>
-                          <a:srgbClr val="000000"/>
-                        </a:buClr>
-                        <a:buSzPts val="1100"/>
-                        <a:buFont typeface="Arial"/>
-                        <a:buNone/>
-                      </a:pPr>
-                      <a:r>
-                        <a:rPr lang="en" sz="800" i="1" dirty="0">
-                          <a:solidFill>
-                            <a:schemeClr val="dk2"/>
-                          </a:solidFill>
-                          <a:latin typeface="Montserrat"/>
-                          <a:ea typeface="Montserrat"/>
-                          <a:cs typeface="Montserrat"/>
-                          <a:sym typeface="Montserrat"/>
-                        </a:rPr>
-                        <a:t>Your skills, talent, experience, know-how.</a:t>
-                      </a:r>
-                      <a:endParaRPr sz="800" i="1" dirty="0">
-                        <a:solidFill>
-                          <a:schemeClr val="dk2"/>
-                        </a:solidFill>
-                        <a:latin typeface="Montserrat"/>
-                        <a:ea typeface="Montserrat"/>
-                        <a:cs typeface="Montserrat"/>
-                        <a:sym typeface="Montserrat"/>
-                      </a:endParaRPr>
-                    </a:p>
-                    <a:p>
-                      <a:pPr marL="0" lvl="0" indent="0" algn="l" rtl="0">
-                        <a:spcBef>
-                          <a:spcPts val="0"/>
-                        </a:spcBef>
-                        <a:spcAft>
-                          <a:spcPts val="0"/>
-                        </a:spcAft>
-                        <a:buClr>
-                          <a:srgbClr val="000000"/>
-                        </a:buClr>
-                        <a:buSzPts val="1100"/>
-                        <a:buFont typeface="Arial"/>
-                        <a:buNone/>
-                      </a:pPr>
-                      <a:endParaRPr sz="800" i="1" dirty="0">
-                        <a:solidFill>
-                          <a:schemeClr val="dk2"/>
-                        </a:solidFill>
-                        <a:latin typeface="Montserrat"/>
-                        <a:ea typeface="Montserrat"/>
-                        <a:cs typeface="Montserrat"/>
-                        <a:sym typeface="Montserrat"/>
-                      </a:endParaRPr>
-                    </a:p>
-                    <a:p>
-                      <a:pPr marL="0" lvl="0" indent="0" algn="l" rtl="0">
-                        <a:spcBef>
-                          <a:spcPts val="0"/>
-                        </a:spcBef>
-                        <a:spcAft>
-                          <a:spcPts val="0"/>
-                        </a:spcAft>
-                        <a:buClr>
-                          <a:srgbClr val="000000"/>
-                        </a:buClr>
-                        <a:buSzPts val="1100"/>
-                        <a:buFont typeface="Arial"/>
-                        <a:buNone/>
-                      </a:pPr>
-                      <a:r>
-                        <a:rPr lang="en" sz="800" i="1" dirty="0">
-                          <a:solidFill>
-                            <a:schemeClr val="dk2"/>
-                          </a:solidFill>
-                          <a:latin typeface="Montserrat"/>
-                          <a:ea typeface="Montserrat"/>
-                          <a:cs typeface="Montserrat"/>
-                          <a:sym typeface="Montserrat"/>
-                        </a:rPr>
-                        <a:t>Hint: Top skills exercise.</a:t>
-                      </a:r>
-                      <a:endParaRPr sz="900" b="1" dirty="0">
-                        <a:solidFill>
-                          <a:schemeClr val="dk2"/>
-                        </a:solidFill>
-                        <a:latin typeface="Montserrat"/>
+                        <a:latin typeface="Montserrat" panose="020B0604020202020204" charset="0"/>
                         <a:ea typeface="Montserrat"/>
                         <a:cs typeface="Montserrat"/>
                         <a:sym typeface="Montserrat"/>
@@ -19035,183 +18159,22 @@
                         <a:buNone/>
                       </a:pPr>
                       <a:r>
-                        <a:rPr lang="en" sz="900" b="1">
+                        <a:rPr lang="en" sz="900" b="1" dirty="0">
                           <a:solidFill>
                             <a:schemeClr val="dk2"/>
                           </a:solidFill>
-                          <a:latin typeface="Montserrat"/>
+                          <a:latin typeface="Montserrat" panose="020B0604020202020204" charset="0"/>
                           <a:ea typeface="Montserrat"/>
                           <a:cs typeface="Montserrat"/>
                           <a:sym typeface="Montserrat"/>
                         </a:rPr>
                         <a:t>4. Your goal</a:t>
                       </a:r>
-                      <a:endParaRPr sz="900" b="1">
+                      <a:endParaRPr sz="900" b="1" dirty="0">
                         <a:solidFill>
                           <a:schemeClr val="dk2"/>
                         </a:solidFill>
-                        <a:latin typeface="Montserrat"/>
-                        <a:ea typeface="Montserrat"/>
-                        <a:cs typeface="Montserrat"/>
-                        <a:sym typeface="Montserrat"/>
-                      </a:endParaRPr>
-                    </a:p>
-                    <a:p>
-                      <a:pPr marL="0" lvl="0" indent="0" algn="l" rtl="0">
-                        <a:spcBef>
-                          <a:spcPts val="0"/>
-                        </a:spcBef>
-                        <a:spcAft>
-                          <a:spcPts val="0"/>
-                        </a:spcAft>
-                        <a:buClr>
-                          <a:srgbClr val="000000"/>
-                        </a:buClr>
-                        <a:buSzPts val="1100"/>
-                        <a:buFont typeface="Arial"/>
-                        <a:buNone/>
-                      </a:pPr>
-                      <a:r>
-                        <a:rPr lang="en" sz="800" i="1">
-                          <a:solidFill>
-                            <a:schemeClr val="dk2"/>
-                          </a:solidFill>
-                          <a:latin typeface="Montserrat"/>
-                          <a:ea typeface="Montserrat"/>
-                          <a:cs typeface="Montserrat"/>
-                          <a:sym typeface="Montserrat"/>
-                        </a:rPr>
-                        <a:t>What do you want to achieve?</a:t>
-                      </a:r>
-                      <a:endParaRPr sz="800" i="1">
-                        <a:solidFill>
-                          <a:schemeClr val="dk2"/>
-                        </a:solidFill>
-                        <a:latin typeface="Montserrat"/>
-                        <a:ea typeface="Montserrat"/>
-                        <a:cs typeface="Montserrat"/>
-                        <a:sym typeface="Montserrat"/>
-                      </a:endParaRPr>
-                    </a:p>
-                    <a:p>
-                      <a:pPr marL="0" lvl="0" indent="0" algn="l" rtl="0">
-                        <a:spcBef>
-                          <a:spcPts val="0"/>
-                        </a:spcBef>
-                        <a:spcAft>
-                          <a:spcPts val="0"/>
-                        </a:spcAft>
-                        <a:buClr>
-                          <a:srgbClr val="000000"/>
-                        </a:buClr>
-                        <a:buSzPts val="1100"/>
-                        <a:buFont typeface="Arial"/>
-                        <a:buNone/>
-                      </a:pPr>
-                      <a:endParaRPr sz="800" i="1">
-                        <a:solidFill>
-                          <a:schemeClr val="dk2"/>
-                        </a:solidFill>
-                        <a:latin typeface="Montserrat"/>
-                        <a:ea typeface="Montserrat"/>
-                        <a:cs typeface="Montserrat"/>
-                        <a:sym typeface="Montserrat"/>
-                      </a:endParaRPr>
-                    </a:p>
-                    <a:p>
-                      <a:pPr marL="0" lvl="0" indent="0" algn="l" rtl="0">
-                        <a:spcBef>
-                          <a:spcPts val="0"/>
-                        </a:spcBef>
-                        <a:spcAft>
-                          <a:spcPts val="0"/>
-                        </a:spcAft>
-                        <a:buClr>
-                          <a:srgbClr val="000000"/>
-                        </a:buClr>
-                        <a:buSzPts val="1100"/>
-                        <a:buFont typeface="Arial"/>
-                        <a:buNone/>
-                      </a:pPr>
-                      <a:r>
-                        <a:rPr lang="en" sz="800" i="1">
-                          <a:solidFill>
-                            <a:schemeClr val="dk2"/>
-                          </a:solidFill>
-                          <a:latin typeface="Montserrat"/>
-                          <a:ea typeface="Montserrat"/>
-                          <a:cs typeface="Montserrat"/>
-                          <a:sym typeface="Montserrat"/>
-                        </a:rPr>
-                        <a:t> </a:t>
-                      </a:r>
-                      <a:endParaRPr sz="800" i="1">
-                        <a:solidFill>
-                          <a:schemeClr val="dk2"/>
-                        </a:solidFill>
-                        <a:latin typeface="Montserrat"/>
-                        <a:ea typeface="Montserrat"/>
-                        <a:cs typeface="Montserrat"/>
-                        <a:sym typeface="Montserrat"/>
-                      </a:endParaRPr>
-                    </a:p>
-                    <a:p>
-                      <a:pPr marL="0" lvl="0" indent="0" algn="l" rtl="0">
-                        <a:spcBef>
-                          <a:spcPts val="0"/>
-                        </a:spcBef>
-                        <a:spcAft>
-                          <a:spcPts val="0"/>
-                        </a:spcAft>
-                        <a:buClr>
-                          <a:srgbClr val="000000"/>
-                        </a:buClr>
-                        <a:buSzPts val="1100"/>
-                        <a:buFont typeface="Arial"/>
-                        <a:buNone/>
-                      </a:pPr>
-                      <a:endParaRPr sz="800" i="1">
-                        <a:solidFill>
-                          <a:schemeClr val="dk2"/>
-                        </a:solidFill>
-                        <a:latin typeface="Montserrat"/>
-                        <a:ea typeface="Montserrat"/>
-                        <a:cs typeface="Montserrat"/>
-                        <a:sym typeface="Montserrat"/>
-                      </a:endParaRPr>
-                    </a:p>
-                    <a:p>
-                      <a:pPr marL="0" lvl="0" indent="0" algn="l" rtl="0">
-                        <a:spcBef>
-                          <a:spcPts val="0"/>
-                        </a:spcBef>
-                        <a:spcAft>
-                          <a:spcPts val="0"/>
-                        </a:spcAft>
-                        <a:buClr>
-                          <a:srgbClr val="000000"/>
-                        </a:buClr>
-                        <a:buSzPts val="1100"/>
-                        <a:buFont typeface="Arial"/>
-                        <a:buNone/>
-                      </a:pPr>
-                      <a:r>
-                        <a:rPr lang="en" sz="800" i="1">
-                          <a:solidFill>
-                            <a:schemeClr val="dk2"/>
-                          </a:solidFill>
-                          <a:latin typeface="Montserrat"/>
-                          <a:ea typeface="Montserrat"/>
-                          <a:cs typeface="Montserrat"/>
-                          <a:sym typeface="Montserrat"/>
-                        </a:rPr>
-                        <a:t>Hint: Contract exercise. DYNAMIC</a:t>
-                      </a:r>
-                      <a:endParaRPr sz="800" i="1">
-                        <a:solidFill>
-                          <a:schemeClr val="dk2"/>
-                        </a:solidFill>
-                        <a:latin typeface="Montserrat"/>
+                        <a:latin typeface="Montserrat" panose="020B0604020202020204" charset="0"/>
                         <a:ea typeface="Montserrat"/>
                         <a:cs typeface="Montserrat"/>
                         <a:sym typeface="Montserrat"/>
@@ -19277,169 +18240,22 @@
                         <a:buNone/>
                       </a:pPr>
                       <a:r>
-                        <a:rPr lang="en" sz="900" b="1">
+                        <a:rPr lang="en" sz="900" b="1" dirty="0">
                           <a:solidFill>
                             <a:schemeClr val="dk2"/>
                           </a:solidFill>
-                          <a:latin typeface="Montserrat"/>
+                          <a:latin typeface="Montserrat" panose="020B0604020202020204" charset="0"/>
                           <a:ea typeface="Montserrat"/>
                           <a:cs typeface="Montserrat"/>
                           <a:sym typeface="Montserrat"/>
                         </a:rPr>
                         <a:t>6. Personal Branding Statement </a:t>
                       </a:r>
-                      <a:br>
-                        <a:rPr lang="en" sz="900" b="1">
-                          <a:solidFill>
-                            <a:schemeClr val="dk2"/>
-                          </a:solidFill>
-                          <a:latin typeface="Montserrat"/>
-                          <a:ea typeface="Montserrat"/>
-                          <a:cs typeface="Montserrat"/>
-                          <a:sym typeface="Montserrat"/>
-                        </a:rPr>
-                      </a:br>
-                      <a:r>
-                        <a:rPr lang="en" sz="800" i="1">
-                          <a:solidFill>
-                            <a:schemeClr val="dk2"/>
-                          </a:solidFill>
-                          <a:latin typeface="Montserrat"/>
-                          <a:ea typeface="Montserrat"/>
-                          <a:cs typeface="Montserrat"/>
-                          <a:sym typeface="Montserrat"/>
-                        </a:rPr>
-                        <a:t>Tie it all together</a:t>
-                      </a:r>
-                      <a:endParaRPr sz="800" i="1">
+                      <a:endParaRPr sz="900" b="1" dirty="0">
                         <a:solidFill>
                           <a:schemeClr val="dk2"/>
                         </a:solidFill>
-                        <a:latin typeface="Montserrat"/>
-                        <a:ea typeface="Montserrat"/>
-                        <a:cs typeface="Montserrat"/>
-                        <a:sym typeface="Montserrat"/>
-                      </a:endParaRPr>
-                    </a:p>
-                    <a:p>
-                      <a:pPr marL="0" lvl="0" indent="0" algn="l" rtl="0">
-                        <a:spcBef>
-                          <a:spcPts val="0"/>
-                        </a:spcBef>
-                        <a:spcAft>
-                          <a:spcPts val="0"/>
-                        </a:spcAft>
-                        <a:buClr>
-                          <a:srgbClr val="000000"/>
-                        </a:buClr>
-                        <a:buSzPts val="1100"/>
-                        <a:buFont typeface="Arial"/>
-                        <a:buNone/>
-                      </a:pPr>
-                      <a:endParaRPr sz="800" i="1">
-                        <a:solidFill>
-                          <a:schemeClr val="dk2"/>
-                        </a:solidFill>
-                        <a:latin typeface="Montserrat"/>
-                        <a:ea typeface="Montserrat"/>
-                        <a:cs typeface="Montserrat"/>
-                        <a:sym typeface="Montserrat"/>
-                      </a:endParaRPr>
-                    </a:p>
-                    <a:p>
-                      <a:pPr marL="0" lvl="0" indent="0" algn="l" rtl="0">
-                        <a:spcBef>
-                          <a:spcPts val="0"/>
-                        </a:spcBef>
-                        <a:spcAft>
-                          <a:spcPts val="0"/>
-                        </a:spcAft>
-                        <a:buClr>
-                          <a:srgbClr val="000000"/>
-                        </a:buClr>
-                        <a:buSzPts val="1100"/>
-                        <a:buFont typeface="Arial"/>
-                        <a:buNone/>
-                      </a:pPr>
-                      <a:r>
-                        <a:rPr lang="en" sz="800" i="1">
-                          <a:solidFill>
-                            <a:schemeClr val="dk2"/>
-                          </a:solidFill>
-                          <a:latin typeface="Montserrat"/>
-                          <a:ea typeface="Montserrat"/>
-                          <a:cs typeface="Montserrat"/>
-                          <a:sym typeface="Montserrat"/>
-                        </a:rPr>
-                        <a:t>1 + 2 + 3 + 4 + 5</a:t>
-                      </a:r>
-                      <a:endParaRPr sz="800" i="1">
-                        <a:solidFill>
-                          <a:schemeClr val="dk2"/>
-                        </a:solidFill>
-                        <a:latin typeface="Montserrat"/>
-                        <a:ea typeface="Montserrat"/>
-                        <a:cs typeface="Montserrat"/>
-                        <a:sym typeface="Montserrat"/>
-                      </a:endParaRPr>
-                    </a:p>
-                    <a:p>
-                      <a:pPr marL="0" lvl="0" indent="0" algn="l" rtl="0">
-                        <a:spcBef>
-                          <a:spcPts val="0"/>
-                        </a:spcBef>
-                        <a:spcAft>
-                          <a:spcPts val="0"/>
-                        </a:spcAft>
-                        <a:buClr>
-                          <a:srgbClr val="000000"/>
-                        </a:buClr>
-                        <a:buSzPts val="1100"/>
-                        <a:buFont typeface="Arial"/>
-                        <a:buNone/>
-                      </a:pPr>
-                      <a:endParaRPr sz="800" i="1">
-                        <a:solidFill>
-                          <a:schemeClr val="dk2"/>
-                        </a:solidFill>
-                        <a:latin typeface="Montserrat"/>
-                        <a:ea typeface="Montserrat"/>
-                        <a:cs typeface="Montserrat"/>
-                        <a:sym typeface="Montserrat"/>
-                      </a:endParaRPr>
-                    </a:p>
-                    <a:p>
-                      <a:pPr marL="0" lvl="0" indent="0" algn="l" rtl="0">
-                        <a:spcBef>
-                          <a:spcPts val="0"/>
-                        </a:spcBef>
-                        <a:spcAft>
-                          <a:spcPts val="0"/>
-                        </a:spcAft>
-                        <a:buClr>
-                          <a:srgbClr val="000000"/>
-                        </a:buClr>
-                        <a:buSzPts val="1100"/>
-                        <a:buFont typeface="Arial"/>
-                        <a:buNone/>
-                      </a:pPr>
-                      <a:r>
-                        <a:rPr lang="en" sz="800" i="1">
-                          <a:solidFill>
-                            <a:schemeClr val="dk2"/>
-                          </a:solidFill>
-                          <a:latin typeface="Montserrat"/>
-                          <a:ea typeface="Montserrat"/>
-                          <a:cs typeface="Montserrat"/>
-                          <a:sym typeface="Montserrat"/>
-                        </a:rPr>
-                        <a:t>Hint: Branding statement exercise</a:t>
-                      </a:r>
-                      <a:endParaRPr sz="900" b="1">
-                        <a:solidFill>
-                          <a:schemeClr val="dk2"/>
-                        </a:solidFill>
-                        <a:latin typeface="Montserrat"/>
+                        <a:latin typeface="Montserrat" panose="020B0604020202020204" charset="0"/>
                         <a:ea typeface="Montserrat"/>
                         <a:cs typeface="Montserrat"/>
                         <a:sym typeface="Montserrat"/>
@@ -19505,102 +18321,22 @@
                         <a:buNone/>
                       </a:pPr>
                       <a:r>
-                        <a:rPr lang="en" sz="900" b="1">
+                        <a:rPr lang="en" sz="900" b="1" dirty="0">
                           <a:solidFill>
                             <a:schemeClr val="dk2"/>
                           </a:solidFill>
-                          <a:latin typeface="Montserrat"/>
+                          <a:latin typeface="Montserrat" panose="020B0604020202020204" charset="0"/>
                           <a:ea typeface="Montserrat"/>
                           <a:cs typeface="Montserrat"/>
                           <a:sym typeface="Montserrat"/>
                         </a:rPr>
                         <a:t>8. Promote your brand</a:t>
                       </a:r>
-                      <a:br>
-                        <a:rPr lang="en" sz="900" b="1">
-                          <a:solidFill>
-                            <a:schemeClr val="dk2"/>
-                          </a:solidFill>
-                          <a:latin typeface="Montserrat"/>
-                          <a:ea typeface="Montserrat"/>
-                          <a:cs typeface="Montserrat"/>
-                          <a:sym typeface="Montserrat"/>
-                        </a:rPr>
-                      </a:br>
-                      <a:r>
-                        <a:rPr lang="en" sz="800" i="1">
-                          <a:solidFill>
-                            <a:schemeClr val="dk2"/>
-                          </a:solidFill>
-                          <a:latin typeface="Montserrat"/>
-                          <a:ea typeface="Montserrat"/>
-                          <a:cs typeface="Montserrat"/>
-                          <a:sym typeface="Montserrat"/>
-                        </a:rPr>
-                        <a:t>Es: social networks, personal website, marketplaces, new offices or branches, new service or product types, etc.</a:t>
-                      </a:r>
-                      <a:endParaRPr sz="900" b="1">
+                      <a:endParaRPr sz="900" b="1" dirty="0">
                         <a:solidFill>
                           <a:schemeClr val="dk2"/>
                         </a:solidFill>
-                        <a:latin typeface="Montserrat"/>
-                        <a:ea typeface="Montserrat"/>
-                        <a:cs typeface="Montserrat"/>
-                        <a:sym typeface="Montserrat"/>
-                      </a:endParaRPr>
-                    </a:p>
-                    <a:p>
-                      <a:pPr marL="0" lvl="0" indent="0" algn="l" rtl="0">
-                        <a:spcBef>
-                          <a:spcPts val="0"/>
-                        </a:spcBef>
-                        <a:spcAft>
-                          <a:spcPts val="0"/>
-                        </a:spcAft>
-                        <a:buNone/>
-                      </a:pPr>
-                      <a:endParaRPr sz="800" i="1">
-                        <a:solidFill>
-                          <a:schemeClr val="dk2"/>
-                        </a:solidFill>
-                        <a:latin typeface="Montserrat"/>
-                        <a:ea typeface="Montserrat"/>
-                        <a:cs typeface="Montserrat"/>
-                        <a:sym typeface="Montserrat"/>
-                      </a:endParaRPr>
-                    </a:p>
-                    <a:p>
-                      <a:pPr marL="0" lvl="0" indent="0" algn="l" rtl="0">
-                        <a:spcBef>
-                          <a:spcPts val="0"/>
-                        </a:spcBef>
-                        <a:spcAft>
-                          <a:spcPts val="0"/>
-                        </a:spcAft>
-                        <a:buClr>
-                          <a:schemeClr val="dk1"/>
-                        </a:buClr>
-                        <a:buSzPts val="1100"/>
-                        <a:buFont typeface="Arial"/>
-                        <a:buNone/>
-                      </a:pPr>
-                      <a:r>
-                        <a:rPr lang="en" sz="800" i="1">
-                          <a:solidFill>
-                            <a:schemeClr val="dk2"/>
-                          </a:solidFill>
-                          <a:latin typeface="Montserrat"/>
-                          <a:ea typeface="Montserrat"/>
-                          <a:cs typeface="Montserrat"/>
-                          <a:sym typeface="Montserrat"/>
-                        </a:rPr>
-                        <a:t>Hint: Networking challenges</a:t>
-                      </a:r>
-                      <a:endParaRPr sz="900" b="1">
-                        <a:solidFill>
-                          <a:schemeClr val="dk2"/>
-                        </a:solidFill>
-                        <a:latin typeface="Montserrat"/>
+                        <a:latin typeface="Montserrat" panose="020B0604020202020204" charset="0"/>
                         <a:ea typeface="Montserrat"/>
                         <a:cs typeface="Montserrat"/>
                         <a:sym typeface="Montserrat"/>
@@ -19652,11 +18388,251 @@
                   </a:ext>
                 </a:extLst>
               </a:tr>
-              <a:tr h="1495675">
+              <a:tr h="1525259">
                 <a:tc>
                   <a:txBody>
                     <a:bodyPr/>
                     <a:lstStyle/>
+                    <a:p>
+                      <a:pPr marL="88900" lvl="0" indent="-88900" algn="l" rtl="0">
+                        <a:spcBef>
+                          <a:spcPts val="0"/>
+                        </a:spcBef>
+                        <a:spcAft>
+                          <a:spcPts val="0"/>
+                        </a:spcAft>
+                        <a:buClr>
+                          <a:srgbClr val="000000"/>
+                        </a:buClr>
+                        <a:buSzPts val="1100"/>
+                        <a:buFont typeface="Arial" panose="020B0604020202020204" pitchFamily="34" charset="0"/>
+                        <a:buChar char="•"/>
+                      </a:pPr>
+                      <a:r>
+                        <a:rPr lang="en-GB" sz="800" b="0" i="1" u="none" strike="noStrike" cap="none" dirty="0">
+                          <a:solidFill>
+                            <a:schemeClr val="dk2"/>
+                          </a:solidFill>
+                          <a:latin typeface="Montserrat" panose="020B0604020202020204" charset="0"/>
+                          <a:ea typeface="Work Sans"/>
+                          <a:cs typeface="Arial"/>
+                          <a:sym typeface="Work Sans"/>
+                        </a:rPr>
+                        <a:t>Using active  listening skills</a:t>
+                      </a:r>
+                    </a:p>
+                    <a:p>
+                      <a:pPr marL="88900" lvl="0" indent="-88900" algn="l" rtl="0">
+                        <a:spcBef>
+                          <a:spcPts val="0"/>
+                        </a:spcBef>
+                        <a:spcAft>
+                          <a:spcPts val="0"/>
+                        </a:spcAft>
+                        <a:buClr>
+                          <a:srgbClr val="000000"/>
+                        </a:buClr>
+                        <a:buSzPts val="1100"/>
+                        <a:buFont typeface="Arial" panose="020B0604020202020204" pitchFamily="34" charset="0"/>
+                        <a:buChar char="•"/>
+                      </a:pPr>
+                      <a:endParaRPr lang="en-GB" sz="800" b="0" i="1" u="none" strike="noStrike" cap="none" dirty="0">
+                        <a:solidFill>
+                          <a:schemeClr val="dk2"/>
+                        </a:solidFill>
+                        <a:latin typeface="Montserrat" panose="020B0604020202020204" charset="0"/>
+                        <a:ea typeface="Work Sans"/>
+                        <a:cs typeface="Arial"/>
+                        <a:sym typeface="Work Sans"/>
+                      </a:endParaRPr>
+                    </a:p>
+                    <a:p>
+                      <a:pPr marL="88900" lvl="0" indent="-88900" algn="l" rtl="0">
+                        <a:spcBef>
+                          <a:spcPts val="0"/>
+                        </a:spcBef>
+                        <a:spcAft>
+                          <a:spcPts val="0"/>
+                        </a:spcAft>
+                        <a:buClr>
+                          <a:srgbClr val="000000"/>
+                        </a:buClr>
+                        <a:buSzPts val="1100"/>
+                        <a:buFont typeface="Arial" panose="020B0604020202020204" pitchFamily="34" charset="0"/>
+                        <a:buChar char="•"/>
+                      </a:pPr>
+                      <a:r>
+                        <a:rPr lang="en-GB" sz="800" b="0" i="1" u="none" strike="noStrike" cap="none" dirty="0">
+                          <a:solidFill>
+                            <a:schemeClr val="dk2"/>
+                          </a:solidFill>
+                          <a:latin typeface="Montserrat" panose="020B0604020202020204" charset="0"/>
+                          <a:ea typeface="Work Sans"/>
+                          <a:cs typeface="Arial"/>
+                          <a:sym typeface="Work Sans"/>
+                        </a:rPr>
+                        <a:t>Promoting &amp; selling products or ideas</a:t>
+                      </a:r>
+                    </a:p>
+                    <a:p>
+                      <a:pPr marL="88900" lvl="0" indent="-88900" algn="l" rtl="0">
+                        <a:spcBef>
+                          <a:spcPts val="0"/>
+                        </a:spcBef>
+                        <a:spcAft>
+                          <a:spcPts val="0"/>
+                        </a:spcAft>
+                        <a:buClr>
+                          <a:srgbClr val="000000"/>
+                        </a:buClr>
+                        <a:buSzPts val="1100"/>
+                        <a:buFont typeface="Arial" panose="020B0604020202020204" pitchFamily="34" charset="0"/>
+                        <a:buChar char="•"/>
+                      </a:pPr>
+                      <a:endParaRPr lang="en-GB" sz="800" b="0" i="1" u="none" strike="noStrike" cap="none" dirty="0">
+                        <a:solidFill>
+                          <a:schemeClr val="dk2"/>
+                        </a:solidFill>
+                        <a:latin typeface="Montserrat" panose="020B0604020202020204" charset="0"/>
+                        <a:ea typeface="Work Sans"/>
+                        <a:cs typeface="Arial"/>
+                        <a:sym typeface="Work Sans"/>
+                      </a:endParaRPr>
+                    </a:p>
+                    <a:p>
+                      <a:pPr marL="88900" lvl="0" indent="-88900" algn="l" rtl="0">
+                        <a:spcBef>
+                          <a:spcPts val="0"/>
+                        </a:spcBef>
+                        <a:spcAft>
+                          <a:spcPts val="0"/>
+                        </a:spcAft>
+                        <a:buClr>
+                          <a:srgbClr val="000000"/>
+                        </a:buClr>
+                        <a:buSzPts val="1100"/>
+                        <a:buFont typeface="Arial" panose="020B0604020202020204" pitchFamily="34" charset="0"/>
+                        <a:buChar char="•"/>
+                      </a:pPr>
+                      <a:r>
+                        <a:rPr lang="en-GB" sz="800" b="0" i="1" u="none" strike="noStrike" cap="none" dirty="0">
+                          <a:solidFill>
+                            <a:schemeClr val="dk2"/>
+                          </a:solidFill>
+                          <a:latin typeface="Montserrat" panose="020B0604020202020204" charset="0"/>
+                          <a:ea typeface="Work Sans"/>
+                          <a:cs typeface="Arial"/>
+                          <a:sym typeface="Work Sans"/>
+                        </a:rPr>
+                        <a:t>Completing tasks &amp; attaining goals</a:t>
+                      </a:r>
+                    </a:p>
+                    <a:p>
+                      <a:pPr marL="88900" lvl="0" indent="-88900" algn="l" rtl="0">
+                        <a:spcBef>
+                          <a:spcPts val="0"/>
+                        </a:spcBef>
+                        <a:spcAft>
+                          <a:spcPts val="0"/>
+                        </a:spcAft>
+                        <a:buClr>
+                          <a:srgbClr val="000000"/>
+                        </a:buClr>
+                        <a:buSzPts val="1100"/>
+                        <a:buFont typeface="Arial" panose="020B0604020202020204" pitchFamily="34" charset="0"/>
+                        <a:buChar char="•"/>
+                      </a:pPr>
+                      <a:endParaRPr lang="en-GB" sz="800" b="0" i="1" u="none" strike="noStrike" cap="none" dirty="0">
+                        <a:solidFill>
+                          <a:schemeClr val="dk2"/>
+                        </a:solidFill>
+                        <a:latin typeface="Montserrat" panose="020B0604020202020204" charset="0"/>
+                        <a:ea typeface="Work Sans"/>
+                        <a:cs typeface="Arial"/>
+                        <a:sym typeface="Work Sans"/>
+                      </a:endParaRPr>
+                    </a:p>
+                    <a:p>
+                      <a:pPr marL="88900" lvl="0" indent="-88900" algn="l" rtl="0">
+                        <a:spcBef>
+                          <a:spcPts val="0"/>
+                        </a:spcBef>
+                        <a:spcAft>
+                          <a:spcPts val="0"/>
+                        </a:spcAft>
+                        <a:buClr>
+                          <a:srgbClr val="000000"/>
+                        </a:buClr>
+                        <a:buSzPts val="1100"/>
+                        <a:buFont typeface="Arial" panose="020B0604020202020204" pitchFamily="34" charset="0"/>
+                        <a:buChar char="•"/>
+                      </a:pPr>
+                      <a:r>
+                        <a:rPr lang="en-GB" sz="800" b="0" i="1" u="none" strike="noStrike" cap="none" dirty="0">
+                          <a:solidFill>
+                            <a:schemeClr val="dk2"/>
+                          </a:solidFill>
+                          <a:latin typeface="Montserrat" panose="020B0604020202020204" charset="0"/>
+                          <a:ea typeface="Work Sans"/>
+                          <a:cs typeface="Arial"/>
+                          <a:sym typeface="Work Sans"/>
+                        </a:rPr>
+                        <a:t>Setting priorities</a:t>
+                      </a:r>
+                    </a:p>
+                    <a:p>
+                      <a:pPr marL="88900" lvl="0" indent="-88900" algn="l" rtl="0">
+                        <a:spcBef>
+                          <a:spcPts val="0"/>
+                        </a:spcBef>
+                        <a:spcAft>
+                          <a:spcPts val="0"/>
+                        </a:spcAft>
+                        <a:buClr>
+                          <a:srgbClr val="000000"/>
+                        </a:buClr>
+                        <a:buSzPts val="1100"/>
+                        <a:buFont typeface="Arial" panose="020B0604020202020204" pitchFamily="34" charset="0"/>
+                        <a:buChar char="•"/>
+                      </a:pPr>
+                      <a:endParaRPr lang="en-GB" sz="800" b="0" i="1" u="none" strike="noStrike" cap="none" dirty="0">
+                        <a:solidFill>
+                          <a:schemeClr val="dk2"/>
+                        </a:solidFill>
+                        <a:latin typeface="Montserrat" panose="020B0604020202020204" charset="0"/>
+                        <a:ea typeface="Work Sans"/>
+                        <a:cs typeface="Arial"/>
+                        <a:sym typeface="Work Sans"/>
+                      </a:endParaRPr>
+                    </a:p>
+                    <a:p>
+                      <a:pPr marL="88900" lvl="0" indent="-88900" algn="l" rtl="0">
+                        <a:spcBef>
+                          <a:spcPts val="0"/>
+                        </a:spcBef>
+                        <a:spcAft>
+                          <a:spcPts val="0"/>
+                        </a:spcAft>
+                        <a:buClr>
+                          <a:srgbClr val="000000"/>
+                        </a:buClr>
+                        <a:buSzPts val="1100"/>
+                        <a:buFont typeface="Arial" panose="020B0604020202020204" pitchFamily="34" charset="0"/>
+                        <a:buChar char="•"/>
+                      </a:pPr>
+                      <a:r>
+                        <a:rPr lang="en-GB" sz="800" b="0" i="1" u="none" strike="noStrike" cap="none" dirty="0">
+                          <a:solidFill>
+                            <a:schemeClr val="dk2"/>
+                          </a:solidFill>
+                          <a:latin typeface="Montserrat" panose="020B0604020202020204" charset="0"/>
+                          <a:ea typeface="Work Sans"/>
+                          <a:cs typeface="Arial"/>
+                          <a:sym typeface="Work Sans"/>
+                        </a:rPr>
+                        <a:t>Thinking critically and evaluating</a:t>
+                      </a:r>
+                    </a:p>
                     <a:p>
                       <a:pPr marL="0" lvl="0" indent="0" algn="l" rtl="0">
                         <a:spcBef>
@@ -19667,10 +18643,13 @@
                         </a:spcAft>
                         <a:buNone/>
                       </a:pPr>
-                      <a:endParaRPr sz="900" i="1" dirty="0">
-                        <a:latin typeface="Work Sans"/>
+                      <a:endParaRPr sz="800" b="0" i="1" u="none" strike="noStrike" cap="none" dirty="0">
+                        <a:solidFill>
+                          <a:schemeClr val="dk2"/>
+                        </a:solidFill>
+                        <a:latin typeface="Montserrat" panose="020B0604020202020204" charset="0"/>
                         <a:ea typeface="Work Sans"/>
-                        <a:cs typeface="Work Sans"/>
+                        <a:cs typeface="Arial"/>
                         <a:sym typeface="Work Sans"/>
                       </a:endParaRPr>
                     </a:p>
@@ -19703,7 +18682,7 @@
                       <a:headEnd type="none" w="sm" len="sm"/>
                       <a:tailEnd type="none" w="sm" len="sm"/>
                     </a:lnT>
-                    <a:lnB w="9525" cap="flat" cmpd="sng">
+                    <a:lnB w="9525" cap="flat" cmpd="sng" algn="ctr">
                       <a:solidFill>
                         <a:srgbClr val="64C3F5"/>
                       </a:solidFill>
@@ -19719,19 +18698,170 @@
                     <a:bodyPr/>
                     <a:lstStyle/>
                     <a:p>
-                      <a:pPr marL="0" lvl="0" indent="0" algn="l" rtl="0">
+                      <a:pPr marL="171450" lvl="0" indent="-171450" algn="l" rtl="0">
                         <a:spcBef>
                           <a:spcPts val="0"/>
                         </a:spcBef>
                         <a:spcAft>
                           <a:spcPts val="0"/>
                         </a:spcAft>
-                        <a:buNone/>
+                        <a:buFont typeface="Arial" panose="020B0604020202020204" pitchFamily="34" charset="0"/>
+                        <a:buChar char="•"/>
                       </a:pPr>
-                      <a:endParaRPr sz="900" i="1">
-                        <a:latin typeface="Work Sans"/>
+                      <a:r>
+                        <a:rPr lang="en-GB" sz="800" b="0" i="1" u="none" strike="noStrike" cap="none" dirty="0">
+                          <a:solidFill>
+                            <a:schemeClr val="dk2"/>
+                          </a:solidFill>
+                          <a:latin typeface="Montserrat" panose="020B0604020202020204" charset="0"/>
+                          <a:ea typeface="Work Sans"/>
+                          <a:cs typeface="Arial"/>
+                          <a:sym typeface="Work Sans"/>
+                        </a:rPr>
+                        <a:t>In the next two -three years change my position in my company.</a:t>
+                      </a:r>
+                    </a:p>
+                    <a:p>
+                      <a:pPr marL="171450" lvl="0" indent="-171450" algn="l" rtl="0">
+                        <a:spcBef>
+                          <a:spcPts val="0"/>
+                        </a:spcBef>
+                        <a:spcAft>
+                          <a:spcPts val="0"/>
+                        </a:spcAft>
+                        <a:buFont typeface="Arial" panose="020B0604020202020204" pitchFamily="34" charset="0"/>
+                        <a:buChar char="•"/>
+                      </a:pPr>
+                      <a:endParaRPr lang="en-GB" sz="800" b="0" i="1" u="none" strike="noStrike" cap="none" dirty="0">
+                        <a:solidFill>
+                          <a:schemeClr val="dk2"/>
+                        </a:solidFill>
+                        <a:latin typeface="Montserrat" panose="020B0604020202020204" charset="0"/>
                         <a:ea typeface="Work Sans"/>
-                        <a:cs typeface="Work Sans"/>
+                        <a:cs typeface="Arial"/>
+                        <a:sym typeface="Work Sans"/>
+                      </a:endParaRPr>
+                    </a:p>
+                    <a:p>
+                      <a:pPr marL="171450" lvl="0" indent="-171450" algn="l" rtl="0">
+                        <a:spcBef>
+                          <a:spcPts val="0"/>
+                        </a:spcBef>
+                        <a:spcAft>
+                          <a:spcPts val="0"/>
+                        </a:spcAft>
+                        <a:buFont typeface="Arial" panose="020B0604020202020204" pitchFamily="34" charset="0"/>
+                        <a:buChar char="•"/>
+                      </a:pPr>
+                      <a:r>
+                        <a:rPr lang="en-GB" sz="800" b="0" i="1" u="none" strike="noStrike" cap="none" dirty="0">
+                          <a:solidFill>
+                            <a:schemeClr val="dk2"/>
+                          </a:solidFill>
+                          <a:latin typeface="Montserrat" panose="020B0604020202020204" charset="0"/>
+                          <a:ea typeface="Work Sans"/>
+                          <a:cs typeface="Arial"/>
+                          <a:sym typeface="Work Sans"/>
+                        </a:rPr>
+                        <a:t> Demanding new responsibilities in the area of Data Science.</a:t>
+                      </a:r>
+                    </a:p>
+                    <a:p>
+                      <a:pPr marL="171450" lvl="0" indent="-171450" algn="l" rtl="0">
+                        <a:spcBef>
+                          <a:spcPts val="0"/>
+                        </a:spcBef>
+                        <a:spcAft>
+                          <a:spcPts val="0"/>
+                        </a:spcAft>
+                        <a:buFont typeface="Arial" panose="020B0604020202020204" pitchFamily="34" charset="0"/>
+                        <a:buChar char="•"/>
+                      </a:pPr>
+                      <a:endParaRPr lang="en-GB" sz="800" b="0" i="1" u="none" strike="noStrike" cap="none" dirty="0">
+                        <a:solidFill>
+                          <a:schemeClr val="dk2"/>
+                        </a:solidFill>
+                        <a:latin typeface="Montserrat" panose="020B0604020202020204" charset="0"/>
+                        <a:ea typeface="Work Sans"/>
+                        <a:cs typeface="Arial"/>
+                        <a:sym typeface="Work Sans"/>
+                      </a:endParaRPr>
+                    </a:p>
+                    <a:p>
+                      <a:pPr marL="171450" lvl="0" indent="-171450" algn="l" rtl="0">
+                        <a:spcBef>
+                          <a:spcPts val="0"/>
+                        </a:spcBef>
+                        <a:spcAft>
+                          <a:spcPts val="0"/>
+                        </a:spcAft>
+                        <a:buFont typeface="Arial" panose="020B0604020202020204" pitchFamily="34" charset="0"/>
+                        <a:buChar char="•"/>
+                      </a:pPr>
+                      <a:r>
+                        <a:rPr lang="en-GB" sz="800" b="0" i="1" u="none" strike="noStrike" cap="none" dirty="0">
+                          <a:solidFill>
+                            <a:schemeClr val="dk2"/>
+                          </a:solidFill>
+                          <a:latin typeface="Montserrat" panose="020B0604020202020204" charset="0"/>
+                          <a:ea typeface="Work Sans"/>
+                          <a:cs typeface="Arial"/>
+                          <a:sym typeface="Work Sans"/>
+                        </a:rPr>
+                        <a:t>Develop a program where you can watch the different product´s price in a map, in one year.</a:t>
+                      </a:r>
+                    </a:p>
+                    <a:p>
+                      <a:pPr marL="171450" lvl="0" indent="-171450" algn="l" rtl="0">
+                        <a:spcBef>
+                          <a:spcPts val="0"/>
+                        </a:spcBef>
+                        <a:spcAft>
+                          <a:spcPts val="0"/>
+                        </a:spcAft>
+                        <a:buFont typeface="Arial" panose="020B0604020202020204" pitchFamily="34" charset="0"/>
+                        <a:buChar char="•"/>
+                      </a:pPr>
+                      <a:endParaRPr lang="en-GB" sz="800" b="0" i="1" u="none" strike="noStrike" cap="none" dirty="0">
+                        <a:solidFill>
+                          <a:schemeClr val="dk2"/>
+                        </a:solidFill>
+                        <a:latin typeface="Montserrat" panose="020B0604020202020204" charset="0"/>
+                        <a:ea typeface="Work Sans"/>
+                        <a:cs typeface="Arial"/>
+                        <a:sym typeface="Work Sans"/>
+                      </a:endParaRPr>
+                    </a:p>
+                    <a:p>
+                      <a:pPr marL="171450" lvl="0" indent="-171450" algn="l" rtl="0">
+                        <a:spcBef>
+                          <a:spcPts val="0"/>
+                        </a:spcBef>
+                        <a:spcAft>
+                          <a:spcPts val="0"/>
+                        </a:spcAft>
+                        <a:buFont typeface="Arial" panose="020B0604020202020204" pitchFamily="34" charset="0"/>
+                        <a:buChar char="•"/>
+                      </a:pPr>
+                      <a:r>
+                        <a:rPr lang="en-GB" sz="800" b="0" i="1" u="none" strike="noStrike" cap="none" dirty="0">
+                          <a:solidFill>
+                            <a:schemeClr val="dk2"/>
+                          </a:solidFill>
+                          <a:latin typeface="Montserrat" panose="020B0604020202020204" charset="0"/>
+                          <a:ea typeface="Work Sans"/>
+                          <a:cs typeface="Arial"/>
+                          <a:sym typeface="Work Sans"/>
+                        </a:rPr>
+                        <a:t>Develop a new App for Vascular Surgeons in three years.</a:t>
+                      </a:r>
+                      <a:endParaRPr sz="800" b="0" i="1" u="none" strike="noStrike" cap="none" dirty="0">
+                        <a:solidFill>
+                          <a:schemeClr val="dk2"/>
+                        </a:solidFill>
+                        <a:latin typeface="Montserrat" panose="020B0604020202020204" charset="0"/>
+                        <a:ea typeface="Work Sans"/>
+                        <a:cs typeface="Arial"/>
                         <a:sym typeface="Work Sans"/>
                       </a:endParaRPr>
                     </a:p>
@@ -19764,7 +18894,7 @@
                       <a:headEnd type="none" w="sm" len="sm"/>
                       <a:tailEnd type="none" w="sm" len="sm"/>
                     </a:lnT>
-                    <a:lnB w="9525" cap="flat" cmpd="sng">
+                    <a:lnB w="9525" cap="flat" cmpd="sng" algn="ctr">
                       <a:solidFill>
                         <a:srgbClr val="64C3F5"/>
                       </a:solidFill>
@@ -19780,19 +18910,80 @@
                     <a:bodyPr/>
                     <a:lstStyle/>
                     <a:p>
-                      <a:pPr marL="0" lvl="0" indent="0" algn="l" rtl="0">
+                      <a:pPr marL="171450" lvl="0" indent="-171450" algn="l" rtl="0">
                         <a:spcBef>
                           <a:spcPts val="0"/>
                         </a:spcBef>
                         <a:spcAft>
                           <a:spcPts val="0"/>
                         </a:spcAft>
-                        <a:buNone/>
+                        <a:buFont typeface="Arial" panose="020B0604020202020204" pitchFamily="34" charset="0"/>
+                        <a:buChar char="•"/>
                       </a:pPr>
-                      <a:endParaRPr sz="900" i="1">
-                        <a:latin typeface="Work Sans"/>
+                      <a:r>
+                        <a:rPr lang="en-GB" sz="800" b="0" i="1" u="none" strike="noStrike" cap="none" dirty="0">
+                          <a:solidFill>
+                            <a:schemeClr val="dk2"/>
+                          </a:solidFill>
+                          <a:latin typeface="Montserrat" panose="020B0604020202020204" charset="0"/>
+                          <a:ea typeface="Work Sans"/>
+                          <a:cs typeface="Arial"/>
+                          <a:sym typeface="Work Sans"/>
+                        </a:rPr>
+                        <a:t>I promote and sell products or ideas and keep long term busines relationships</a:t>
+                      </a:r>
+                    </a:p>
+                    <a:p>
+                      <a:pPr marL="171450" lvl="0" indent="-171450" algn="l" rtl="0">
+                        <a:spcBef>
+                          <a:spcPts val="0"/>
+                        </a:spcBef>
+                        <a:spcAft>
+                          <a:spcPts val="0"/>
+                        </a:spcAft>
+                        <a:buFont typeface="Arial" panose="020B0604020202020204" pitchFamily="34" charset="0"/>
+                        <a:buChar char="•"/>
+                      </a:pPr>
+                      <a:endParaRPr lang="en-GB" sz="800" b="0" i="1" u="none" strike="noStrike" cap="none" dirty="0">
+                        <a:solidFill>
+                          <a:schemeClr val="dk2"/>
+                        </a:solidFill>
+                        <a:latin typeface="Montserrat" panose="020B0604020202020204" charset="0"/>
                         <a:ea typeface="Work Sans"/>
-                        <a:cs typeface="Work Sans"/>
+                        <a:cs typeface="Arial"/>
+                        <a:sym typeface="Work Sans"/>
+                      </a:endParaRPr>
+                    </a:p>
+                    <a:p>
+                      <a:pPr marL="171450" lvl="0" indent="-171450" algn="l" rtl="0">
+                        <a:spcBef>
+                          <a:spcPts val="0"/>
+                        </a:spcBef>
+                        <a:spcAft>
+                          <a:spcPts val="0"/>
+                        </a:spcAft>
+                        <a:buFont typeface="Arial" panose="020B0604020202020204" pitchFamily="34" charset="0"/>
+                        <a:buChar char="•"/>
+                      </a:pPr>
+                      <a:r>
+                        <a:rPr lang="en-GB" sz="800" b="0" i="1" u="none" strike="noStrike" cap="none" dirty="0">
+                          <a:solidFill>
+                            <a:schemeClr val="dk2"/>
+                          </a:solidFill>
+                          <a:latin typeface="Montserrat" panose="020B0604020202020204" charset="0"/>
+                          <a:ea typeface="Work Sans"/>
+                          <a:cs typeface="Arial"/>
+                          <a:sym typeface="Work Sans"/>
+                        </a:rPr>
+                        <a:t>I am highly objective driven</a:t>
+                      </a:r>
+                      <a:endParaRPr sz="800" b="0" i="1" u="none" strike="noStrike" cap="none" dirty="0">
+                        <a:solidFill>
+                          <a:schemeClr val="dk2"/>
+                        </a:solidFill>
+                        <a:latin typeface="Montserrat" panose="020B0604020202020204" charset="0"/>
+                        <a:ea typeface="Work Sans"/>
+                        <a:cs typeface="Arial"/>
                         <a:sym typeface="Work Sans"/>
                       </a:endParaRPr>
                     </a:p>
@@ -19825,7 +19016,7 @@
                       <a:headEnd type="none" w="sm" len="sm"/>
                       <a:tailEnd type="none" w="sm" len="sm"/>
                     </a:lnT>
-                    <a:lnB w="9525" cap="flat" cmpd="sng">
+                    <a:lnB w="9525" cap="flat" cmpd="sng" algn="ctr">
                       <a:solidFill>
                         <a:srgbClr val="64C3F5"/>
                       </a:solidFill>
@@ -19841,6 +19032,129 @@
                     <a:bodyPr/>
                     <a:lstStyle/>
                     <a:p>
+                      <a:pPr marL="171450" lvl="0" indent="-171450" algn="l" rtl="0">
+                        <a:spcBef>
+                          <a:spcPts val="0"/>
+                        </a:spcBef>
+                        <a:spcAft>
+                          <a:spcPts val="0"/>
+                        </a:spcAft>
+                        <a:buFont typeface="Arial" panose="020B0604020202020204" pitchFamily="34" charset="0"/>
+                        <a:buChar char="•"/>
+                      </a:pPr>
+                      <a:r>
+                        <a:rPr lang="en-GB" sz="800" b="0" i="1" u="none" strike="noStrike" cap="none" dirty="0">
+                          <a:solidFill>
+                            <a:schemeClr val="dk2"/>
+                          </a:solidFill>
+                          <a:latin typeface="Montserrat" panose="020B0604020202020204" charset="0"/>
+                          <a:ea typeface="Work Sans"/>
+                          <a:cs typeface="Arial"/>
+                          <a:sym typeface="Work Sans"/>
+                        </a:rPr>
+                        <a:t>Network in Ironhack bootcamp</a:t>
+                      </a:r>
+                    </a:p>
+                    <a:p>
+                      <a:pPr marL="171450" lvl="0" indent="-171450" algn="l" rtl="0">
+                        <a:spcBef>
+                          <a:spcPts val="0"/>
+                        </a:spcBef>
+                        <a:spcAft>
+                          <a:spcPts val="0"/>
+                        </a:spcAft>
+                        <a:buFont typeface="Arial" panose="020B0604020202020204" pitchFamily="34" charset="0"/>
+                        <a:buChar char="•"/>
+                      </a:pPr>
+                      <a:endParaRPr lang="en-GB" sz="800" b="0" i="1" u="none" strike="noStrike" cap="none" dirty="0">
+                        <a:solidFill>
+                          <a:schemeClr val="dk2"/>
+                        </a:solidFill>
+                        <a:latin typeface="Montserrat" panose="020B0604020202020204" charset="0"/>
+                        <a:ea typeface="Work Sans"/>
+                        <a:cs typeface="Arial"/>
+                        <a:sym typeface="Work Sans"/>
+                      </a:endParaRPr>
+                    </a:p>
+                    <a:p>
+                      <a:pPr marL="171450" lvl="0" indent="-171450" algn="l" rtl="0">
+                        <a:spcBef>
+                          <a:spcPts val="0"/>
+                        </a:spcBef>
+                        <a:spcAft>
+                          <a:spcPts val="0"/>
+                        </a:spcAft>
+                        <a:buFont typeface="Arial" panose="020B0604020202020204" pitchFamily="34" charset="0"/>
+                        <a:buChar char="•"/>
+                      </a:pPr>
+                      <a:r>
+                        <a:rPr lang="en-GB" sz="800" b="0" i="1" u="none" strike="noStrike" cap="none" dirty="0">
+                          <a:solidFill>
+                            <a:schemeClr val="dk2"/>
+                          </a:solidFill>
+                          <a:latin typeface="Montserrat" panose="020B0604020202020204" charset="0"/>
+                          <a:ea typeface="Work Sans"/>
+                          <a:cs typeface="Arial"/>
+                          <a:sym typeface="Work Sans"/>
+                        </a:rPr>
+                        <a:t>Meetup events</a:t>
+                      </a:r>
+                    </a:p>
+                    <a:p>
+                      <a:pPr marL="171450" lvl="0" indent="-171450" algn="l" rtl="0">
+                        <a:spcBef>
+                          <a:spcPts val="0"/>
+                        </a:spcBef>
+                        <a:spcAft>
+                          <a:spcPts val="0"/>
+                        </a:spcAft>
+                        <a:buFont typeface="Arial" panose="020B0604020202020204" pitchFamily="34" charset="0"/>
+                        <a:buChar char="•"/>
+                      </a:pPr>
+                      <a:endParaRPr lang="en-GB" sz="800" b="0" i="1" u="none" strike="noStrike" cap="none" dirty="0">
+                        <a:solidFill>
+                          <a:schemeClr val="dk2"/>
+                        </a:solidFill>
+                        <a:latin typeface="Montserrat" panose="020B0604020202020204" charset="0"/>
+                        <a:ea typeface="Work Sans"/>
+                        <a:cs typeface="Arial"/>
+                        <a:sym typeface="Work Sans"/>
+                      </a:endParaRPr>
+                    </a:p>
+                    <a:p>
+                      <a:pPr marL="171450" lvl="0" indent="-171450" algn="l" rtl="0">
+                        <a:spcBef>
+                          <a:spcPts val="0"/>
+                        </a:spcBef>
+                        <a:spcAft>
+                          <a:spcPts val="0"/>
+                        </a:spcAft>
+                        <a:buFont typeface="Arial" panose="020B0604020202020204" pitchFamily="34" charset="0"/>
+                        <a:buChar char="•"/>
+                      </a:pPr>
+                      <a:r>
+                        <a:rPr lang="en-GB" sz="800" b="0" i="1" u="none" strike="noStrike" cap="none" dirty="0" err="1">
+                          <a:solidFill>
+                            <a:schemeClr val="dk2"/>
+                          </a:solidFill>
+                          <a:latin typeface="Montserrat" panose="020B0604020202020204" charset="0"/>
+                          <a:ea typeface="Work Sans"/>
+                          <a:cs typeface="Arial"/>
+                          <a:sym typeface="Work Sans"/>
+                        </a:rPr>
+                        <a:t>Linkedin</a:t>
+                      </a:r>
+                      <a:endParaRPr lang="en-GB" sz="800" b="0" i="1" u="none" strike="noStrike" cap="none" dirty="0">
+                        <a:solidFill>
+                          <a:schemeClr val="dk2"/>
+                        </a:solidFill>
+                        <a:latin typeface="Montserrat" panose="020B0604020202020204" charset="0"/>
+                        <a:ea typeface="Work Sans"/>
+                        <a:cs typeface="Arial"/>
+                        <a:sym typeface="Work Sans"/>
+                      </a:endParaRPr>
+                    </a:p>
+                    <a:p>
                       <a:pPr marL="0" lvl="0" indent="0" algn="l" rtl="0">
                         <a:spcBef>
                           <a:spcPts val="0"/>
@@ -19848,12 +19162,94 @@
                         <a:spcAft>
                           <a:spcPts val="0"/>
                         </a:spcAft>
+                        <a:buFont typeface="Arial" panose="020B0604020202020204" pitchFamily="34" charset="0"/>
                         <a:buNone/>
                       </a:pPr>
-                      <a:endParaRPr sz="900" i="1" dirty="0">
-                        <a:latin typeface="Work Sans"/>
+                      <a:endParaRPr lang="en-GB" sz="800" b="0" i="1" u="none" strike="noStrike" cap="none" dirty="0">
+                        <a:solidFill>
+                          <a:schemeClr val="dk2"/>
+                        </a:solidFill>
+                        <a:latin typeface="Montserrat" panose="020B0604020202020204" charset="0"/>
                         <a:ea typeface="Work Sans"/>
-                        <a:cs typeface="Work Sans"/>
+                        <a:cs typeface="Arial"/>
+                        <a:sym typeface="Work Sans"/>
+                      </a:endParaRPr>
+                    </a:p>
+                    <a:p>
+                      <a:pPr marL="171450" lvl="0" indent="-171450" algn="l" rtl="0">
+                        <a:spcBef>
+                          <a:spcPts val="0"/>
+                        </a:spcBef>
+                        <a:spcAft>
+                          <a:spcPts val="0"/>
+                        </a:spcAft>
+                        <a:buFont typeface="Arial" panose="020B0604020202020204" pitchFamily="34" charset="0"/>
+                        <a:buChar char="•"/>
+                      </a:pPr>
+                      <a:r>
+                        <a:rPr lang="en-GB" sz="800" b="0" i="1" u="none" strike="noStrike" cap="none" dirty="0">
+                          <a:solidFill>
+                            <a:schemeClr val="dk2"/>
+                          </a:solidFill>
+                          <a:latin typeface="Montserrat" panose="020B0604020202020204" charset="0"/>
+                          <a:ea typeface="Work Sans"/>
+                          <a:cs typeface="Arial"/>
+                          <a:sym typeface="Work Sans"/>
+                        </a:rPr>
+                        <a:t>Cross divisionally in my company</a:t>
+                      </a:r>
+                    </a:p>
+                    <a:p>
+                      <a:pPr marL="171450" lvl="0" indent="-171450" algn="l" rtl="0">
+                        <a:spcBef>
+                          <a:spcPts val="0"/>
+                        </a:spcBef>
+                        <a:spcAft>
+                          <a:spcPts val="0"/>
+                        </a:spcAft>
+                        <a:buFont typeface="Arial" panose="020B0604020202020204" pitchFamily="34" charset="0"/>
+                        <a:buChar char="•"/>
+                      </a:pPr>
+                      <a:endParaRPr lang="en-GB" sz="800" b="0" i="1" u="none" strike="noStrike" cap="none" dirty="0">
+                        <a:solidFill>
+                          <a:schemeClr val="dk2"/>
+                        </a:solidFill>
+                        <a:latin typeface="Montserrat" panose="020B0604020202020204" charset="0"/>
+                        <a:ea typeface="Work Sans"/>
+                        <a:cs typeface="Arial"/>
+                        <a:sym typeface="Work Sans"/>
+                      </a:endParaRPr>
+                    </a:p>
+                    <a:p>
+                      <a:pPr marL="171450" lvl="0" indent="-171450" algn="l" rtl="0">
+                        <a:spcBef>
+                          <a:spcPts val="0"/>
+                        </a:spcBef>
+                        <a:spcAft>
+                          <a:spcPts val="0"/>
+                        </a:spcAft>
+                        <a:buFont typeface="Arial" panose="020B0604020202020204" pitchFamily="34" charset="0"/>
+                        <a:buChar char="•"/>
+                      </a:pPr>
+                      <a:r>
+                        <a:rPr lang="en-GB" sz="800" b="0" i="1" u="none" strike="noStrike" cap="none" dirty="0">
+                          <a:solidFill>
+                            <a:schemeClr val="dk2"/>
+                          </a:solidFill>
+                          <a:latin typeface="Montserrat" panose="020B0604020202020204" charset="0"/>
+                          <a:ea typeface="Work Sans"/>
+                          <a:cs typeface="Arial"/>
+                          <a:sym typeface="Work Sans"/>
+                        </a:rPr>
+                        <a:t>Actualize my news tools in HR</a:t>
+                      </a:r>
+                      <a:endParaRPr sz="800" b="0" i="1" u="none" strike="noStrike" cap="none" dirty="0">
+                        <a:solidFill>
+                          <a:schemeClr val="dk2"/>
+                        </a:solidFill>
+                        <a:latin typeface="Montserrat" panose="020B0604020202020204" charset="0"/>
+                        <a:ea typeface="Work Sans"/>
+                        <a:cs typeface="Arial"/>
                         <a:sym typeface="Work Sans"/>
                       </a:endParaRPr>
                     </a:p>
@@ -19886,7 +19282,7 @@
                       <a:headEnd type="none" w="sm" len="sm"/>
                       <a:tailEnd type="none" w="sm" len="sm"/>
                     </a:lnT>
-                    <a:lnB w="9525" cap="flat" cmpd="sng">
+                    <a:lnB w="9525" cap="flat" cmpd="sng" algn="ctr">
                       <a:solidFill>
                         <a:srgbClr val="64C3F5"/>
                       </a:solidFill>
@@ -19943,8 +19339,8 @@
         </p:nvSpPr>
         <p:spPr>
           <a:xfrm>
-            <a:off x="113675" y="-6325"/>
-            <a:ext cx="6873600" cy="494100"/>
+            <a:off x="121444" y="72244"/>
+            <a:ext cx="6873600" cy="404246"/>
           </a:xfrm>
           <a:prstGeom prst="rect">
             <a:avLst/>
@@ -19985,5489 +19381,6 @@
               <a:t>Personal Branding Canvas</a:t>
             </a:r>
             <a:endParaRPr sz="2300" b="1" dirty="0">
-              <a:solidFill>
-                <a:srgbClr val="2DC5FA"/>
-              </a:solidFill>
-              <a:latin typeface="Work Sans"/>
-              <a:ea typeface="Work Sans"/>
-              <a:cs typeface="Work Sans"/>
-              <a:sym typeface="Work Sans"/>
-            </a:endParaRPr>
-          </a:p>
-          <a:p>
-            <a:pPr marL="0" lvl="0" indent="0" algn="l" rtl="0">
-              <a:lnSpc>
-                <a:spcPct val="100000"/>
-              </a:lnSpc>
-              <a:spcBef>
-                <a:spcPts val="1600"/>
-              </a:spcBef>
-              <a:spcAft>
-                <a:spcPts val="1600"/>
-              </a:spcAft>
-              <a:buNone/>
-            </a:pPr>
-            <a:endParaRPr sz="2300" b="1" dirty="0">
-              <a:solidFill>
-                <a:srgbClr val="2DC5FA"/>
-              </a:solidFill>
-              <a:latin typeface="Work Sans"/>
-              <a:ea typeface="Work Sans"/>
-              <a:cs typeface="Work Sans"/>
-              <a:sym typeface="Work Sans"/>
-            </a:endParaRPr>
-          </a:p>
-        </p:txBody>
-      </p:sp>
-    </p:spTree>
-  </p:cSld>
-  <p:clrMapOvr>
-    <a:masterClrMapping/>
-  </p:clrMapOvr>
-</p:sld>
-</file>
-
-<file path=ppt/slides/slide3.xml><?xml version="1.0" encoding="utf-8"?>
-<p:sld xmlns:a="http://schemas.openxmlformats.org/drawingml/2006/main" xmlns:r="http://schemas.openxmlformats.org/officeDocument/2006/relationships" xmlns:p="http://schemas.openxmlformats.org/presentationml/2006/main">
-  <p:cSld>
-    <p:spTree>
-      <p:nvGrpSpPr>
-        <p:cNvPr id="1" name="Shape 115"/>
-        <p:cNvGrpSpPr/>
-        <p:nvPr/>
-      </p:nvGrpSpPr>
-      <p:grpSpPr>
-        <a:xfrm>
-          <a:off x="0" y="0"/>
-          <a:ext cx="0" cy="0"/>
-          <a:chOff x="0" y="0"/>
-          <a:chExt cx="0" cy="0"/>
-        </a:xfrm>
-      </p:grpSpPr>
-      <p:pic>
-        <p:nvPicPr>
-          <p:cNvPr id="116" name="Google Shape;116;p28"/>
-          <p:cNvPicPr preferRelativeResize="0"/>
-          <p:nvPr/>
-        </p:nvPicPr>
-        <p:blipFill rotWithShape="1">
-          <a:blip r:embed="rId3">
-            <a:alphaModFix/>
-          </a:blip>
-          <a:srcRect t="10733" b="22304"/>
-          <a:stretch/>
-        </p:blipFill>
-        <p:spPr>
-          <a:xfrm>
-            <a:off x="6842950" y="0"/>
-            <a:ext cx="1334900" cy="697199"/>
-          </a:xfrm>
-          <a:prstGeom prst="rect">
-            <a:avLst/>
-          </a:prstGeom>
-          <a:noFill/>
-          <a:ln>
-            <a:noFill/>
-          </a:ln>
-        </p:spPr>
-      </p:pic>
-      <p:graphicFrame>
-        <p:nvGraphicFramePr>
-          <p:cNvPr id="117" name="Google Shape;117;p28"/>
-          <p:cNvGraphicFramePr/>
-          <p:nvPr/>
-        </p:nvGraphicFramePr>
-        <p:xfrm>
-          <a:off x="113688" y="479700"/>
-          <a:ext cx="8916625" cy="4573566"/>
-        </p:xfrm>
-        <a:graphic>
-          <a:graphicData uri="http://schemas.openxmlformats.org/drawingml/2006/table">
-            <a:tbl>
-              <a:tblPr>
-                <a:noFill/>
-                <a:tableStyleId>{6C8AC783-B38B-4F6A-9F3E-C5600058E208}</a:tableStyleId>
-              </a:tblPr>
-              <a:tblGrid>
-                <a:gridCol w="1879850">
-                  <a:extLst>
-                    <a:ext uri="{9D8B030D-6E8A-4147-A177-3AD203B41FA5}">
-                      <a16:colId xmlns:a16="http://schemas.microsoft.com/office/drawing/2014/main" val="20000"/>
-                    </a:ext>
-                  </a:extLst>
-                </a:gridCol>
-                <a:gridCol w="2326275">
-                  <a:extLst>
-                    <a:ext uri="{9D8B030D-6E8A-4147-A177-3AD203B41FA5}">
-                      <a16:colId xmlns:a16="http://schemas.microsoft.com/office/drawing/2014/main" val="20001"/>
-                    </a:ext>
-                  </a:extLst>
-                </a:gridCol>
-                <a:gridCol w="2217175">
-                  <a:extLst>
-                    <a:ext uri="{9D8B030D-6E8A-4147-A177-3AD203B41FA5}">
-                      <a16:colId xmlns:a16="http://schemas.microsoft.com/office/drawing/2014/main" val="20002"/>
-                    </a:ext>
-                  </a:extLst>
-                </a:gridCol>
-                <a:gridCol w="2493325">
-                  <a:extLst>
-                    <a:ext uri="{9D8B030D-6E8A-4147-A177-3AD203B41FA5}">
-                      <a16:colId xmlns:a16="http://schemas.microsoft.com/office/drawing/2014/main" val="20003"/>
-                    </a:ext>
-                  </a:extLst>
-                </a:gridCol>
-              </a:tblGrid>
-              <a:tr h="1001400">
-                <a:tc>
-                  <a:txBody>
-                    <a:bodyPr/>
-                    <a:lstStyle/>
-                    <a:p>
-                      <a:pPr marL="0" lvl="0" indent="0" algn="l" rtl="0">
-                        <a:spcBef>
-                          <a:spcPts val="0"/>
-                        </a:spcBef>
-                        <a:spcAft>
-                          <a:spcPts val="0"/>
-                        </a:spcAft>
-                        <a:buClr>
-                          <a:srgbClr val="000000"/>
-                        </a:buClr>
-                        <a:buSzPts val="1100"/>
-                        <a:buFont typeface="Arial"/>
-                        <a:buNone/>
-                      </a:pPr>
-                      <a:r>
-                        <a:rPr lang="en" sz="900" b="1">
-                          <a:solidFill>
-                            <a:schemeClr val="dk2"/>
-                          </a:solidFill>
-                          <a:latin typeface="Montserrat"/>
-                          <a:ea typeface="Montserrat"/>
-                          <a:cs typeface="Montserrat"/>
-                          <a:sym typeface="Montserrat"/>
-                        </a:rPr>
-                        <a:t>1. Your Values</a:t>
-                      </a:r>
-                      <a:endParaRPr sz="900" b="1">
-                        <a:solidFill>
-                          <a:schemeClr val="dk2"/>
-                        </a:solidFill>
-                        <a:latin typeface="Montserrat"/>
-                        <a:ea typeface="Montserrat"/>
-                        <a:cs typeface="Montserrat"/>
-                        <a:sym typeface="Montserrat"/>
-                      </a:endParaRPr>
-                    </a:p>
-                    <a:p>
-                      <a:pPr marL="0" lvl="0" indent="0" algn="l" rtl="0">
-                        <a:spcBef>
-                          <a:spcPts val="0"/>
-                        </a:spcBef>
-                        <a:spcAft>
-                          <a:spcPts val="0"/>
-                        </a:spcAft>
-                        <a:buClr>
-                          <a:srgbClr val="000000"/>
-                        </a:buClr>
-                        <a:buSzPts val="1100"/>
-                        <a:buFont typeface="Arial"/>
-                        <a:buNone/>
-                      </a:pPr>
-                      <a:r>
-                        <a:rPr lang="en" sz="800" i="1">
-                          <a:solidFill>
-                            <a:schemeClr val="dk2"/>
-                          </a:solidFill>
-                          <a:latin typeface="Montserrat"/>
-                          <a:ea typeface="Montserrat"/>
-                          <a:cs typeface="Montserrat"/>
-                          <a:sym typeface="Montserrat"/>
-                        </a:rPr>
-                        <a:t>Who you are, what you value</a:t>
-                      </a:r>
-                      <a:endParaRPr sz="800" i="1">
-                        <a:solidFill>
-                          <a:schemeClr val="dk2"/>
-                        </a:solidFill>
-                        <a:latin typeface="Montserrat"/>
-                        <a:ea typeface="Montserrat"/>
-                        <a:cs typeface="Montserrat"/>
-                        <a:sym typeface="Montserrat"/>
-                      </a:endParaRPr>
-                    </a:p>
-                    <a:p>
-                      <a:pPr marL="0" lvl="0" indent="0" algn="l" rtl="0">
-                        <a:spcBef>
-                          <a:spcPts val="0"/>
-                        </a:spcBef>
-                        <a:spcAft>
-                          <a:spcPts val="0"/>
-                        </a:spcAft>
-                        <a:buClr>
-                          <a:srgbClr val="000000"/>
-                        </a:buClr>
-                        <a:buSzPts val="1100"/>
-                        <a:buFont typeface="Arial"/>
-                        <a:buNone/>
-                      </a:pPr>
-                      <a:endParaRPr sz="800" i="1">
-                        <a:solidFill>
-                          <a:schemeClr val="dk2"/>
-                        </a:solidFill>
-                        <a:latin typeface="Montserrat"/>
-                        <a:ea typeface="Montserrat"/>
-                        <a:cs typeface="Montserrat"/>
-                        <a:sym typeface="Montserrat"/>
-                      </a:endParaRPr>
-                    </a:p>
-                    <a:p>
-                      <a:pPr marL="0" lvl="0" indent="0" algn="l" rtl="0">
-                        <a:spcBef>
-                          <a:spcPts val="0"/>
-                        </a:spcBef>
-                        <a:spcAft>
-                          <a:spcPts val="0"/>
-                        </a:spcAft>
-                        <a:buClr>
-                          <a:srgbClr val="000000"/>
-                        </a:buClr>
-                        <a:buSzPts val="1100"/>
-                        <a:buFont typeface="Arial"/>
-                        <a:buNone/>
-                      </a:pPr>
-                      <a:endParaRPr sz="800" i="1">
-                        <a:solidFill>
-                          <a:schemeClr val="dk2"/>
-                        </a:solidFill>
-                        <a:latin typeface="Montserrat"/>
-                        <a:ea typeface="Montserrat"/>
-                        <a:cs typeface="Montserrat"/>
-                        <a:sym typeface="Montserrat"/>
-                      </a:endParaRPr>
-                    </a:p>
-                    <a:p>
-                      <a:pPr marL="0" lvl="0" indent="0" algn="l" rtl="0">
-                        <a:spcBef>
-                          <a:spcPts val="0"/>
-                        </a:spcBef>
-                        <a:spcAft>
-                          <a:spcPts val="0"/>
-                        </a:spcAft>
-                        <a:buNone/>
-                      </a:pPr>
-                      <a:endParaRPr sz="800" i="1">
-                        <a:solidFill>
-                          <a:schemeClr val="dk2"/>
-                        </a:solidFill>
-                        <a:latin typeface="Montserrat"/>
-                        <a:ea typeface="Montserrat"/>
-                        <a:cs typeface="Montserrat"/>
-                        <a:sym typeface="Montserrat"/>
-                      </a:endParaRPr>
-                    </a:p>
-                    <a:p>
-                      <a:pPr marL="0" lvl="0" indent="0" algn="l" rtl="0">
-                        <a:spcBef>
-                          <a:spcPts val="0"/>
-                        </a:spcBef>
-                        <a:spcAft>
-                          <a:spcPts val="0"/>
-                        </a:spcAft>
-                        <a:buClr>
-                          <a:srgbClr val="000000"/>
-                        </a:buClr>
-                        <a:buSzPts val="1100"/>
-                        <a:buFont typeface="Arial"/>
-                        <a:buNone/>
-                      </a:pPr>
-                      <a:r>
-                        <a:rPr lang="en" sz="800" i="1">
-                          <a:solidFill>
-                            <a:schemeClr val="dk2"/>
-                          </a:solidFill>
-                          <a:latin typeface="Montserrat"/>
-                          <a:ea typeface="Montserrat"/>
-                          <a:cs typeface="Montserrat"/>
-                          <a:sym typeface="Montserrat"/>
-                        </a:rPr>
-                        <a:t>Hint: Top values exercise.</a:t>
-                      </a:r>
-                      <a:endParaRPr sz="800" i="1">
-                        <a:solidFill>
-                          <a:schemeClr val="dk2"/>
-                        </a:solidFill>
-                        <a:latin typeface="Montserrat"/>
-                        <a:ea typeface="Montserrat"/>
-                        <a:cs typeface="Montserrat"/>
-                        <a:sym typeface="Montserrat"/>
-                      </a:endParaRPr>
-                    </a:p>
-                  </a:txBody>
-                  <a:tcPr marL="91425" marR="91425" marT="91425" marB="91425">
-                    <a:lnL w="9525" cap="flat" cmpd="sng">
-                      <a:solidFill>
-                        <a:srgbClr val="64C3F5"/>
-                      </a:solidFill>
-                      <a:prstDash val="solid"/>
-                      <a:round/>
-                      <a:headEnd type="none" w="sm" len="sm"/>
-                      <a:tailEnd type="none" w="sm" len="sm"/>
-                    </a:lnL>
-                    <a:lnR w="9525" cap="flat" cmpd="sng">
-                      <a:solidFill>
-                        <a:srgbClr val="64C3F5"/>
-                      </a:solidFill>
-                      <a:prstDash val="solid"/>
-                      <a:round/>
-                      <a:headEnd type="none" w="sm" len="sm"/>
-                      <a:tailEnd type="none" w="sm" len="sm"/>
-                    </a:lnR>
-                    <a:lnT w="9525" cap="flat" cmpd="sng">
-                      <a:solidFill>
-                        <a:srgbClr val="64C3F5"/>
-                      </a:solidFill>
-                      <a:prstDash val="solid"/>
-                      <a:round/>
-                      <a:headEnd type="none" w="sm" len="sm"/>
-                      <a:tailEnd type="none" w="sm" len="sm"/>
-                    </a:lnT>
-                    <a:lnB w="9525" cap="flat" cmpd="sng">
-                      <a:solidFill>
-                        <a:srgbClr val="64C3F5"/>
-                      </a:solidFill>
-                      <a:prstDash val="solid"/>
-                      <a:round/>
-                      <a:headEnd type="none" w="sm" len="sm"/>
-                      <a:tailEnd type="none" w="sm" len="sm"/>
-                    </a:lnB>
-                  </a:tcPr>
-                </a:tc>
-                <a:tc>
-                  <a:txBody>
-                    <a:bodyPr/>
-                    <a:lstStyle/>
-                    <a:p>
-                      <a:pPr marL="0" lvl="0" indent="0" algn="l" rtl="0">
-                        <a:spcBef>
-                          <a:spcPts val="0"/>
-                        </a:spcBef>
-                        <a:spcAft>
-                          <a:spcPts val="0"/>
-                        </a:spcAft>
-                        <a:buClr>
-                          <a:srgbClr val="000000"/>
-                        </a:buClr>
-                        <a:buSzPts val="1100"/>
-                        <a:buFont typeface="Arial"/>
-                        <a:buNone/>
-                      </a:pPr>
-                      <a:r>
-                        <a:rPr lang="en" sz="900" b="1">
-                          <a:solidFill>
-                            <a:schemeClr val="dk2"/>
-                          </a:solidFill>
-                          <a:latin typeface="Montserrat"/>
-                          <a:ea typeface="Montserrat"/>
-                          <a:cs typeface="Montserrat"/>
-                          <a:sym typeface="Montserrat"/>
-                        </a:rPr>
-                        <a:t>3. Brand attributes</a:t>
-                      </a:r>
-                      <a:endParaRPr sz="900" b="1">
-                        <a:solidFill>
-                          <a:schemeClr val="dk2"/>
-                        </a:solidFill>
-                        <a:latin typeface="Montserrat"/>
-                        <a:ea typeface="Montserrat"/>
-                        <a:cs typeface="Montserrat"/>
-                        <a:sym typeface="Montserrat"/>
-                      </a:endParaRPr>
-                    </a:p>
-                    <a:p>
-                      <a:pPr marL="0" lvl="0" indent="0" algn="l" rtl="0">
-                        <a:spcBef>
-                          <a:spcPts val="0"/>
-                        </a:spcBef>
-                        <a:spcAft>
-                          <a:spcPts val="0"/>
-                        </a:spcAft>
-                        <a:buClr>
-                          <a:srgbClr val="000000"/>
-                        </a:buClr>
-                        <a:buSzPts val="1100"/>
-                        <a:buFont typeface="Arial"/>
-                        <a:buNone/>
-                      </a:pPr>
-                      <a:r>
-                        <a:rPr lang="en" sz="800" i="1">
-                          <a:solidFill>
-                            <a:schemeClr val="dk2"/>
-                          </a:solidFill>
-                          <a:latin typeface="Montserrat"/>
-                          <a:ea typeface="Montserrat"/>
-                          <a:cs typeface="Montserrat"/>
-                          <a:sym typeface="Montserrat"/>
-                        </a:rPr>
-                        <a:t>What is your brand image? What do others think you’re good at? </a:t>
-                      </a:r>
-                      <a:endParaRPr sz="800" i="1">
-                        <a:solidFill>
-                          <a:schemeClr val="dk2"/>
-                        </a:solidFill>
-                        <a:latin typeface="Montserrat"/>
-                        <a:ea typeface="Montserrat"/>
-                        <a:cs typeface="Montserrat"/>
-                        <a:sym typeface="Montserrat"/>
-                      </a:endParaRPr>
-                    </a:p>
-                    <a:p>
-                      <a:pPr marL="0" lvl="0" indent="0" algn="l" rtl="0">
-                        <a:spcBef>
-                          <a:spcPts val="0"/>
-                        </a:spcBef>
-                        <a:spcAft>
-                          <a:spcPts val="0"/>
-                        </a:spcAft>
-                        <a:buClr>
-                          <a:srgbClr val="000000"/>
-                        </a:buClr>
-                        <a:buSzPts val="1100"/>
-                        <a:buFont typeface="Arial"/>
-                        <a:buNone/>
-                      </a:pPr>
-                      <a:endParaRPr sz="800" i="1">
-                        <a:solidFill>
-                          <a:schemeClr val="dk2"/>
-                        </a:solidFill>
-                        <a:latin typeface="Montserrat"/>
-                        <a:ea typeface="Montserrat"/>
-                        <a:cs typeface="Montserrat"/>
-                        <a:sym typeface="Montserrat"/>
-                      </a:endParaRPr>
-                    </a:p>
-                    <a:p>
-                      <a:pPr marL="0" lvl="0" indent="0" algn="l" rtl="0">
-                        <a:spcBef>
-                          <a:spcPts val="0"/>
-                        </a:spcBef>
-                        <a:spcAft>
-                          <a:spcPts val="0"/>
-                        </a:spcAft>
-                        <a:buClr>
-                          <a:srgbClr val="000000"/>
-                        </a:buClr>
-                        <a:buSzPts val="1100"/>
-                        <a:buFont typeface="Arial"/>
-                        <a:buNone/>
-                      </a:pPr>
-                      <a:endParaRPr sz="800" i="1">
-                        <a:solidFill>
-                          <a:schemeClr val="dk2"/>
-                        </a:solidFill>
-                        <a:latin typeface="Montserrat"/>
-                        <a:ea typeface="Montserrat"/>
-                        <a:cs typeface="Montserrat"/>
-                        <a:sym typeface="Montserrat"/>
-                      </a:endParaRPr>
-                    </a:p>
-                    <a:p>
-                      <a:pPr marL="0" lvl="0" indent="0" algn="l" rtl="0">
-                        <a:spcBef>
-                          <a:spcPts val="0"/>
-                        </a:spcBef>
-                        <a:spcAft>
-                          <a:spcPts val="0"/>
-                        </a:spcAft>
-                        <a:buClr>
-                          <a:srgbClr val="000000"/>
-                        </a:buClr>
-                        <a:buSzPts val="1100"/>
-                        <a:buFont typeface="Arial"/>
-                        <a:buNone/>
-                      </a:pPr>
-                      <a:r>
-                        <a:rPr lang="en" sz="800" i="1">
-                          <a:solidFill>
-                            <a:schemeClr val="dk2"/>
-                          </a:solidFill>
-                          <a:latin typeface="Montserrat"/>
-                          <a:ea typeface="Montserrat"/>
-                          <a:cs typeface="Montserrat"/>
-                          <a:sym typeface="Montserrat"/>
-                        </a:rPr>
-                        <a:t>Hint: Brand attributes exercise</a:t>
-                      </a:r>
-                      <a:endParaRPr sz="800" i="1">
-                        <a:solidFill>
-                          <a:schemeClr val="dk2"/>
-                        </a:solidFill>
-                        <a:latin typeface="Montserrat"/>
-                        <a:ea typeface="Montserrat"/>
-                        <a:cs typeface="Montserrat"/>
-                        <a:sym typeface="Montserrat"/>
-                      </a:endParaRPr>
-                    </a:p>
-                  </a:txBody>
-                  <a:tcPr marL="91425" marR="91425" marT="91425" marB="91425">
-                    <a:lnL w="9525" cap="flat" cmpd="sng">
-                      <a:solidFill>
-                        <a:srgbClr val="64C3F5"/>
-                      </a:solidFill>
-                      <a:prstDash val="solid"/>
-                      <a:round/>
-                      <a:headEnd type="none" w="sm" len="sm"/>
-                      <a:tailEnd type="none" w="sm" len="sm"/>
-                    </a:lnL>
-                    <a:lnR w="9525" cap="flat" cmpd="sng">
-                      <a:solidFill>
-                        <a:srgbClr val="64C3F5"/>
-                      </a:solidFill>
-                      <a:prstDash val="solid"/>
-                      <a:round/>
-                      <a:headEnd type="none" w="sm" len="sm"/>
-                      <a:tailEnd type="none" w="sm" len="sm"/>
-                    </a:lnR>
-                    <a:lnT w="9525" cap="flat" cmpd="sng">
-                      <a:solidFill>
-                        <a:srgbClr val="64C3F5"/>
-                      </a:solidFill>
-                      <a:prstDash val="solid"/>
-                      <a:round/>
-                      <a:headEnd type="none" w="sm" len="sm"/>
-                      <a:tailEnd type="none" w="sm" len="sm"/>
-                    </a:lnT>
-                    <a:lnB w="9525" cap="flat" cmpd="sng">
-                      <a:solidFill>
-                        <a:srgbClr val="64C3F5"/>
-                      </a:solidFill>
-                      <a:prstDash val="solid"/>
-                      <a:round/>
-                      <a:headEnd type="none" w="sm" len="sm"/>
-                      <a:tailEnd type="none" w="sm" len="sm"/>
-                    </a:lnB>
-                  </a:tcPr>
-                </a:tc>
-                <a:tc>
-                  <a:txBody>
-                    <a:bodyPr/>
-                    <a:lstStyle/>
-                    <a:p>
-                      <a:pPr marL="0" lvl="0" indent="0" algn="l" rtl="0">
-                        <a:spcBef>
-                          <a:spcPts val="0"/>
-                        </a:spcBef>
-                        <a:spcAft>
-                          <a:spcPts val="0"/>
-                        </a:spcAft>
-                        <a:buClr>
-                          <a:srgbClr val="000000"/>
-                        </a:buClr>
-                        <a:buSzPts val="1100"/>
-                        <a:buFont typeface="Arial"/>
-                        <a:buNone/>
-                      </a:pPr>
-                      <a:r>
-                        <a:rPr lang="en" sz="900" b="1">
-                          <a:solidFill>
-                            <a:schemeClr val="dk2"/>
-                          </a:solidFill>
-                          <a:latin typeface="Montserrat"/>
-                          <a:ea typeface="Montserrat"/>
-                          <a:cs typeface="Montserrat"/>
-                          <a:sym typeface="Montserrat"/>
-                        </a:rPr>
-                        <a:t>5. Who’s your audience?</a:t>
-                      </a:r>
-                      <a:br>
-                        <a:rPr lang="en" sz="900" b="1">
-                          <a:solidFill>
-                            <a:schemeClr val="dk2"/>
-                          </a:solidFill>
-                          <a:latin typeface="Montserrat"/>
-                          <a:ea typeface="Montserrat"/>
-                          <a:cs typeface="Montserrat"/>
-                          <a:sym typeface="Montserrat"/>
-                        </a:rPr>
-                      </a:br>
-                      <a:r>
-                        <a:rPr lang="en" sz="800" i="1">
-                          <a:solidFill>
-                            <a:schemeClr val="dk2"/>
-                          </a:solidFill>
-                          <a:latin typeface="Montserrat"/>
-                          <a:ea typeface="Montserrat"/>
-                          <a:cs typeface="Montserrat"/>
-                          <a:sym typeface="Montserrat"/>
-                        </a:rPr>
-                        <a:t>Who are the people you target to achieve your goals? In what places or communities can you find them?</a:t>
-                      </a:r>
-                      <a:endParaRPr sz="800" i="1">
-                        <a:solidFill>
-                          <a:schemeClr val="dk2"/>
-                        </a:solidFill>
-                        <a:latin typeface="Montserrat"/>
-                        <a:ea typeface="Montserrat"/>
-                        <a:cs typeface="Montserrat"/>
-                        <a:sym typeface="Montserrat"/>
-                      </a:endParaRPr>
-                    </a:p>
-                    <a:p>
-                      <a:pPr marL="0" lvl="0" indent="0" algn="l" rtl="0">
-                        <a:spcBef>
-                          <a:spcPts val="0"/>
-                        </a:spcBef>
-                        <a:spcAft>
-                          <a:spcPts val="0"/>
-                        </a:spcAft>
-                        <a:buClr>
-                          <a:srgbClr val="000000"/>
-                        </a:buClr>
-                        <a:buSzPts val="1100"/>
-                        <a:buFont typeface="Arial"/>
-                        <a:buNone/>
-                      </a:pPr>
-                      <a:endParaRPr sz="800" i="1">
-                        <a:solidFill>
-                          <a:schemeClr val="dk2"/>
-                        </a:solidFill>
-                        <a:latin typeface="Montserrat"/>
-                        <a:ea typeface="Montserrat"/>
-                        <a:cs typeface="Montserrat"/>
-                        <a:sym typeface="Montserrat"/>
-                      </a:endParaRPr>
-                    </a:p>
-                    <a:p>
-                      <a:pPr marL="0" lvl="0" indent="0" algn="l" rtl="0">
-                        <a:spcBef>
-                          <a:spcPts val="0"/>
-                        </a:spcBef>
-                        <a:spcAft>
-                          <a:spcPts val="0"/>
-                        </a:spcAft>
-                        <a:buNone/>
-                      </a:pPr>
-                      <a:r>
-                        <a:rPr lang="en" sz="800" i="1">
-                          <a:solidFill>
-                            <a:schemeClr val="dk2"/>
-                          </a:solidFill>
-                          <a:latin typeface="Montserrat"/>
-                          <a:ea typeface="Montserrat"/>
-                          <a:cs typeface="Montserrat"/>
-                          <a:sym typeface="Montserrat"/>
-                        </a:rPr>
-                        <a:t>Hint: Audience exercise</a:t>
-                      </a:r>
-                      <a:endParaRPr sz="900" b="1">
-                        <a:solidFill>
-                          <a:schemeClr val="dk2"/>
-                        </a:solidFill>
-                        <a:latin typeface="Montserrat"/>
-                        <a:ea typeface="Montserrat"/>
-                        <a:cs typeface="Montserrat"/>
-                        <a:sym typeface="Montserrat"/>
-                      </a:endParaRPr>
-                    </a:p>
-                  </a:txBody>
-                  <a:tcPr marL="91425" marR="91425" marT="91425" marB="91425">
-                    <a:lnL w="9525" cap="flat" cmpd="sng">
-                      <a:solidFill>
-                        <a:srgbClr val="64C3F5"/>
-                      </a:solidFill>
-                      <a:prstDash val="solid"/>
-                      <a:round/>
-                      <a:headEnd type="none" w="sm" len="sm"/>
-                      <a:tailEnd type="none" w="sm" len="sm"/>
-                    </a:lnL>
-                    <a:lnR w="9525" cap="flat" cmpd="sng">
-                      <a:solidFill>
-                        <a:srgbClr val="64C3F5"/>
-                      </a:solidFill>
-                      <a:prstDash val="solid"/>
-                      <a:round/>
-                      <a:headEnd type="none" w="sm" len="sm"/>
-                      <a:tailEnd type="none" w="sm" len="sm"/>
-                    </a:lnR>
-                    <a:lnT w="9525" cap="flat" cmpd="sng">
-                      <a:solidFill>
-                        <a:srgbClr val="64C3F5"/>
-                      </a:solidFill>
-                      <a:prstDash val="solid"/>
-                      <a:round/>
-                      <a:headEnd type="none" w="sm" len="sm"/>
-                      <a:tailEnd type="none" w="sm" len="sm"/>
-                    </a:lnT>
-                    <a:lnB w="9525" cap="flat" cmpd="sng">
-                      <a:solidFill>
-                        <a:srgbClr val="64C3F5"/>
-                      </a:solidFill>
-                      <a:prstDash val="solid"/>
-                      <a:round/>
-                      <a:headEnd type="none" w="sm" len="sm"/>
-                      <a:tailEnd type="none" w="sm" len="sm"/>
-                    </a:lnB>
-                  </a:tcPr>
-                </a:tc>
-                <a:tc>
-                  <a:txBody>
-                    <a:bodyPr/>
-                    <a:lstStyle/>
-                    <a:p>
-                      <a:pPr marL="0" lvl="0" indent="0" algn="l" rtl="0">
-                        <a:spcBef>
-                          <a:spcPts val="0"/>
-                        </a:spcBef>
-                        <a:spcAft>
-                          <a:spcPts val="0"/>
-                        </a:spcAft>
-                        <a:buClr>
-                          <a:srgbClr val="000000"/>
-                        </a:buClr>
-                        <a:buSzPts val="1100"/>
-                        <a:buFont typeface="Arial"/>
-                        <a:buNone/>
-                      </a:pPr>
-                      <a:r>
-                        <a:rPr lang="en" sz="900" b="1">
-                          <a:solidFill>
-                            <a:schemeClr val="dk2"/>
-                          </a:solidFill>
-                          <a:latin typeface="Montserrat"/>
-                          <a:ea typeface="Montserrat"/>
-                          <a:cs typeface="Montserrat"/>
-                          <a:sym typeface="Montserrat"/>
-                        </a:rPr>
-                        <a:t>7. Profiles/Channels</a:t>
-                      </a:r>
-                      <a:endParaRPr sz="800" i="1">
-                        <a:solidFill>
-                          <a:schemeClr val="dk2"/>
-                        </a:solidFill>
-                        <a:latin typeface="Montserrat"/>
-                        <a:ea typeface="Montserrat"/>
-                        <a:cs typeface="Montserrat"/>
-                        <a:sym typeface="Montserrat"/>
-                      </a:endParaRPr>
-                    </a:p>
-                    <a:p>
-                      <a:pPr marL="0" lvl="0" indent="0" algn="l" rtl="0">
-                        <a:spcBef>
-                          <a:spcPts val="0"/>
-                        </a:spcBef>
-                        <a:spcAft>
-                          <a:spcPts val="0"/>
-                        </a:spcAft>
-                        <a:buClr>
-                          <a:srgbClr val="000000"/>
-                        </a:buClr>
-                        <a:buSzPts val="1100"/>
-                        <a:buFont typeface="Arial"/>
-                        <a:buNone/>
-                      </a:pPr>
-                      <a:r>
-                        <a:rPr lang="en" sz="800" i="1">
-                          <a:solidFill>
-                            <a:schemeClr val="dk2"/>
-                          </a:solidFill>
-                          <a:latin typeface="Montserrat"/>
-                          <a:ea typeface="Montserrat"/>
-                          <a:cs typeface="Montserrat"/>
-                          <a:sym typeface="Montserrat"/>
-                        </a:rPr>
-                        <a:t>Time to tell the world: tailor your profile to portray your brand</a:t>
-                      </a:r>
-                      <a:endParaRPr sz="800" i="1">
-                        <a:solidFill>
-                          <a:schemeClr val="dk2"/>
-                        </a:solidFill>
-                        <a:latin typeface="Montserrat"/>
-                        <a:ea typeface="Montserrat"/>
-                        <a:cs typeface="Montserrat"/>
-                        <a:sym typeface="Montserrat"/>
-                      </a:endParaRPr>
-                    </a:p>
-                    <a:p>
-                      <a:pPr marL="0" lvl="0" indent="0" algn="l" rtl="0">
-                        <a:spcBef>
-                          <a:spcPts val="0"/>
-                        </a:spcBef>
-                        <a:spcAft>
-                          <a:spcPts val="0"/>
-                        </a:spcAft>
-                        <a:buClr>
-                          <a:srgbClr val="000000"/>
-                        </a:buClr>
-                        <a:buSzPts val="1100"/>
-                        <a:buFont typeface="Arial"/>
-                        <a:buNone/>
-                      </a:pPr>
-                      <a:endParaRPr sz="800" i="1">
-                        <a:solidFill>
-                          <a:schemeClr val="dk2"/>
-                        </a:solidFill>
-                        <a:latin typeface="Montserrat"/>
-                        <a:ea typeface="Montserrat"/>
-                        <a:cs typeface="Montserrat"/>
-                        <a:sym typeface="Montserrat"/>
-                      </a:endParaRPr>
-                    </a:p>
-                    <a:p>
-                      <a:pPr marL="0" lvl="0" indent="0" algn="l" rtl="0">
-                        <a:spcBef>
-                          <a:spcPts val="0"/>
-                        </a:spcBef>
-                        <a:spcAft>
-                          <a:spcPts val="0"/>
-                        </a:spcAft>
-                        <a:buClr>
-                          <a:srgbClr val="000000"/>
-                        </a:buClr>
-                        <a:buSzPts val="1100"/>
-                        <a:buFont typeface="Arial"/>
-                        <a:buNone/>
-                      </a:pPr>
-                      <a:endParaRPr sz="800" i="1">
-                        <a:solidFill>
-                          <a:schemeClr val="dk2"/>
-                        </a:solidFill>
-                        <a:latin typeface="Montserrat"/>
-                        <a:ea typeface="Montserrat"/>
-                        <a:cs typeface="Montserrat"/>
-                        <a:sym typeface="Montserrat"/>
-                      </a:endParaRPr>
-                    </a:p>
-                    <a:p>
-                      <a:pPr marL="0" lvl="0" indent="0" algn="l" rtl="0">
-                        <a:spcBef>
-                          <a:spcPts val="0"/>
-                        </a:spcBef>
-                        <a:spcAft>
-                          <a:spcPts val="0"/>
-                        </a:spcAft>
-                        <a:buClr>
-                          <a:schemeClr val="dk1"/>
-                        </a:buClr>
-                        <a:buSzPts val="1100"/>
-                        <a:buFont typeface="Arial"/>
-                        <a:buNone/>
-                      </a:pPr>
-                      <a:r>
-                        <a:rPr lang="en" sz="800" i="1">
-                          <a:solidFill>
-                            <a:schemeClr val="dk2"/>
-                          </a:solidFill>
-                          <a:latin typeface="Montserrat"/>
-                          <a:ea typeface="Montserrat"/>
-                          <a:cs typeface="Montserrat"/>
-                          <a:sym typeface="Montserrat"/>
-                        </a:rPr>
-                        <a:t>Hint: Linkedin + CV + Student Profile exercise</a:t>
-                      </a:r>
-                      <a:endParaRPr sz="800" i="1">
-                        <a:solidFill>
-                          <a:schemeClr val="dk2"/>
-                        </a:solidFill>
-                        <a:latin typeface="Montserrat"/>
-                        <a:ea typeface="Montserrat"/>
-                        <a:cs typeface="Montserrat"/>
-                        <a:sym typeface="Montserrat"/>
-                      </a:endParaRPr>
-                    </a:p>
-                  </a:txBody>
-                  <a:tcPr marL="91425" marR="91425" marT="91425" marB="91425">
-                    <a:lnL w="9525" cap="flat" cmpd="sng">
-                      <a:solidFill>
-                        <a:srgbClr val="64C3F5"/>
-                      </a:solidFill>
-                      <a:prstDash val="solid"/>
-                      <a:round/>
-                      <a:headEnd type="none" w="sm" len="sm"/>
-                      <a:tailEnd type="none" w="sm" len="sm"/>
-                    </a:lnL>
-                    <a:lnR w="9525" cap="flat" cmpd="sng">
-                      <a:solidFill>
-                        <a:srgbClr val="64C3F5"/>
-                      </a:solidFill>
-                      <a:prstDash val="solid"/>
-                      <a:round/>
-                      <a:headEnd type="none" w="sm" len="sm"/>
-                      <a:tailEnd type="none" w="sm" len="sm"/>
-                    </a:lnR>
-                    <a:lnT w="9525" cap="flat" cmpd="sng">
-                      <a:solidFill>
-                        <a:srgbClr val="64C3F5"/>
-                      </a:solidFill>
-                      <a:prstDash val="solid"/>
-                      <a:round/>
-                      <a:headEnd type="none" w="sm" len="sm"/>
-                      <a:tailEnd type="none" w="sm" len="sm"/>
-                    </a:lnT>
-                    <a:lnB w="9525" cap="flat" cmpd="sng">
-                      <a:solidFill>
-                        <a:srgbClr val="64C3F5"/>
-                      </a:solidFill>
-                      <a:prstDash val="solid"/>
-                      <a:round/>
-                      <a:headEnd type="none" w="sm" len="sm"/>
-                      <a:tailEnd type="none" w="sm" len="sm"/>
-                    </a:lnB>
-                  </a:tcPr>
-                </a:tc>
-                <a:extLst>
-                  <a:ext uri="{0D108BD9-81ED-4DB2-BD59-A6C34878D82A}">
-                    <a16:rowId xmlns:a16="http://schemas.microsoft.com/office/drawing/2014/main" val="10000"/>
-                  </a:ext>
-                </a:extLst>
-              </a:tr>
-              <a:tr h="1229300">
-                <a:tc>
-                  <a:txBody>
-                    <a:bodyPr/>
-                    <a:lstStyle/>
-                    <a:p>
-                      <a:pPr marL="457200" lvl="0" indent="-285750" algn="l" rtl="0">
-                        <a:lnSpc>
-                          <a:spcPct val="115000"/>
-                        </a:lnSpc>
-                        <a:spcBef>
-                          <a:spcPts val="0"/>
-                        </a:spcBef>
-                        <a:spcAft>
-                          <a:spcPts val="0"/>
-                        </a:spcAft>
-                        <a:buClr>
-                          <a:schemeClr val="dk2"/>
-                        </a:buClr>
-                        <a:buSzPts val="900"/>
-                        <a:buFont typeface="Work Sans"/>
-                        <a:buChar char="●"/>
-                      </a:pPr>
-                      <a:r>
-                        <a:rPr lang="en" sz="900" i="1">
-                          <a:solidFill>
-                            <a:schemeClr val="dk2"/>
-                          </a:solidFill>
-                          <a:latin typeface="Work Sans"/>
-                          <a:ea typeface="Work Sans"/>
-                          <a:cs typeface="Work Sans"/>
-                          <a:sym typeface="Work Sans"/>
-                        </a:rPr>
-                        <a:t>Social change: I want to make a contribution to society at large.</a:t>
-                      </a:r>
-                      <a:endParaRPr sz="900" i="1">
-                        <a:solidFill>
-                          <a:schemeClr val="dk2"/>
-                        </a:solidFill>
-                        <a:latin typeface="Work Sans"/>
-                        <a:ea typeface="Work Sans"/>
-                        <a:cs typeface="Work Sans"/>
-                        <a:sym typeface="Work Sans"/>
-                      </a:endParaRPr>
-                    </a:p>
-                    <a:p>
-                      <a:pPr marL="457200" lvl="0" indent="-285750" algn="l" rtl="0">
-                        <a:spcBef>
-                          <a:spcPts val="0"/>
-                        </a:spcBef>
-                        <a:spcAft>
-                          <a:spcPts val="0"/>
-                        </a:spcAft>
-                        <a:buClr>
-                          <a:schemeClr val="dk2"/>
-                        </a:buClr>
-                        <a:buSzPts val="900"/>
-                        <a:buFont typeface="Work Sans"/>
-                        <a:buChar char="●"/>
-                      </a:pPr>
-                      <a:r>
-                        <a:rPr lang="en" sz="900" i="1">
-                          <a:solidFill>
-                            <a:schemeClr val="dk2"/>
-                          </a:solidFill>
-                          <a:latin typeface="Work Sans"/>
-                          <a:ea typeface="Work Sans"/>
-                          <a:cs typeface="Work Sans"/>
-                          <a:sym typeface="Work Sans"/>
-                        </a:rPr>
-                        <a:t>Human interaction</a:t>
-                      </a:r>
-                      <a:endParaRPr sz="900" i="1">
-                        <a:solidFill>
-                          <a:schemeClr val="dk2"/>
-                        </a:solidFill>
-                        <a:latin typeface="Work Sans"/>
-                        <a:ea typeface="Work Sans"/>
-                        <a:cs typeface="Work Sans"/>
-                        <a:sym typeface="Work Sans"/>
-                      </a:endParaRPr>
-                    </a:p>
-                    <a:p>
-                      <a:pPr marL="457200" lvl="0" indent="-285750" algn="l" rtl="0">
-                        <a:spcBef>
-                          <a:spcPts val="0"/>
-                        </a:spcBef>
-                        <a:spcAft>
-                          <a:spcPts val="0"/>
-                        </a:spcAft>
-                        <a:buClr>
-                          <a:schemeClr val="dk2"/>
-                        </a:buClr>
-                        <a:buSzPts val="900"/>
-                        <a:buFont typeface="Work Sans"/>
-                        <a:buChar char="●"/>
-                      </a:pPr>
-                      <a:r>
-                        <a:rPr lang="en" sz="900" i="1">
-                          <a:solidFill>
-                            <a:schemeClr val="dk2"/>
-                          </a:solidFill>
-                          <a:latin typeface="Work Sans"/>
-                          <a:ea typeface="Work Sans"/>
-                          <a:cs typeface="Work Sans"/>
-                          <a:sym typeface="Work Sans"/>
-                        </a:rPr>
-                        <a:t>Work-life balance</a:t>
-                      </a:r>
-                      <a:endParaRPr sz="900" i="1">
-                        <a:solidFill>
-                          <a:schemeClr val="dk2"/>
-                        </a:solidFill>
-                        <a:latin typeface="Work Sans"/>
-                        <a:ea typeface="Work Sans"/>
-                        <a:cs typeface="Work Sans"/>
-                        <a:sym typeface="Work Sans"/>
-                      </a:endParaRPr>
-                    </a:p>
-                    <a:p>
-                      <a:pPr marL="457200" lvl="0" indent="-285750" algn="l" rtl="0">
-                        <a:spcBef>
-                          <a:spcPts val="0"/>
-                        </a:spcBef>
-                        <a:spcAft>
-                          <a:spcPts val="0"/>
-                        </a:spcAft>
-                        <a:buClr>
-                          <a:schemeClr val="dk2"/>
-                        </a:buClr>
-                        <a:buSzPts val="900"/>
-                        <a:buFont typeface="Work Sans"/>
-                        <a:buChar char="●"/>
-                      </a:pPr>
-                      <a:r>
-                        <a:rPr lang="en" sz="900" i="1">
-                          <a:solidFill>
-                            <a:schemeClr val="dk2"/>
-                          </a:solidFill>
-                          <a:latin typeface="Work Sans"/>
-                          <a:ea typeface="Work Sans"/>
-                          <a:cs typeface="Work Sans"/>
-                          <a:sym typeface="Work Sans"/>
-                        </a:rPr>
-                        <a:t>Manage a team in the long run</a:t>
-                      </a:r>
-                      <a:endParaRPr sz="900" i="1">
-                        <a:solidFill>
-                          <a:schemeClr val="dk2"/>
-                        </a:solidFill>
-                        <a:latin typeface="Work Sans"/>
-                        <a:ea typeface="Work Sans"/>
-                        <a:cs typeface="Work Sans"/>
-                        <a:sym typeface="Work Sans"/>
-                      </a:endParaRPr>
-                    </a:p>
-                  </a:txBody>
-                  <a:tcPr marL="91425" marR="91425" marT="91425" marB="91425">
-                    <a:lnL w="9525" cap="flat" cmpd="sng">
-                      <a:solidFill>
-                        <a:srgbClr val="64C3F5"/>
-                      </a:solidFill>
-                      <a:prstDash val="solid"/>
-                      <a:round/>
-                      <a:headEnd type="none" w="sm" len="sm"/>
-                      <a:tailEnd type="none" w="sm" len="sm"/>
-                    </a:lnL>
-                    <a:lnR w="9525" cap="flat" cmpd="sng">
-                      <a:solidFill>
-                        <a:srgbClr val="64C3F5"/>
-                      </a:solidFill>
-                      <a:prstDash val="solid"/>
-                      <a:round/>
-                      <a:headEnd type="none" w="sm" len="sm"/>
-                      <a:tailEnd type="none" w="sm" len="sm"/>
-                    </a:lnR>
-                    <a:lnT w="9525" cap="flat" cmpd="sng">
-                      <a:solidFill>
-                        <a:srgbClr val="64C3F5"/>
-                      </a:solidFill>
-                      <a:prstDash val="solid"/>
-                      <a:round/>
-                      <a:headEnd type="none" w="sm" len="sm"/>
-                      <a:tailEnd type="none" w="sm" len="sm"/>
-                    </a:lnT>
-                    <a:lnB w="9525" cap="flat" cmpd="sng">
-                      <a:solidFill>
-                        <a:srgbClr val="64C3F5"/>
-                      </a:solidFill>
-                      <a:prstDash val="solid"/>
-                      <a:round/>
-                      <a:headEnd type="none" w="sm" len="sm"/>
-                      <a:tailEnd type="none" w="sm" len="sm"/>
-                    </a:lnB>
-                  </a:tcPr>
-                </a:tc>
-                <a:tc>
-                  <a:txBody>
-                    <a:bodyPr/>
-                    <a:lstStyle/>
-                    <a:p>
-                      <a:pPr marL="457200" lvl="0" indent="-285750" algn="l" rtl="0">
-                        <a:spcBef>
-                          <a:spcPts val="0"/>
-                        </a:spcBef>
-                        <a:spcAft>
-                          <a:spcPts val="0"/>
-                        </a:spcAft>
-                        <a:buClr>
-                          <a:schemeClr val="dk2"/>
-                        </a:buClr>
-                        <a:buSzPts val="900"/>
-                        <a:buFont typeface="Work Sans"/>
-                        <a:buChar char="●"/>
-                      </a:pPr>
-                      <a:r>
-                        <a:rPr lang="en" sz="900" i="1">
-                          <a:solidFill>
-                            <a:schemeClr val="dk2"/>
-                          </a:solidFill>
-                          <a:latin typeface="Work Sans"/>
-                          <a:ea typeface="Work Sans"/>
-                          <a:cs typeface="Work Sans"/>
-                          <a:sym typeface="Work Sans"/>
-                        </a:rPr>
-                        <a:t>Great communication skills</a:t>
-                      </a:r>
-                      <a:endParaRPr sz="900" i="1">
-                        <a:solidFill>
-                          <a:schemeClr val="dk2"/>
-                        </a:solidFill>
-                        <a:latin typeface="Work Sans"/>
-                        <a:ea typeface="Work Sans"/>
-                        <a:cs typeface="Work Sans"/>
-                        <a:sym typeface="Work Sans"/>
-                      </a:endParaRPr>
-                    </a:p>
-                    <a:p>
-                      <a:pPr marL="457200" lvl="0" indent="-285750" algn="l" rtl="0">
-                        <a:spcBef>
-                          <a:spcPts val="0"/>
-                        </a:spcBef>
-                        <a:spcAft>
-                          <a:spcPts val="0"/>
-                        </a:spcAft>
-                        <a:buClr>
-                          <a:schemeClr val="dk2"/>
-                        </a:buClr>
-                        <a:buSzPts val="900"/>
-                        <a:buFont typeface="Work Sans"/>
-                        <a:buChar char="●"/>
-                      </a:pPr>
-                      <a:r>
-                        <a:rPr lang="en" sz="900" i="1">
-                          <a:solidFill>
-                            <a:schemeClr val="dk2"/>
-                          </a:solidFill>
-                          <a:latin typeface="Work Sans"/>
-                          <a:ea typeface="Work Sans"/>
-                          <a:cs typeface="Work Sans"/>
-                          <a:sym typeface="Work Sans"/>
-                        </a:rPr>
-                        <a:t>Leadership</a:t>
-                      </a:r>
-                      <a:endParaRPr sz="900" i="1">
-                        <a:solidFill>
-                          <a:schemeClr val="dk2"/>
-                        </a:solidFill>
-                        <a:latin typeface="Work Sans"/>
-                        <a:ea typeface="Work Sans"/>
-                        <a:cs typeface="Work Sans"/>
-                        <a:sym typeface="Work Sans"/>
-                      </a:endParaRPr>
-                    </a:p>
-                    <a:p>
-                      <a:pPr marL="457200" lvl="0" indent="-285750" algn="l" rtl="0">
-                        <a:spcBef>
-                          <a:spcPts val="0"/>
-                        </a:spcBef>
-                        <a:spcAft>
-                          <a:spcPts val="0"/>
-                        </a:spcAft>
-                        <a:buClr>
-                          <a:schemeClr val="dk2"/>
-                        </a:buClr>
-                        <a:buSzPts val="900"/>
-                        <a:buFont typeface="Work Sans"/>
-                        <a:buChar char="●"/>
-                      </a:pPr>
-                      <a:r>
-                        <a:rPr lang="en" sz="900" i="1">
-                          <a:solidFill>
-                            <a:schemeClr val="dk2"/>
-                          </a:solidFill>
-                          <a:latin typeface="Work Sans"/>
-                          <a:ea typeface="Work Sans"/>
-                          <a:cs typeface="Work Sans"/>
-                          <a:sym typeface="Work Sans"/>
-                        </a:rPr>
-                        <a:t>Energy</a:t>
-                      </a:r>
-                      <a:endParaRPr sz="900" i="1">
-                        <a:solidFill>
-                          <a:schemeClr val="dk2"/>
-                        </a:solidFill>
-                        <a:latin typeface="Work Sans"/>
-                        <a:ea typeface="Work Sans"/>
-                        <a:cs typeface="Work Sans"/>
-                        <a:sym typeface="Work Sans"/>
-                      </a:endParaRPr>
-                    </a:p>
-                    <a:p>
-                      <a:pPr marL="457200" lvl="0" indent="-285750" algn="l" rtl="0">
-                        <a:spcBef>
-                          <a:spcPts val="0"/>
-                        </a:spcBef>
-                        <a:spcAft>
-                          <a:spcPts val="0"/>
-                        </a:spcAft>
-                        <a:buClr>
-                          <a:schemeClr val="dk2"/>
-                        </a:buClr>
-                        <a:buSzPts val="900"/>
-                        <a:buFont typeface="Work Sans"/>
-                        <a:buChar char="●"/>
-                      </a:pPr>
-                      <a:r>
-                        <a:rPr lang="en" sz="900" i="1">
-                          <a:solidFill>
-                            <a:schemeClr val="dk2"/>
-                          </a:solidFill>
-                          <a:latin typeface="Work Sans"/>
-                          <a:ea typeface="Work Sans"/>
-                          <a:cs typeface="Work Sans"/>
-                          <a:sym typeface="Work Sans"/>
-                        </a:rPr>
-                        <a:t>Perseverance</a:t>
-                      </a:r>
-                      <a:endParaRPr sz="900" i="1">
-                        <a:solidFill>
-                          <a:schemeClr val="dk2"/>
-                        </a:solidFill>
-                        <a:latin typeface="Work Sans"/>
-                        <a:ea typeface="Work Sans"/>
-                        <a:cs typeface="Work Sans"/>
-                        <a:sym typeface="Work Sans"/>
-                      </a:endParaRPr>
-                    </a:p>
-                  </a:txBody>
-                  <a:tcPr marL="91425" marR="91425" marT="91425" marB="91425">
-                    <a:lnL w="9525" cap="flat" cmpd="sng">
-                      <a:solidFill>
-                        <a:srgbClr val="64C3F5"/>
-                      </a:solidFill>
-                      <a:prstDash val="solid"/>
-                      <a:round/>
-                      <a:headEnd type="none" w="sm" len="sm"/>
-                      <a:tailEnd type="none" w="sm" len="sm"/>
-                    </a:lnL>
-                    <a:lnR w="9525" cap="flat" cmpd="sng">
-                      <a:solidFill>
-                        <a:srgbClr val="64C3F5"/>
-                      </a:solidFill>
-                      <a:prstDash val="solid"/>
-                      <a:round/>
-                      <a:headEnd type="none" w="sm" len="sm"/>
-                      <a:tailEnd type="none" w="sm" len="sm"/>
-                    </a:lnR>
-                    <a:lnT w="9525" cap="flat" cmpd="sng">
-                      <a:solidFill>
-                        <a:srgbClr val="64C3F5"/>
-                      </a:solidFill>
-                      <a:prstDash val="solid"/>
-                      <a:round/>
-                      <a:headEnd type="none" w="sm" len="sm"/>
-                      <a:tailEnd type="none" w="sm" len="sm"/>
-                    </a:lnT>
-                    <a:lnB w="9525" cap="flat" cmpd="sng">
-                      <a:solidFill>
-                        <a:srgbClr val="64C3F5"/>
-                      </a:solidFill>
-                      <a:prstDash val="solid"/>
-                      <a:round/>
-                      <a:headEnd type="none" w="sm" len="sm"/>
-                      <a:tailEnd type="none" w="sm" len="sm"/>
-                    </a:lnB>
-                  </a:tcPr>
-                </a:tc>
-                <a:tc>
-                  <a:txBody>
-                    <a:bodyPr/>
-                    <a:lstStyle/>
-                    <a:p>
-                      <a:pPr marL="457200" lvl="0" indent="-285750" algn="l" rtl="0">
-                        <a:spcBef>
-                          <a:spcPts val="0"/>
-                        </a:spcBef>
-                        <a:spcAft>
-                          <a:spcPts val="0"/>
-                        </a:spcAft>
-                        <a:buClr>
-                          <a:schemeClr val="dk2"/>
-                        </a:buClr>
-                        <a:buSzPts val="900"/>
-                        <a:buFont typeface="Work Sans"/>
-                        <a:buChar char="●"/>
-                      </a:pPr>
-                      <a:r>
-                        <a:rPr lang="en" sz="900" i="1">
-                          <a:solidFill>
-                            <a:schemeClr val="dk2"/>
-                          </a:solidFill>
-                          <a:latin typeface="Work Sans"/>
-                          <a:ea typeface="Work Sans"/>
-                          <a:cs typeface="Work Sans"/>
-                          <a:sym typeface="Work Sans"/>
-                        </a:rPr>
-                        <a:t>Heads of Design</a:t>
-                      </a:r>
-                      <a:endParaRPr sz="900" i="1">
-                        <a:solidFill>
-                          <a:schemeClr val="dk2"/>
-                        </a:solidFill>
-                        <a:latin typeface="Work Sans"/>
-                        <a:ea typeface="Work Sans"/>
-                        <a:cs typeface="Work Sans"/>
-                        <a:sym typeface="Work Sans"/>
-                      </a:endParaRPr>
-                    </a:p>
-                    <a:p>
-                      <a:pPr marL="457200" lvl="0" indent="-285750" algn="l" rtl="0">
-                        <a:spcBef>
-                          <a:spcPts val="0"/>
-                        </a:spcBef>
-                        <a:spcAft>
-                          <a:spcPts val="0"/>
-                        </a:spcAft>
-                        <a:buClr>
-                          <a:schemeClr val="dk2"/>
-                        </a:buClr>
-                        <a:buSzPts val="900"/>
-                        <a:buFont typeface="Work Sans"/>
-                        <a:buChar char="●"/>
-                      </a:pPr>
-                      <a:r>
-                        <a:rPr lang="en" sz="900" i="1">
-                          <a:solidFill>
-                            <a:schemeClr val="dk2"/>
-                          </a:solidFill>
-                          <a:latin typeface="Work Sans"/>
-                          <a:ea typeface="Work Sans"/>
-                          <a:cs typeface="Work Sans"/>
-                          <a:sym typeface="Work Sans"/>
-                        </a:rPr>
-                        <a:t>CEOs of startups</a:t>
-                      </a:r>
-                      <a:endParaRPr sz="900" i="1">
-                        <a:solidFill>
-                          <a:schemeClr val="dk2"/>
-                        </a:solidFill>
-                        <a:latin typeface="Work Sans"/>
-                        <a:ea typeface="Work Sans"/>
-                        <a:cs typeface="Work Sans"/>
-                        <a:sym typeface="Work Sans"/>
-                      </a:endParaRPr>
-                    </a:p>
-                    <a:p>
-                      <a:pPr marL="457200" lvl="0" indent="-285750" algn="l" rtl="0">
-                        <a:spcBef>
-                          <a:spcPts val="0"/>
-                        </a:spcBef>
-                        <a:spcAft>
-                          <a:spcPts val="0"/>
-                        </a:spcAft>
-                        <a:buClr>
-                          <a:schemeClr val="dk2"/>
-                        </a:buClr>
-                        <a:buSzPts val="900"/>
-                        <a:buFont typeface="Work Sans"/>
-                        <a:buChar char="●"/>
-                      </a:pPr>
-                      <a:r>
-                        <a:rPr lang="en" sz="900" i="1">
-                          <a:solidFill>
-                            <a:schemeClr val="dk2"/>
-                          </a:solidFill>
-                          <a:latin typeface="Work Sans"/>
-                          <a:ea typeface="Work Sans"/>
-                          <a:cs typeface="Work Sans"/>
-                          <a:sym typeface="Work Sans"/>
-                        </a:rPr>
-                        <a:t>Recruiters of startups</a:t>
-                      </a:r>
-                      <a:endParaRPr sz="900" i="1">
-                        <a:solidFill>
-                          <a:schemeClr val="dk2"/>
-                        </a:solidFill>
-                        <a:latin typeface="Work Sans"/>
-                        <a:ea typeface="Work Sans"/>
-                        <a:cs typeface="Work Sans"/>
-                        <a:sym typeface="Work Sans"/>
-                      </a:endParaRPr>
-                    </a:p>
-                  </a:txBody>
-                  <a:tcPr marL="91425" marR="91425" marT="91425" marB="91425">
-                    <a:lnL w="9525" cap="flat" cmpd="sng">
-                      <a:solidFill>
-                        <a:srgbClr val="64C3F5"/>
-                      </a:solidFill>
-                      <a:prstDash val="solid"/>
-                      <a:round/>
-                      <a:headEnd type="none" w="sm" len="sm"/>
-                      <a:tailEnd type="none" w="sm" len="sm"/>
-                    </a:lnL>
-                    <a:lnR w="9525" cap="flat" cmpd="sng">
-                      <a:solidFill>
-                        <a:srgbClr val="64C3F5"/>
-                      </a:solidFill>
-                      <a:prstDash val="solid"/>
-                      <a:round/>
-                      <a:headEnd type="none" w="sm" len="sm"/>
-                      <a:tailEnd type="none" w="sm" len="sm"/>
-                    </a:lnR>
-                    <a:lnT w="9525" cap="flat" cmpd="sng">
-                      <a:solidFill>
-                        <a:srgbClr val="64C3F5"/>
-                      </a:solidFill>
-                      <a:prstDash val="solid"/>
-                      <a:round/>
-                      <a:headEnd type="none" w="sm" len="sm"/>
-                      <a:tailEnd type="none" w="sm" len="sm"/>
-                    </a:lnT>
-                    <a:lnB w="9525" cap="flat" cmpd="sng">
-                      <a:solidFill>
-                        <a:srgbClr val="64C3F5"/>
-                      </a:solidFill>
-                      <a:prstDash val="solid"/>
-                      <a:round/>
-                      <a:headEnd type="none" w="sm" len="sm"/>
-                      <a:tailEnd type="none" w="sm" len="sm"/>
-                    </a:lnB>
-                  </a:tcPr>
-                </a:tc>
-                <a:tc>
-                  <a:txBody>
-                    <a:bodyPr/>
-                    <a:lstStyle/>
-                    <a:p>
-                      <a:pPr marL="457200" lvl="0" indent="-285750" algn="l" rtl="0">
-                        <a:spcBef>
-                          <a:spcPts val="0"/>
-                        </a:spcBef>
-                        <a:spcAft>
-                          <a:spcPts val="0"/>
-                        </a:spcAft>
-                        <a:buClr>
-                          <a:schemeClr val="dk2"/>
-                        </a:buClr>
-                        <a:buSzPts val="900"/>
-                        <a:buFont typeface="Work Sans"/>
-                        <a:buChar char="●"/>
-                      </a:pPr>
-                      <a:r>
-                        <a:rPr lang="en" sz="900" i="1">
-                          <a:solidFill>
-                            <a:schemeClr val="dk2"/>
-                          </a:solidFill>
-                          <a:latin typeface="Work Sans"/>
-                          <a:ea typeface="Work Sans"/>
-                          <a:cs typeface="Work Sans"/>
-                          <a:sym typeface="Work Sans"/>
-                        </a:rPr>
-                        <a:t>LinkedIn</a:t>
-                      </a:r>
-                      <a:endParaRPr sz="900" i="1">
-                        <a:solidFill>
-                          <a:schemeClr val="dk2"/>
-                        </a:solidFill>
-                        <a:latin typeface="Work Sans"/>
-                        <a:ea typeface="Work Sans"/>
-                        <a:cs typeface="Work Sans"/>
-                        <a:sym typeface="Work Sans"/>
-                      </a:endParaRPr>
-                    </a:p>
-                    <a:p>
-                      <a:pPr marL="457200" lvl="0" indent="-285750" algn="l" rtl="0">
-                        <a:spcBef>
-                          <a:spcPts val="0"/>
-                        </a:spcBef>
-                        <a:spcAft>
-                          <a:spcPts val="0"/>
-                        </a:spcAft>
-                        <a:buClr>
-                          <a:schemeClr val="dk2"/>
-                        </a:buClr>
-                        <a:buSzPts val="900"/>
-                        <a:buFont typeface="Work Sans"/>
-                        <a:buChar char="●"/>
-                      </a:pPr>
-                      <a:r>
-                        <a:rPr lang="en" sz="900" i="1">
-                          <a:solidFill>
-                            <a:schemeClr val="dk2"/>
-                          </a:solidFill>
-                          <a:latin typeface="Work Sans"/>
-                          <a:ea typeface="Work Sans"/>
-                          <a:cs typeface="Work Sans"/>
-                          <a:sym typeface="Work Sans"/>
-                        </a:rPr>
-                        <a:t>Medium for content posting</a:t>
-                      </a:r>
-                      <a:endParaRPr sz="900" i="1">
-                        <a:solidFill>
-                          <a:schemeClr val="dk2"/>
-                        </a:solidFill>
-                        <a:latin typeface="Work Sans"/>
-                        <a:ea typeface="Work Sans"/>
-                        <a:cs typeface="Work Sans"/>
-                        <a:sym typeface="Work Sans"/>
-                      </a:endParaRPr>
-                    </a:p>
-                    <a:p>
-                      <a:pPr marL="457200" lvl="0" indent="-285750" algn="l" rtl="0">
-                        <a:spcBef>
-                          <a:spcPts val="0"/>
-                        </a:spcBef>
-                        <a:spcAft>
-                          <a:spcPts val="0"/>
-                        </a:spcAft>
-                        <a:buClr>
-                          <a:schemeClr val="dk2"/>
-                        </a:buClr>
-                        <a:buSzPts val="900"/>
-                        <a:buFont typeface="Work Sans"/>
-                        <a:buChar char="●"/>
-                      </a:pPr>
-                      <a:r>
-                        <a:rPr lang="en" sz="900" i="1">
-                          <a:solidFill>
-                            <a:schemeClr val="dk2"/>
-                          </a:solidFill>
-                          <a:latin typeface="Work Sans"/>
-                          <a:ea typeface="Work Sans"/>
-                          <a:cs typeface="Work Sans"/>
-                          <a:sym typeface="Work Sans"/>
-                        </a:rPr>
-                        <a:t>Twitter</a:t>
-                      </a:r>
-                      <a:endParaRPr sz="900" i="1">
-                        <a:solidFill>
-                          <a:schemeClr val="dk2"/>
-                        </a:solidFill>
-                        <a:latin typeface="Work Sans"/>
-                        <a:ea typeface="Work Sans"/>
-                        <a:cs typeface="Work Sans"/>
-                        <a:sym typeface="Work Sans"/>
-                      </a:endParaRPr>
-                    </a:p>
-                    <a:p>
-                      <a:pPr marL="457200" lvl="0" indent="-285750" algn="l" rtl="0">
-                        <a:spcBef>
-                          <a:spcPts val="0"/>
-                        </a:spcBef>
-                        <a:spcAft>
-                          <a:spcPts val="0"/>
-                        </a:spcAft>
-                        <a:buClr>
-                          <a:schemeClr val="dk2"/>
-                        </a:buClr>
-                        <a:buSzPts val="900"/>
-                        <a:buFont typeface="Work Sans"/>
-                        <a:buChar char="●"/>
-                      </a:pPr>
-                      <a:r>
-                        <a:rPr lang="en" sz="900" i="1">
-                          <a:solidFill>
-                            <a:schemeClr val="dk2"/>
-                          </a:solidFill>
-                          <a:latin typeface="Work Sans"/>
-                          <a:ea typeface="Work Sans"/>
-                          <a:cs typeface="Work Sans"/>
-                          <a:sym typeface="Work Sans"/>
-                        </a:rPr>
-                        <a:t>Meetup</a:t>
-                      </a:r>
-                      <a:endParaRPr sz="900" i="1">
-                        <a:solidFill>
-                          <a:schemeClr val="dk2"/>
-                        </a:solidFill>
-                        <a:latin typeface="Work Sans"/>
-                        <a:ea typeface="Work Sans"/>
-                        <a:cs typeface="Work Sans"/>
-                        <a:sym typeface="Work Sans"/>
-                      </a:endParaRPr>
-                    </a:p>
-                    <a:p>
-                      <a:pPr marL="457200" lvl="0" indent="-285750" algn="l" rtl="0">
-                        <a:spcBef>
-                          <a:spcPts val="0"/>
-                        </a:spcBef>
-                        <a:spcAft>
-                          <a:spcPts val="0"/>
-                        </a:spcAft>
-                        <a:buClr>
-                          <a:schemeClr val="dk2"/>
-                        </a:buClr>
-                        <a:buSzPts val="900"/>
-                        <a:buFont typeface="Work Sans"/>
-                        <a:buChar char="●"/>
-                      </a:pPr>
-                      <a:r>
-                        <a:rPr lang="en" sz="900" i="1">
-                          <a:solidFill>
-                            <a:schemeClr val="dk2"/>
-                          </a:solidFill>
-                          <a:latin typeface="Work Sans"/>
-                          <a:ea typeface="Work Sans"/>
-                          <a:cs typeface="Work Sans"/>
-                          <a:sym typeface="Work Sans"/>
-                        </a:rPr>
-                        <a:t>CV</a:t>
-                      </a:r>
-                      <a:endParaRPr sz="900" i="1">
-                        <a:solidFill>
-                          <a:schemeClr val="dk2"/>
-                        </a:solidFill>
-                        <a:latin typeface="Work Sans"/>
-                        <a:ea typeface="Work Sans"/>
-                        <a:cs typeface="Work Sans"/>
-                        <a:sym typeface="Work Sans"/>
-                      </a:endParaRPr>
-                    </a:p>
-                  </a:txBody>
-                  <a:tcPr marL="91425" marR="91425" marT="91425" marB="91425">
-                    <a:lnL w="9525" cap="flat" cmpd="sng">
-                      <a:solidFill>
-                        <a:srgbClr val="64C3F5"/>
-                      </a:solidFill>
-                      <a:prstDash val="solid"/>
-                      <a:round/>
-                      <a:headEnd type="none" w="sm" len="sm"/>
-                      <a:tailEnd type="none" w="sm" len="sm"/>
-                    </a:lnL>
-                    <a:lnR w="9525" cap="flat" cmpd="sng">
-                      <a:solidFill>
-                        <a:srgbClr val="64C3F5"/>
-                      </a:solidFill>
-                      <a:prstDash val="solid"/>
-                      <a:round/>
-                      <a:headEnd type="none" w="sm" len="sm"/>
-                      <a:tailEnd type="none" w="sm" len="sm"/>
-                    </a:lnR>
-                    <a:lnT w="9525" cap="flat" cmpd="sng">
-                      <a:solidFill>
-                        <a:srgbClr val="64C3F5"/>
-                      </a:solidFill>
-                      <a:prstDash val="solid"/>
-                      <a:round/>
-                      <a:headEnd type="none" w="sm" len="sm"/>
-                      <a:tailEnd type="none" w="sm" len="sm"/>
-                    </a:lnT>
-                    <a:lnB w="9525" cap="flat" cmpd="sng">
-                      <a:solidFill>
-                        <a:srgbClr val="64C3F5"/>
-                      </a:solidFill>
-                      <a:prstDash val="solid"/>
-                      <a:round/>
-                      <a:headEnd type="none" w="sm" len="sm"/>
-                      <a:tailEnd type="none" w="sm" len="sm"/>
-                    </a:lnB>
-                  </a:tcPr>
-                </a:tc>
-                <a:extLst>
-                  <a:ext uri="{0D108BD9-81ED-4DB2-BD59-A6C34878D82A}">
-                    <a16:rowId xmlns:a16="http://schemas.microsoft.com/office/drawing/2014/main" val="10001"/>
-                  </a:ext>
-                </a:extLst>
-              </a:tr>
-              <a:tr h="808300">
-                <a:tc>
-                  <a:txBody>
-                    <a:bodyPr/>
-                    <a:lstStyle/>
-                    <a:p>
-                      <a:pPr marL="0" lvl="0" indent="0" algn="l" rtl="0">
-                        <a:spcBef>
-                          <a:spcPts val="0"/>
-                        </a:spcBef>
-                        <a:spcAft>
-                          <a:spcPts val="0"/>
-                        </a:spcAft>
-                        <a:buClr>
-                          <a:srgbClr val="000000"/>
-                        </a:buClr>
-                        <a:buSzPts val="1100"/>
-                        <a:buFont typeface="Arial"/>
-                        <a:buNone/>
-                      </a:pPr>
-                      <a:r>
-                        <a:rPr lang="en" sz="900" b="1">
-                          <a:solidFill>
-                            <a:schemeClr val="dk2"/>
-                          </a:solidFill>
-                          <a:latin typeface="Montserrat"/>
-                          <a:ea typeface="Montserrat"/>
-                          <a:cs typeface="Montserrat"/>
-                          <a:sym typeface="Montserrat"/>
-                        </a:rPr>
-                        <a:t>2. Top Skills</a:t>
-                      </a:r>
-                      <a:endParaRPr sz="900" b="1">
-                        <a:solidFill>
-                          <a:schemeClr val="dk2"/>
-                        </a:solidFill>
-                        <a:latin typeface="Montserrat"/>
-                        <a:ea typeface="Montserrat"/>
-                        <a:cs typeface="Montserrat"/>
-                        <a:sym typeface="Montserrat"/>
-                      </a:endParaRPr>
-                    </a:p>
-                    <a:p>
-                      <a:pPr marL="0" lvl="0" indent="0" algn="l" rtl="0">
-                        <a:spcBef>
-                          <a:spcPts val="0"/>
-                        </a:spcBef>
-                        <a:spcAft>
-                          <a:spcPts val="0"/>
-                        </a:spcAft>
-                        <a:buClr>
-                          <a:srgbClr val="000000"/>
-                        </a:buClr>
-                        <a:buSzPts val="1100"/>
-                        <a:buFont typeface="Arial"/>
-                        <a:buNone/>
-                      </a:pPr>
-                      <a:r>
-                        <a:rPr lang="en" sz="800">
-                          <a:solidFill>
-                            <a:schemeClr val="dk2"/>
-                          </a:solidFill>
-                          <a:latin typeface="Montserrat"/>
-                          <a:ea typeface="Montserrat"/>
-                          <a:cs typeface="Montserrat"/>
-                          <a:sym typeface="Montserrat"/>
-                        </a:rPr>
-                        <a:t>What you can do</a:t>
-                      </a:r>
-                      <a:endParaRPr sz="800">
-                        <a:solidFill>
-                          <a:schemeClr val="dk2"/>
-                        </a:solidFill>
-                        <a:latin typeface="Montserrat"/>
-                        <a:ea typeface="Montserrat"/>
-                        <a:cs typeface="Montserrat"/>
-                        <a:sym typeface="Montserrat"/>
-                      </a:endParaRPr>
-                    </a:p>
-                    <a:p>
-                      <a:pPr marL="0" lvl="0" indent="0" algn="l" rtl="0">
-                        <a:spcBef>
-                          <a:spcPts val="0"/>
-                        </a:spcBef>
-                        <a:spcAft>
-                          <a:spcPts val="0"/>
-                        </a:spcAft>
-                        <a:buClr>
-                          <a:srgbClr val="000000"/>
-                        </a:buClr>
-                        <a:buSzPts val="1100"/>
-                        <a:buFont typeface="Arial"/>
-                        <a:buNone/>
-                      </a:pPr>
-                      <a:r>
-                        <a:rPr lang="en" sz="800" i="1">
-                          <a:solidFill>
-                            <a:schemeClr val="dk2"/>
-                          </a:solidFill>
-                          <a:latin typeface="Montserrat"/>
-                          <a:ea typeface="Montserrat"/>
-                          <a:cs typeface="Montserrat"/>
-                          <a:sym typeface="Montserrat"/>
-                        </a:rPr>
-                        <a:t>Your skills, talent, experience, know-how.</a:t>
-                      </a:r>
-                      <a:endParaRPr sz="800" i="1">
-                        <a:solidFill>
-                          <a:schemeClr val="dk2"/>
-                        </a:solidFill>
-                        <a:latin typeface="Montserrat"/>
-                        <a:ea typeface="Montserrat"/>
-                        <a:cs typeface="Montserrat"/>
-                        <a:sym typeface="Montserrat"/>
-                      </a:endParaRPr>
-                    </a:p>
-                    <a:p>
-                      <a:pPr marL="0" lvl="0" indent="0" algn="l" rtl="0">
-                        <a:spcBef>
-                          <a:spcPts val="0"/>
-                        </a:spcBef>
-                        <a:spcAft>
-                          <a:spcPts val="0"/>
-                        </a:spcAft>
-                        <a:buClr>
-                          <a:srgbClr val="000000"/>
-                        </a:buClr>
-                        <a:buSzPts val="1100"/>
-                        <a:buFont typeface="Arial"/>
-                        <a:buNone/>
-                      </a:pPr>
-                      <a:endParaRPr sz="800" i="1">
-                        <a:solidFill>
-                          <a:schemeClr val="dk2"/>
-                        </a:solidFill>
-                        <a:latin typeface="Montserrat"/>
-                        <a:ea typeface="Montserrat"/>
-                        <a:cs typeface="Montserrat"/>
-                        <a:sym typeface="Montserrat"/>
-                      </a:endParaRPr>
-                    </a:p>
-                    <a:p>
-                      <a:pPr marL="0" lvl="0" indent="0" algn="l" rtl="0">
-                        <a:spcBef>
-                          <a:spcPts val="0"/>
-                        </a:spcBef>
-                        <a:spcAft>
-                          <a:spcPts val="0"/>
-                        </a:spcAft>
-                        <a:buClr>
-                          <a:srgbClr val="000000"/>
-                        </a:buClr>
-                        <a:buSzPts val="1100"/>
-                        <a:buFont typeface="Arial"/>
-                        <a:buNone/>
-                      </a:pPr>
-                      <a:r>
-                        <a:rPr lang="en" sz="800" i="1">
-                          <a:solidFill>
-                            <a:schemeClr val="dk2"/>
-                          </a:solidFill>
-                          <a:latin typeface="Montserrat"/>
-                          <a:ea typeface="Montserrat"/>
-                          <a:cs typeface="Montserrat"/>
-                          <a:sym typeface="Montserrat"/>
-                        </a:rPr>
-                        <a:t>Hint: Top skills exercise.</a:t>
-                      </a:r>
-                      <a:endParaRPr sz="900" b="1">
-                        <a:solidFill>
-                          <a:schemeClr val="dk2"/>
-                        </a:solidFill>
-                        <a:latin typeface="Montserrat"/>
-                        <a:ea typeface="Montserrat"/>
-                        <a:cs typeface="Montserrat"/>
-                        <a:sym typeface="Montserrat"/>
-                      </a:endParaRPr>
-                    </a:p>
-                  </a:txBody>
-                  <a:tcPr marL="91425" marR="91425" marT="91425" marB="91425">
-                    <a:lnL w="9525" cap="flat" cmpd="sng">
-                      <a:solidFill>
-                        <a:srgbClr val="64C3F5"/>
-                      </a:solidFill>
-                      <a:prstDash val="solid"/>
-                      <a:round/>
-                      <a:headEnd type="none" w="sm" len="sm"/>
-                      <a:tailEnd type="none" w="sm" len="sm"/>
-                    </a:lnL>
-                    <a:lnR w="9525" cap="flat" cmpd="sng">
-                      <a:solidFill>
-                        <a:srgbClr val="64C3F5"/>
-                      </a:solidFill>
-                      <a:prstDash val="solid"/>
-                      <a:round/>
-                      <a:headEnd type="none" w="sm" len="sm"/>
-                      <a:tailEnd type="none" w="sm" len="sm"/>
-                    </a:lnR>
-                    <a:lnT w="9525" cap="flat" cmpd="sng">
-                      <a:solidFill>
-                        <a:srgbClr val="64C3F5"/>
-                      </a:solidFill>
-                      <a:prstDash val="solid"/>
-                      <a:round/>
-                      <a:headEnd type="none" w="sm" len="sm"/>
-                      <a:tailEnd type="none" w="sm" len="sm"/>
-                    </a:lnT>
-                    <a:lnB w="9525" cap="flat" cmpd="sng">
-                      <a:solidFill>
-                        <a:srgbClr val="64C3F5"/>
-                      </a:solidFill>
-                      <a:prstDash val="solid"/>
-                      <a:round/>
-                      <a:headEnd type="none" w="sm" len="sm"/>
-                      <a:tailEnd type="none" w="sm" len="sm"/>
-                    </a:lnB>
-                  </a:tcPr>
-                </a:tc>
-                <a:tc>
-                  <a:txBody>
-                    <a:bodyPr/>
-                    <a:lstStyle/>
-                    <a:p>
-                      <a:pPr marL="0" lvl="0" indent="0" algn="l" rtl="0">
-                        <a:spcBef>
-                          <a:spcPts val="0"/>
-                        </a:spcBef>
-                        <a:spcAft>
-                          <a:spcPts val="0"/>
-                        </a:spcAft>
-                        <a:buClr>
-                          <a:srgbClr val="000000"/>
-                        </a:buClr>
-                        <a:buSzPts val="1100"/>
-                        <a:buFont typeface="Arial"/>
-                        <a:buNone/>
-                      </a:pPr>
-                      <a:r>
-                        <a:rPr lang="en" sz="900" b="1">
-                          <a:solidFill>
-                            <a:schemeClr val="dk2"/>
-                          </a:solidFill>
-                          <a:latin typeface="Montserrat"/>
-                          <a:ea typeface="Montserrat"/>
-                          <a:cs typeface="Montserrat"/>
-                          <a:sym typeface="Montserrat"/>
-                        </a:rPr>
-                        <a:t>4. Your goal</a:t>
-                      </a:r>
-                      <a:endParaRPr sz="900" b="1">
-                        <a:solidFill>
-                          <a:schemeClr val="dk2"/>
-                        </a:solidFill>
-                        <a:latin typeface="Montserrat"/>
-                        <a:ea typeface="Montserrat"/>
-                        <a:cs typeface="Montserrat"/>
-                        <a:sym typeface="Montserrat"/>
-                      </a:endParaRPr>
-                    </a:p>
-                    <a:p>
-                      <a:pPr marL="0" lvl="0" indent="0" algn="l" rtl="0">
-                        <a:spcBef>
-                          <a:spcPts val="0"/>
-                        </a:spcBef>
-                        <a:spcAft>
-                          <a:spcPts val="0"/>
-                        </a:spcAft>
-                        <a:buClr>
-                          <a:srgbClr val="000000"/>
-                        </a:buClr>
-                        <a:buSzPts val="1100"/>
-                        <a:buFont typeface="Arial"/>
-                        <a:buNone/>
-                      </a:pPr>
-                      <a:r>
-                        <a:rPr lang="en" sz="800" i="1">
-                          <a:solidFill>
-                            <a:schemeClr val="dk2"/>
-                          </a:solidFill>
-                          <a:latin typeface="Montserrat"/>
-                          <a:ea typeface="Montserrat"/>
-                          <a:cs typeface="Montserrat"/>
-                          <a:sym typeface="Montserrat"/>
-                        </a:rPr>
-                        <a:t>What do you want to achieve?</a:t>
-                      </a:r>
-                      <a:endParaRPr sz="800" i="1">
-                        <a:solidFill>
-                          <a:schemeClr val="dk2"/>
-                        </a:solidFill>
-                        <a:latin typeface="Montserrat"/>
-                        <a:ea typeface="Montserrat"/>
-                        <a:cs typeface="Montserrat"/>
-                        <a:sym typeface="Montserrat"/>
-                      </a:endParaRPr>
-                    </a:p>
-                    <a:p>
-                      <a:pPr marL="0" lvl="0" indent="0" algn="l" rtl="0">
-                        <a:spcBef>
-                          <a:spcPts val="0"/>
-                        </a:spcBef>
-                        <a:spcAft>
-                          <a:spcPts val="0"/>
-                        </a:spcAft>
-                        <a:buClr>
-                          <a:srgbClr val="000000"/>
-                        </a:buClr>
-                        <a:buSzPts val="1100"/>
-                        <a:buFont typeface="Arial"/>
-                        <a:buNone/>
-                      </a:pPr>
-                      <a:endParaRPr sz="800" i="1">
-                        <a:solidFill>
-                          <a:schemeClr val="dk2"/>
-                        </a:solidFill>
-                        <a:latin typeface="Montserrat"/>
-                        <a:ea typeface="Montserrat"/>
-                        <a:cs typeface="Montserrat"/>
-                        <a:sym typeface="Montserrat"/>
-                      </a:endParaRPr>
-                    </a:p>
-                    <a:p>
-                      <a:pPr marL="0" lvl="0" indent="0" algn="l" rtl="0">
-                        <a:spcBef>
-                          <a:spcPts val="0"/>
-                        </a:spcBef>
-                        <a:spcAft>
-                          <a:spcPts val="0"/>
-                        </a:spcAft>
-                        <a:buClr>
-                          <a:srgbClr val="000000"/>
-                        </a:buClr>
-                        <a:buSzPts val="1100"/>
-                        <a:buFont typeface="Arial"/>
-                        <a:buNone/>
-                      </a:pPr>
-                      <a:r>
-                        <a:rPr lang="en" sz="800" i="1">
-                          <a:solidFill>
-                            <a:schemeClr val="dk2"/>
-                          </a:solidFill>
-                          <a:latin typeface="Montserrat"/>
-                          <a:ea typeface="Montserrat"/>
-                          <a:cs typeface="Montserrat"/>
-                          <a:sym typeface="Montserrat"/>
-                        </a:rPr>
-                        <a:t> </a:t>
-                      </a:r>
-                      <a:endParaRPr sz="800" i="1">
-                        <a:solidFill>
-                          <a:schemeClr val="dk2"/>
-                        </a:solidFill>
-                        <a:latin typeface="Montserrat"/>
-                        <a:ea typeface="Montserrat"/>
-                        <a:cs typeface="Montserrat"/>
-                        <a:sym typeface="Montserrat"/>
-                      </a:endParaRPr>
-                    </a:p>
-                    <a:p>
-                      <a:pPr marL="0" lvl="0" indent="0" algn="l" rtl="0">
-                        <a:spcBef>
-                          <a:spcPts val="0"/>
-                        </a:spcBef>
-                        <a:spcAft>
-                          <a:spcPts val="0"/>
-                        </a:spcAft>
-                        <a:buClr>
-                          <a:srgbClr val="000000"/>
-                        </a:buClr>
-                        <a:buSzPts val="1100"/>
-                        <a:buFont typeface="Arial"/>
-                        <a:buNone/>
-                      </a:pPr>
-                      <a:endParaRPr sz="800" i="1">
-                        <a:solidFill>
-                          <a:schemeClr val="dk2"/>
-                        </a:solidFill>
-                        <a:latin typeface="Montserrat"/>
-                        <a:ea typeface="Montserrat"/>
-                        <a:cs typeface="Montserrat"/>
-                        <a:sym typeface="Montserrat"/>
-                      </a:endParaRPr>
-                    </a:p>
-                    <a:p>
-                      <a:pPr marL="0" lvl="0" indent="0" algn="l" rtl="0">
-                        <a:spcBef>
-                          <a:spcPts val="0"/>
-                        </a:spcBef>
-                        <a:spcAft>
-                          <a:spcPts val="0"/>
-                        </a:spcAft>
-                        <a:buClr>
-                          <a:srgbClr val="000000"/>
-                        </a:buClr>
-                        <a:buSzPts val="1100"/>
-                        <a:buFont typeface="Arial"/>
-                        <a:buNone/>
-                      </a:pPr>
-                      <a:r>
-                        <a:rPr lang="en" sz="800" i="1">
-                          <a:solidFill>
-                            <a:schemeClr val="dk2"/>
-                          </a:solidFill>
-                          <a:latin typeface="Montserrat"/>
-                          <a:ea typeface="Montserrat"/>
-                          <a:cs typeface="Montserrat"/>
-                          <a:sym typeface="Montserrat"/>
-                        </a:rPr>
-                        <a:t>Hint: Contract exercise. DYNAMIC</a:t>
-                      </a:r>
-                      <a:endParaRPr sz="800" i="1">
-                        <a:solidFill>
-                          <a:schemeClr val="dk2"/>
-                        </a:solidFill>
-                        <a:latin typeface="Montserrat"/>
-                        <a:ea typeface="Montserrat"/>
-                        <a:cs typeface="Montserrat"/>
-                        <a:sym typeface="Montserrat"/>
-                      </a:endParaRPr>
-                    </a:p>
-                  </a:txBody>
-                  <a:tcPr marL="91425" marR="91425" marT="91425" marB="91425">
-                    <a:lnL w="9525" cap="flat" cmpd="sng">
-                      <a:solidFill>
-                        <a:srgbClr val="64C3F5"/>
-                      </a:solidFill>
-                      <a:prstDash val="solid"/>
-                      <a:round/>
-                      <a:headEnd type="none" w="sm" len="sm"/>
-                      <a:tailEnd type="none" w="sm" len="sm"/>
-                    </a:lnL>
-                    <a:lnR w="9525" cap="flat" cmpd="sng">
-                      <a:solidFill>
-                        <a:srgbClr val="64C3F5"/>
-                      </a:solidFill>
-                      <a:prstDash val="solid"/>
-                      <a:round/>
-                      <a:headEnd type="none" w="sm" len="sm"/>
-                      <a:tailEnd type="none" w="sm" len="sm"/>
-                    </a:lnR>
-                    <a:lnT w="9525" cap="flat" cmpd="sng">
-                      <a:solidFill>
-                        <a:srgbClr val="64C3F5"/>
-                      </a:solidFill>
-                      <a:prstDash val="solid"/>
-                      <a:round/>
-                      <a:headEnd type="none" w="sm" len="sm"/>
-                      <a:tailEnd type="none" w="sm" len="sm"/>
-                    </a:lnT>
-                    <a:lnB w="9525" cap="flat" cmpd="sng">
-                      <a:solidFill>
-                        <a:srgbClr val="64C3F5"/>
-                      </a:solidFill>
-                      <a:prstDash val="solid"/>
-                      <a:round/>
-                      <a:headEnd type="none" w="sm" len="sm"/>
-                      <a:tailEnd type="none" w="sm" len="sm"/>
-                    </a:lnB>
-                  </a:tcPr>
-                </a:tc>
-                <a:tc>
-                  <a:txBody>
-                    <a:bodyPr/>
-                    <a:lstStyle/>
-                    <a:p>
-                      <a:pPr marL="0" lvl="0" indent="0" algn="l" rtl="0">
-                        <a:spcBef>
-                          <a:spcPts val="0"/>
-                        </a:spcBef>
-                        <a:spcAft>
-                          <a:spcPts val="0"/>
-                        </a:spcAft>
-                        <a:buClr>
-                          <a:srgbClr val="000000"/>
-                        </a:buClr>
-                        <a:buSzPts val="1100"/>
-                        <a:buFont typeface="Arial"/>
-                        <a:buNone/>
-                      </a:pPr>
-                      <a:r>
-                        <a:rPr lang="en" sz="900" b="1">
-                          <a:solidFill>
-                            <a:schemeClr val="dk2"/>
-                          </a:solidFill>
-                          <a:latin typeface="Montserrat"/>
-                          <a:ea typeface="Montserrat"/>
-                          <a:cs typeface="Montserrat"/>
-                          <a:sym typeface="Montserrat"/>
-                        </a:rPr>
-                        <a:t>6. Personal Branding Statement </a:t>
-                      </a:r>
-                      <a:br>
-                        <a:rPr lang="en" sz="900" b="1">
-                          <a:solidFill>
-                            <a:schemeClr val="dk2"/>
-                          </a:solidFill>
-                          <a:latin typeface="Montserrat"/>
-                          <a:ea typeface="Montserrat"/>
-                          <a:cs typeface="Montserrat"/>
-                          <a:sym typeface="Montserrat"/>
-                        </a:rPr>
-                      </a:br>
-                      <a:r>
-                        <a:rPr lang="en" sz="800" i="1">
-                          <a:solidFill>
-                            <a:schemeClr val="dk2"/>
-                          </a:solidFill>
-                          <a:latin typeface="Montserrat"/>
-                          <a:ea typeface="Montserrat"/>
-                          <a:cs typeface="Montserrat"/>
-                          <a:sym typeface="Montserrat"/>
-                        </a:rPr>
-                        <a:t>Tie it all together</a:t>
-                      </a:r>
-                      <a:endParaRPr sz="800" i="1">
-                        <a:solidFill>
-                          <a:schemeClr val="dk2"/>
-                        </a:solidFill>
-                        <a:latin typeface="Montserrat"/>
-                        <a:ea typeface="Montserrat"/>
-                        <a:cs typeface="Montserrat"/>
-                        <a:sym typeface="Montserrat"/>
-                      </a:endParaRPr>
-                    </a:p>
-                    <a:p>
-                      <a:pPr marL="0" lvl="0" indent="0" algn="l" rtl="0">
-                        <a:spcBef>
-                          <a:spcPts val="0"/>
-                        </a:spcBef>
-                        <a:spcAft>
-                          <a:spcPts val="0"/>
-                        </a:spcAft>
-                        <a:buClr>
-                          <a:srgbClr val="000000"/>
-                        </a:buClr>
-                        <a:buSzPts val="1100"/>
-                        <a:buFont typeface="Arial"/>
-                        <a:buNone/>
-                      </a:pPr>
-                      <a:endParaRPr sz="800" i="1">
-                        <a:solidFill>
-                          <a:schemeClr val="dk2"/>
-                        </a:solidFill>
-                        <a:latin typeface="Montserrat"/>
-                        <a:ea typeface="Montserrat"/>
-                        <a:cs typeface="Montserrat"/>
-                        <a:sym typeface="Montserrat"/>
-                      </a:endParaRPr>
-                    </a:p>
-                    <a:p>
-                      <a:pPr marL="0" lvl="0" indent="0" algn="l" rtl="0">
-                        <a:spcBef>
-                          <a:spcPts val="0"/>
-                        </a:spcBef>
-                        <a:spcAft>
-                          <a:spcPts val="0"/>
-                        </a:spcAft>
-                        <a:buClr>
-                          <a:srgbClr val="000000"/>
-                        </a:buClr>
-                        <a:buSzPts val="1100"/>
-                        <a:buFont typeface="Arial"/>
-                        <a:buNone/>
-                      </a:pPr>
-                      <a:r>
-                        <a:rPr lang="en" sz="800" i="1">
-                          <a:solidFill>
-                            <a:schemeClr val="dk2"/>
-                          </a:solidFill>
-                          <a:latin typeface="Montserrat"/>
-                          <a:ea typeface="Montserrat"/>
-                          <a:cs typeface="Montserrat"/>
-                          <a:sym typeface="Montserrat"/>
-                        </a:rPr>
-                        <a:t>1 + 2 + 3 + 4 + 5</a:t>
-                      </a:r>
-                      <a:endParaRPr sz="800" i="1">
-                        <a:solidFill>
-                          <a:schemeClr val="dk2"/>
-                        </a:solidFill>
-                        <a:latin typeface="Montserrat"/>
-                        <a:ea typeface="Montserrat"/>
-                        <a:cs typeface="Montserrat"/>
-                        <a:sym typeface="Montserrat"/>
-                      </a:endParaRPr>
-                    </a:p>
-                    <a:p>
-                      <a:pPr marL="0" lvl="0" indent="0" algn="l" rtl="0">
-                        <a:spcBef>
-                          <a:spcPts val="0"/>
-                        </a:spcBef>
-                        <a:spcAft>
-                          <a:spcPts val="0"/>
-                        </a:spcAft>
-                        <a:buClr>
-                          <a:srgbClr val="000000"/>
-                        </a:buClr>
-                        <a:buSzPts val="1100"/>
-                        <a:buFont typeface="Arial"/>
-                        <a:buNone/>
-                      </a:pPr>
-                      <a:endParaRPr sz="800" i="1">
-                        <a:solidFill>
-                          <a:schemeClr val="dk2"/>
-                        </a:solidFill>
-                        <a:latin typeface="Montserrat"/>
-                        <a:ea typeface="Montserrat"/>
-                        <a:cs typeface="Montserrat"/>
-                        <a:sym typeface="Montserrat"/>
-                      </a:endParaRPr>
-                    </a:p>
-                    <a:p>
-                      <a:pPr marL="0" lvl="0" indent="0" algn="l" rtl="0">
-                        <a:spcBef>
-                          <a:spcPts val="0"/>
-                        </a:spcBef>
-                        <a:spcAft>
-                          <a:spcPts val="0"/>
-                        </a:spcAft>
-                        <a:buClr>
-                          <a:srgbClr val="000000"/>
-                        </a:buClr>
-                        <a:buSzPts val="1100"/>
-                        <a:buFont typeface="Arial"/>
-                        <a:buNone/>
-                      </a:pPr>
-                      <a:r>
-                        <a:rPr lang="en" sz="800" i="1">
-                          <a:solidFill>
-                            <a:schemeClr val="dk2"/>
-                          </a:solidFill>
-                          <a:latin typeface="Montserrat"/>
-                          <a:ea typeface="Montserrat"/>
-                          <a:cs typeface="Montserrat"/>
-                          <a:sym typeface="Montserrat"/>
-                        </a:rPr>
-                        <a:t>Hint: Branding statement exercise</a:t>
-                      </a:r>
-                      <a:endParaRPr sz="900" b="1">
-                        <a:solidFill>
-                          <a:schemeClr val="dk2"/>
-                        </a:solidFill>
-                        <a:latin typeface="Montserrat"/>
-                        <a:ea typeface="Montserrat"/>
-                        <a:cs typeface="Montserrat"/>
-                        <a:sym typeface="Montserrat"/>
-                      </a:endParaRPr>
-                    </a:p>
-                  </a:txBody>
-                  <a:tcPr marL="91425" marR="91425" marT="91425" marB="91425">
-                    <a:lnL w="9525" cap="flat" cmpd="sng">
-                      <a:solidFill>
-                        <a:srgbClr val="64C3F5"/>
-                      </a:solidFill>
-                      <a:prstDash val="solid"/>
-                      <a:round/>
-                      <a:headEnd type="none" w="sm" len="sm"/>
-                      <a:tailEnd type="none" w="sm" len="sm"/>
-                    </a:lnL>
-                    <a:lnR w="9525" cap="flat" cmpd="sng">
-                      <a:solidFill>
-                        <a:srgbClr val="64C3F5"/>
-                      </a:solidFill>
-                      <a:prstDash val="solid"/>
-                      <a:round/>
-                      <a:headEnd type="none" w="sm" len="sm"/>
-                      <a:tailEnd type="none" w="sm" len="sm"/>
-                    </a:lnR>
-                    <a:lnT w="9525" cap="flat" cmpd="sng">
-                      <a:solidFill>
-                        <a:srgbClr val="64C3F5"/>
-                      </a:solidFill>
-                      <a:prstDash val="solid"/>
-                      <a:round/>
-                      <a:headEnd type="none" w="sm" len="sm"/>
-                      <a:tailEnd type="none" w="sm" len="sm"/>
-                    </a:lnT>
-                    <a:lnB w="9525" cap="flat" cmpd="sng">
-                      <a:solidFill>
-                        <a:srgbClr val="64C3F5"/>
-                      </a:solidFill>
-                      <a:prstDash val="solid"/>
-                      <a:round/>
-                      <a:headEnd type="none" w="sm" len="sm"/>
-                      <a:tailEnd type="none" w="sm" len="sm"/>
-                    </a:lnB>
-                  </a:tcPr>
-                </a:tc>
-                <a:tc>
-                  <a:txBody>
-                    <a:bodyPr/>
-                    <a:lstStyle/>
-                    <a:p>
-                      <a:pPr marL="0" lvl="0" indent="0" algn="l" rtl="0">
-                        <a:spcBef>
-                          <a:spcPts val="0"/>
-                        </a:spcBef>
-                        <a:spcAft>
-                          <a:spcPts val="0"/>
-                        </a:spcAft>
-                        <a:buClr>
-                          <a:srgbClr val="000000"/>
-                        </a:buClr>
-                        <a:buSzPts val="1100"/>
-                        <a:buFont typeface="Arial"/>
-                        <a:buNone/>
-                      </a:pPr>
-                      <a:r>
-                        <a:rPr lang="en" sz="900" b="1">
-                          <a:solidFill>
-                            <a:schemeClr val="dk2"/>
-                          </a:solidFill>
-                          <a:latin typeface="Montserrat"/>
-                          <a:ea typeface="Montserrat"/>
-                          <a:cs typeface="Montserrat"/>
-                          <a:sym typeface="Montserrat"/>
-                        </a:rPr>
-                        <a:t>8. Promote your brand</a:t>
-                      </a:r>
-                      <a:br>
-                        <a:rPr lang="en" sz="900" b="1">
-                          <a:solidFill>
-                            <a:schemeClr val="dk2"/>
-                          </a:solidFill>
-                          <a:latin typeface="Montserrat"/>
-                          <a:ea typeface="Montserrat"/>
-                          <a:cs typeface="Montserrat"/>
-                          <a:sym typeface="Montserrat"/>
-                        </a:rPr>
-                      </a:br>
-                      <a:r>
-                        <a:rPr lang="en" sz="800" i="1">
-                          <a:solidFill>
-                            <a:schemeClr val="dk2"/>
-                          </a:solidFill>
-                          <a:latin typeface="Montserrat"/>
-                          <a:ea typeface="Montserrat"/>
-                          <a:cs typeface="Montserrat"/>
-                          <a:sym typeface="Montserrat"/>
-                        </a:rPr>
-                        <a:t>Es: social networks, personal website, marketplaces, new offices or branches, new service or product types, etc.</a:t>
-                      </a:r>
-                      <a:endParaRPr sz="900" b="1">
-                        <a:solidFill>
-                          <a:schemeClr val="dk2"/>
-                        </a:solidFill>
-                        <a:latin typeface="Montserrat"/>
-                        <a:ea typeface="Montserrat"/>
-                        <a:cs typeface="Montserrat"/>
-                        <a:sym typeface="Montserrat"/>
-                      </a:endParaRPr>
-                    </a:p>
-                    <a:p>
-                      <a:pPr marL="0" lvl="0" indent="0" algn="l" rtl="0">
-                        <a:spcBef>
-                          <a:spcPts val="0"/>
-                        </a:spcBef>
-                        <a:spcAft>
-                          <a:spcPts val="0"/>
-                        </a:spcAft>
-                        <a:buNone/>
-                      </a:pPr>
-                      <a:endParaRPr sz="800" i="1">
-                        <a:solidFill>
-                          <a:schemeClr val="dk2"/>
-                        </a:solidFill>
-                        <a:latin typeface="Montserrat"/>
-                        <a:ea typeface="Montserrat"/>
-                        <a:cs typeface="Montserrat"/>
-                        <a:sym typeface="Montserrat"/>
-                      </a:endParaRPr>
-                    </a:p>
-                    <a:p>
-                      <a:pPr marL="0" lvl="0" indent="0" algn="l" rtl="0">
-                        <a:spcBef>
-                          <a:spcPts val="0"/>
-                        </a:spcBef>
-                        <a:spcAft>
-                          <a:spcPts val="0"/>
-                        </a:spcAft>
-                        <a:buNone/>
-                      </a:pPr>
-                      <a:r>
-                        <a:rPr lang="en" sz="800" i="1">
-                          <a:solidFill>
-                            <a:schemeClr val="dk2"/>
-                          </a:solidFill>
-                          <a:latin typeface="Montserrat"/>
-                          <a:ea typeface="Montserrat"/>
-                          <a:cs typeface="Montserrat"/>
-                          <a:sym typeface="Montserrat"/>
-                        </a:rPr>
-                        <a:t>Hint: Networking challenges</a:t>
-                      </a:r>
-                      <a:endParaRPr sz="900" b="1">
-                        <a:solidFill>
-                          <a:schemeClr val="dk2"/>
-                        </a:solidFill>
-                        <a:latin typeface="Montserrat"/>
-                        <a:ea typeface="Montserrat"/>
-                        <a:cs typeface="Montserrat"/>
-                        <a:sym typeface="Montserrat"/>
-                      </a:endParaRPr>
-                    </a:p>
-                  </a:txBody>
-                  <a:tcPr marL="91425" marR="91425" marT="91425" marB="91425">
-                    <a:lnL w="9525" cap="flat" cmpd="sng">
-                      <a:solidFill>
-                        <a:srgbClr val="64C3F5"/>
-                      </a:solidFill>
-                      <a:prstDash val="solid"/>
-                      <a:round/>
-                      <a:headEnd type="none" w="sm" len="sm"/>
-                      <a:tailEnd type="none" w="sm" len="sm"/>
-                    </a:lnL>
-                    <a:lnR w="9525" cap="flat" cmpd="sng">
-                      <a:solidFill>
-                        <a:srgbClr val="64C3F5"/>
-                      </a:solidFill>
-                      <a:prstDash val="solid"/>
-                      <a:round/>
-                      <a:headEnd type="none" w="sm" len="sm"/>
-                      <a:tailEnd type="none" w="sm" len="sm"/>
-                    </a:lnR>
-                    <a:lnT w="9525" cap="flat" cmpd="sng">
-                      <a:solidFill>
-                        <a:srgbClr val="64C3F5"/>
-                      </a:solidFill>
-                      <a:prstDash val="solid"/>
-                      <a:round/>
-                      <a:headEnd type="none" w="sm" len="sm"/>
-                      <a:tailEnd type="none" w="sm" len="sm"/>
-                    </a:lnT>
-                    <a:lnB w="9525" cap="flat" cmpd="sng">
-                      <a:solidFill>
-                        <a:srgbClr val="64C3F5"/>
-                      </a:solidFill>
-                      <a:prstDash val="solid"/>
-                      <a:round/>
-                      <a:headEnd type="none" w="sm" len="sm"/>
-                      <a:tailEnd type="none" w="sm" len="sm"/>
-                    </a:lnB>
-                  </a:tcPr>
-                </a:tc>
-                <a:extLst>
-                  <a:ext uri="{0D108BD9-81ED-4DB2-BD59-A6C34878D82A}">
-                    <a16:rowId xmlns:a16="http://schemas.microsoft.com/office/drawing/2014/main" val="10002"/>
-                  </a:ext>
-                </a:extLst>
-              </a:tr>
-              <a:tr h="1246450">
-                <a:tc>
-                  <a:txBody>
-                    <a:bodyPr/>
-                    <a:lstStyle/>
-                    <a:p>
-                      <a:pPr marL="457200" lvl="0" indent="-285750" algn="l" rtl="0">
-                        <a:spcBef>
-                          <a:spcPts val="0"/>
-                        </a:spcBef>
-                        <a:spcAft>
-                          <a:spcPts val="0"/>
-                        </a:spcAft>
-                        <a:buClr>
-                          <a:schemeClr val="dk2"/>
-                        </a:buClr>
-                        <a:buSzPts val="900"/>
-                        <a:buFont typeface="Work Sans"/>
-                        <a:buChar char="●"/>
-                      </a:pPr>
-                      <a:r>
-                        <a:rPr lang="en" sz="900" i="1">
-                          <a:solidFill>
-                            <a:schemeClr val="dk2"/>
-                          </a:solidFill>
-                          <a:latin typeface="Work Sans"/>
-                          <a:ea typeface="Work Sans"/>
-                          <a:cs typeface="Work Sans"/>
-                          <a:sym typeface="Work Sans"/>
-                        </a:rPr>
-                        <a:t>Design Aptitude</a:t>
-                      </a:r>
-                      <a:endParaRPr sz="900" i="1">
-                        <a:solidFill>
-                          <a:schemeClr val="dk2"/>
-                        </a:solidFill>
-                        <a:latin typeface="Work Sans"/>
-                        <a:ea typeface="Work Sans"/>
-                        <a:cs typeface="Work Sans"/>
-                        <a:sym typeface="Work Sans"/>
-                      </a:endParaRPr>
-                    </a:p>
-                    <a:p>
-                      <a:pPr marL="457200" lvl="0" indent="-285750" algn="l" rtl="0">
-                        <a:spcBef>
-                          <a:spcPts val="0"/>
-                        </a:spcBef>
-                        <a:spcAft>
-                          <a:spcPts val="0"/>
-                        </a:spcAft>
-                        <a:buClr>
-                          <a:schemeClr val="dk2"/>
-                        </a:buClr>
-                        <a:buSzPts val="900"/>
-                        <a:buFont typeface="Work Sans"/>
-                        <a:buChar char="●"/>
-                      </a:pPr>
-                      <a:r>
-                        <a:rPr lang="en" sz="900" i="1">
-                          <a:solidFill>
-                            <a:schemeClr val="dk2"/>
-                          </a:solidFill>
-                          <a:latin typeface="Work Sans"/>
-                          <a:ea typeface="Work Sans"/>
-                          <a:cs typeface="Work Sans"/>
-                          <a:sym typeface="Work Sans"/>
-                        </a:rPr>
-                        <a:t>Critical Thinking</a:t>
-                      </a:r>
-                      <a:endParaRPr sz="900" i="1">
-                        <a:solidFill>
-                          <a:schemeClr val="dk2"/>
-                        </a:solidFill>
-                        <a:latin typeface="Work Sans"/>
-                        <a:ea typeface="Work Sans"/>
-                        <a:cs typeface="Work Sans"/>
-                        <a:sym typeface="Work Sans"/>
-                      </a:endParaRPr>
-                    </a:p>
-                    <a:p>
-                      <a:pPr marL="457200" lvl="0" indent="-285750" algn="l" rtl="0">
-                        <a:spcBef>
-                          <a:spcPts val="0"/>
-                        </a:spcBef>
-                        <a:spcAft>
-                          <a:spcPts val="0"/>
-                        </a:spcAft>
-                        <a:buClr>
-                          <a:schemeClr val="dk2"/>
-                        </a:buClr>
-                        <a:buSzPts val="900"/>
-                        <a:buFont typeface="Work Sans"/>
-                        <a:buChar char="●"/>
-                      </a:pPr>
-                      <a:r>
-                        <a:rPr lang="en" sz="900" i="1">
-                          <a:solidFill>
-                            <a:schemeClr val="dk2"/>
-                          </a:solidFill>
-                          <a:latin typeface="Work Sans"/>
-                          <a:ea typeface="Work Sans"/>
-                          <a:cs typeface="Work Sans"/>
-                          <a:sym typeface="Work Sans"/>
-                        </a:rPr>
-                        <a:t>Collaboration</a:t>
-                      </a:r>
-                      <a:endParaRPr sz="900" i="1">
-                        <a:solidFill>
-                          <a:schemeClr val="dk2"/>
-                        </a:solidFill>
-                        <a:latin typeface="Work Sans"/>
-                        <a:ea typeface="Work Sans"/>
-                        <a:cs typeface="Work Sans"/>
-                        <a:sym typeface="Work Sans"/>
-                      </a:endParaRPr>
-                    </a:p>
-                  </a:txBody>
-                  <a:tcPr marL="91425" marR="91425" marT="91425" marB="91425">
-                    <a:lnL w="9525" cap="flat" cmpd="sng">
-                      <a:solidFill>
-                        <a:srgbClr val="64C3F5"/>
-                      </a:solidFill>
-                      <a:prstDash val="solid"/>
-                      <a:round/>
-                      <a:headEnd type="none" w="sm" len="sm"/>
-                      <a:tailEnd type="none" w="sm" len="sm"/>
-                    </a:lnL>
-                    <a:lnR w="9525" cap="flat" cmpd="sng">
-                      <a:solidFill>
-                        <a:srgbClr val="64C3F5"/>
-                      </a:solidFill>
-                      <a:prstDash val="solid"/>
-                      <a:round/>
-                      <a:headEnd type="none" w="sm" len="sm"/>
-                      <a:tailEnd type="none" w="sm" len="sm"/>
-                    </a:lnR>
-                    <a:lnT w="9525" cap="flat" cmpd="sng">
-                      <a:solidFill>
-                        <a:srgbClr val="64C3F5"/>
-                      </a:solidFill>
-                      <a:prstDash val="solid"/>
-                      <a:round/>
-                      <a:headEnd type="none" w="sm" len="sm"/>
-                      <a:tailEnd type="none" w="sm" len="sm"/>
-                    </a:lnT>
-                    <a:lnB w="9525" cap="flat" cmpd="sng">
-                      <a:solidFill>
-                        <a:srgbClr val="64C3F5"/>
-                      </a:solidFill>
-                      <a:prstDash val="solid"/>
-                      <a:round/>
-                      <a:headEnd type="none" w="sm" len="sm"/>
-                      <a:tailEnd type="none" w="sm" len="sm"/>
-                    </a:lnB>
-                  </a:tcPr>
-                </a:tc>
-                <a:tc>
-                  <a:txBody>
-                    <a:bodyPr/>
-                    <a:lstStyle/>
-                    <a:p>
-                      <a:pPr marL="457200" lvl="0" indent="-285750" algn="l" rtl="0">
-                        <a:spcBef>
-                          <a:spcPts val="0"/>
-                        </a:spcBef>
-                        <a:spcAft>
-                          <a:spcPts val="0"/>
-                        </a:spcAft>
-                        <a:buClr>
-                          <a:schemeClr val="dk2"/>
-                        </a:buClr>
-                        <a:buSzPts val="900"/>
-                        <a:buFont typeface="Work Sans"/>
-                        <a:buChar char="●"/>
-                      </a:pPr>
-                      <a:r>
-                        <a:rPr lang="en" sz="900" i="1">
-                          <a:solidFill>
-                            <a:schemeClr val="dk2"/>
-                          </a:solidFill>
-                          <a:latin typeface="Work Sans"/>
-                          <a:ea typeface="Work Sans"/>
-                          <a:cs typeface="Work Sans"/>
-                          <a:sym typeface="Work Sans"/>
-                        </a:rPr>
-                        <a:t>In the next 3 months, kick off a new career as UXUI Designer, working in a growing startup developing a new product with a team that will impact and improve people’s live.</a:t>
-                      </a:r>
-                      <a:endParaRPr sz="900" i="1">
-                        <a:solidFill>
-                          <a:schemeClr val="dk2"/>
-                        </a:solidFill>
-                        <a:latin typeface="Work Sans"/>
-                        <a:ea typeface="Work Sans"/>
-                        <a:cs typeface="Work Sans"/>
-                        <a:sym typeface="Work Sans"/>
-                      </a:endParaRPr>
-                    </a:p>
-                  </a:txBody>
-                  <a:tcPr marL="91425" marR="91425" marT="91425" marB="91425">
-                    <a:lnL w="9525" cap="flat" cmpd="sng">
-                      <a:solidFill>
-                        <a:srgbClr val="64C3F5"/>
-                      </a:solidFill>
-                      <a:prstDash val="solid"/>
-                      <a:round/>
-                      <a:headEnd type="none" w="sm" len="sm"/>
-                      <a:tailEnd type="none" w="sm" len="sm"/>
-                    </a:lnL>
-                    <a:lnR w="9525" cap="flat" cmpd="sng">
-                      <a:solidFill>
-                        <a:srgbClr val="64C3F5"/>
-                      </a:solidFill>
-                      <a:prstDash val="solid"/>
-                      <a:round/>
-                      <a:headEnd type="none" w="sm" len="sm"/>
-                      <a:tailEnd type="none" w="sm" len="sm"/>
-                    </a:lnR>
-                    <a:lnT w="9525" cap="flat" cmpd="sng">
-                      <a:solidFill>
-                        <a:srgbClr val="64C3F5"/>
-                      </a:solidFill>
-                      <a:prstDash val="solid"/>
-                      <a:round/>
-                      <a:headEnd type="none" w="sm" len="sm"/>
-                      <a:tailEnd type="none" w="sm" len="sm"/>
-                    </a:lnT>
-                    <a:lnB w="9525" cap="flat" cmpd="sng">
-                      <a:solidFill>
-                        <a:srgbClr val="64C3F5"/>
-                      </a:solidFill>
-                      <a:prstDash val="solid"/>
-                      <a:round/>
-                      <a:headEnd type="none" w="sm" len="sm"/>
-                      <a:tailEnd type="none" w="sm" len="sm"/>
-                    </a:lnB>
-                  </a:tcPr>
-                </a:tc>
-                <a:tc>
-                  <a:txBody>
-                    <a:bodyPr/>
-                    <a:lstStyle/>
-                    <a:p>
-                      <a:pPr marL="457200" lvl="0" indent="-285750" algn="l" rtl="0">
-                        <a:spcBef>
-                          <a:spcPts val="0"/>
-                        </a:spcBef>
-                        <a:spcAft>
-                          <a:spcPts val="0"/>
-                        </a:spcAft>
-                        <a:buClr>
-                          <a:schemeClr val="dk2"/>
-                        </a:buClr>
-                        <a:buSzPts val="900"/>
-                        <a:buFont typeface="Work Sans"/>
-                        <a:buChar char="●"/>
-                      </a:pPr>
-                      <a:r>
-                        <a:rPr lang="en" sz="900" i="1">
-                          <a:solidFill>
-                            <a:schemeClr val="dk2"/>
-                          </a:solidFill>
-                          <a:latin typeface="Work Sans"/>
-                          <a:ea typeface="Work Sans"/>
-                          <a:cs typeface="Work Sans"/>
-                          <a:sym typeface="Work Sans"/>
-                        </a:rPr>
-                        <a:t>Leverage my communication skills and positive energy and attitude to design and create Digital Products that make this world a better place working with a kickass team. </a:t>
-                      </a:r>
-                      <a:endParaRPr sz="900" i="1">
-                        <a:solidFill>
-                          <a:schemeClr val="dk2"/>
-                        </a:solidFill>
-                        <a:latin typeface="Work Sans"/>
-                        <a:ea typeface="Work Sans"/>
-                        <a:cs typeface="Work Sans"/>
-                        <a:sym typeface="Work Sans"/>
-                      </a:endParaRPr>
-                    </a:p>
-                  </a:txBody>
-                  <a:tcPr marL="91425" marR="91425" marT="91425" marB="91425">
-                    <a:lnL w="9525" cap="flat" cmpd="sng">
-                      <a:solidFill>
-                        <a:srgbClr val="64C3F5"/>
-                      </a:solidFill>
-                      <a:prstDash val="solid"/>
-                      <a:round/>
-                      <a:headEnd type="none" w="sm" len="sm"/>
-                      <a:tailEnd type="none" w="sm" len="sm"/>
-                    </a:lnL>
-                    <a:lnR w="9525" cap="flat" cmpd="sng">
-                      <a:solidFill>
-                        <a:srgbClr val="64C3F5"/>
-                      </a:solidFill>
-                      <a:prstDash val="solid"/>
-                      <a:round/>
-                      <a:headEnd type="none" w="sm" len="sm"/>
-                      <a:tailEnd type="none" w="sm" len="sm"/>
-                    </a:lnR>
-                    <a:lnT w="9525" cap="flat" cmpd="sng">
-                      <a:solidFill>
-                        <a:srgbClr val="64C3F5"/>
-                      </a:solidFill>
-                      <a:prstDash val="solid"/>
-                      <a:round/>
-                      <a:headEnd type="none" w="sm" len="sm"/>
-                      <a:tailEnd type="none" w="sm" len="sm"/>
-                    </a:lnT>
-                    <a:lnB w="9525" cap="flat" cmpd="sng">
-                      <a:solidFill>
-                        <a:srgbClr val="64C3F5"/>
-                      </a:solidFill>
-                      <a:prstDash val="solid"/>
-                      <a:round/>
-                      <a:headEnd type="none" w="sm" len="sm"/>
-                      <a:tailEnd type="none" w="sm" len="sm"/>
-                    </a:lnB>
-                  </a:tcPr>
-                </a:tc>
-                <a:tc>
-                  <a:txBody>
-                    <a:bodyPr/>
-                    <a:lstStyle/>
-                    <a:p>
-                      <a:pPr marL="457200" lvl="0" indent="-285750" algn="l" rtl="0">
-                        <a:spcBef>
-                          <a:spcPts val="0"/>
-                        </a:spcBef>
-                        <a:spcAft>
-                          <a:spcPts val="0"/>
-                        </a:spcAft>
-                        <a:buClr>
-                          <a:schemeClr val="dk2"/>
-                        </a:buClr>
-                        <a:buSzPts val="900"/>
-                        <a:buFont typeface="Work Sans"/>
-                        <a:buChar char="●"/>
-                      </a:pPr>
-                      <a:r>
-                        <a:rPr lang="en" sz="900" i="1">
-                          <a:solidFill>
-                            <a:schemeClr val="dk2"/>
-                          </a:solidFill>
-                          <a:latin typeface="Work Sans"/>
-                          <a:ea typeface="Work Sans"/>
-                          <a:cs typeface="Work Sans"/>
-                          <a:sym typeface="Work Sans"/>
-                        </a:rPr>
-                        <a:t>Startup events to network</a:t>
-                      </a:r>
-                      <a:endParaRPr sz="900" i="1">
-                        <a:solidFill>
-                          <a:schemeClr val="dk2"/>
-                        </a:solidFill>
-                        <a:latin typeface="Work Sans"/>
-                        <a:ea typeface="Work Sans"/>
-                        <a:cs typeface="Work Sans"/>
-                        <a:sym typeface="Work Sans"/>
-                      </a:endParaRPr>
-                    </a:p>
-                    <a:p>
-                      <a:pPr marL="457200" lvl="0" indent="-285750" algn="l" rtl="0">
-                        <a:spcBef>
-                          <a:spcPts val="0"/>
-                        </a:spcBef>
-                        <a:spcAft>
-                          <a:spcPts val="0"/>
-                        </a:spcAft>
-                        <a:buClr>
-                          <a:schemeClr val="dk2"/>
-                        </a:buClr>
-                        <a:buSzPts val="900"/>
-                        <a:buFont typeface="Work Sans"/>
-                        <a:buChar char="●"/>
-                      </a:pPr>
-                      <a:r>
-                        <a:rPr lang="en" sz="900" i="1">
-                          <a:solidFill>
-                            <a:schemeClr val="dk2"/>
-                          </a:solidFill>
-                          <a:latin typeface="Work Sans"/>
-                          <a:ea typeface="Work Sans"/>
-                          <a:cs typeface="Work Sans"/>
-                          <a:sym typeface="Work Sans"/>
-                        </a:rPr>
-                        <a:t>Product Designers Meetups to learn</a:t>
-                      </a:r>
-                      <a:endParaRPr sz="900" i="1">
-                        <a:solidFill>
-                          <a:schemeClr val="dk2"/>
-                        </a:solidFill>
-                        <a:latin typeface="Work Sans"/>
-                        <a:ea typeface="Work Sans"/>
-                        <a:cs typeface="Work Sans"/>
-                        <a:sym typeface="Work Sans"/>
-                      </a:endParaRPr>
-                    </a:p>
-                  </a:txBody>
-                  <a:tcPr marL="91425" marR="91425" marT="91425" marB="91425">
-                    <a:lnL w="9525" cap="flat" cmpd="sng">
-                      <a:solidFill>
-                        <a:srgbClr val="64C3F5"/>
-                      </a:solidFill>
-                      <a:prstDash val="solid"/>
-                      <a:round/>
-                      <a:headEnd type="none" w="sm" len="sm"/>
-                      <a:tailEnd type="none" w="sm" len="sm"/>
-                    </a:lnL>
-                    <a:lnR w="9525" cap="flat" cmpd="sng">
-                      <a:solidFill>
-                        <a:srgbClr val="64C3F5"/>
-                      </a:solidFill>
-                      <a:prstDash val="solid"/>
-                      <a:round/>
-                      <a:headEnd type="none" w="sm" len="sm"/>
-                      <a:tailEnd type="none" w="sm" len="sm"/>
-                    </a:lnR>
-                    <a:lnT w="9525" cap="flat" cmpd="sng">
-                      <a:solidFill>
-                        <a:srgbClr val="64C3F5"/>
-                      </a:solidFill>
-                      <a:prstDash val="solid"/>
-                      <a:round/>
-                      <a:headEnd type="none" w="sm" len="sm"/>
-                      <a:tailEnd type="none" w="sm" len="sm"/>
-                    </a:lnT>
-                    <a:lnB w="9525" cap="flat" cmpd="sng">
-                      <a:solidFill>
-                        <a:srgbClr val="64C3F5"/>
-                      </a:solidFill>
-                      <a:prstDash val="solid"/>
-                      <a:round/>
-                      <a:headEnd type="none" w="sm" len="sm"/>
-                      <a:tailEnd type="none" w="sm" len="sm"/>
-                    </a:lnB>
-                  </a:tcPr>
-                </a:tc>
-                <a:extLst>
-                  <a:ext uri="{0D108BD9-81ED-4DB2-BD59-A6C34878D82A}">
-                    <a16:rowId xmlns:a16="http://schemas.microsoft.com/office/drawing/2014/main" val="10003"/>
-                  </a:ext>
-                </a:extLst>
-              </a:tr>
-            </a:tbl>
-          </a:graphicData>
-        </a:graphic>
-      </p:graphicFrame>
-      <p:pic>
-        <p:nvPicPr>
-          <p:cNvPr id="118" name="Google Shape;118;p28"/>
-          <p:cNvPicPr preferRelativeResize="0"/>
-          <p:nvPr/>
-        </p:nvPicPr>
-        <p:blipFill>
-          <a:blip r:embed="rId4">
-            <a:alphaModFix/>
-          </a:blip>
-          <a:stretch>
-            <a:fillRect/>
-          </a:stretch>
-        </p:blipFill>
-        <p:spPr>
-          <a:xfrm>
-            <a:off x="8673300" y="83520"/>
-            <a:ext cx="302039" cy="314400"/>
-          </a:xfrm>
-          <a:prstGeom prst="rect">
-            <a:avLst/>
-          </a:prstGeom>
-          <a:noFill/>
-          <a:ln>
-            <a:noFill/>
-          </a:ln>
-        </p:spPr>
-      </p:pic>
-      <p:sp>
-        <p:nvSpPr>
-          <p:cNvPr id="119" name="Google Shape;119;p28"/>
-          <p:cNvSpPr txBox="1"/>
-          <p:nvPr/>
-        </p:nvSpPr>
-        <p:spPr>
-          <a:xfrm>
-            <a:off x="113675" y="-6325"/>
-            <a:ext cx="6873600" cy="494100"/>
-          </a:xfrm>
-          <a:prstGeom prst="rect">
-            <a:avLst/>
-          </a:prstGeom>
-          <a:noFill/>
-          <a:ln>
-            <a:noFill/>
-          </a:ln>
-        </p:spPr>
-        <p:txBody>
-          <a:bodyPr spcFirstLastPara="1" wrap="square" lIns="91425" tIns="91425" rIns="91425" bIns="91425" anchor="t" anchorCtr="0">
-            <a:noAutofit/>
-          </a:bodyPr>
-          <a:lstStyle/>
-          <a:p>
-            <a:pPr marL="0" lvl="0" indent="0" algn="l" rtl="0">
-              <a:lnSpc>
-                <a:spcPct val="100000"/>
-              </a:lnSpc>
-              <a:spcBef>
-                <a:spcPts val="0"/>
-              </a:spcBef>
-              <a:spcAft>
-                <a:spcPts val="0"/>
-              </a:spcAft>
-              <a:buNone/>
-            </a:pPr>
-            <a:r>
-              <a:rPr lang="en" sz="2300" b="1">
-                <a:solidFill>
-                  <a:srgbClr val="2DC5FA"/>
-                </a:solidFill>
-                <a:latin typeface="Work Sans"/>
-                <a:ea typeface="Work Sans"/>
-                <a:cs typeface="Work Sans"/>
-                <a:sym typeface="Work Sans"/>
-              </a:rPr>
-              <a:t>Personal Branding Canvas</a:t>
-            </a:r>
-            <a:endParaRPr sz="2300" b="1">
-              <a:solidFill>
-                <a:srgbClr val="2DC5FA"/>
-              </a:solidFill>
-              <a:latin typeface="Work Sans"/>
-              <a:ea typeface="Work Sans"/>
-              <a:cs typeface="Work Sans"/>
-              <a:sym typeface="Work Sans"/>
-            </a:endParaRPr>
-          </a:p>
-          <a:p>
-            <a:pPr marL="0" lvl="0" indent="0" algn="l" rtl="0">
-              <a:lnSpc>
-                <a:spcPct val="100000"/>
-              </a:lnSpc>
-              <a:spcBef>
-                <a:spcPts val="1600"/>
-              </a:spcBef>
-              <a:spcAft>
-                <a:spcPts val="1600"/>
-              </a:spcAft>
-              <a:buNone/>
-            </a:pPr>
-            <a:endParaRPr sz="2300" b="1">
-              <a:solidFill>
-                <a:srgbClr val="2DC5FA"/>
-              </a:solidFill>
-              <a:latin typeface="Work Sans"/>
-              <a:ea typeface="Work Sans"/>
-              <a:cs typeface="Work Sans"/>
-              <a:sym typeface="Work Sans"/>
-            </a:endParaRPr>
-          </a:p>
-        </p:txBody>
-      </p:sp>
-    </p:spTree>
-  </p:cSld>
-  <p:clrMapOvr>
-    <a:masterClrMapping/>
-  </p:clrMapOvr>
-</p:sld>
-</file>
-
-<file path=ppt/slides/slide4.xml><?xml version="1.0" encoding="utf-8"?>
-<p:sld xmlns:a="http://schemas.openxmlformats.org/drawingml/2006/main" xmlns:r="http://schemas.openxmlformats.org/officeDocument/2006/relationships" xmlns:p="http://schemas.openxmlformats.org/presentationml/2006/main">
-  <p:cSld>
-    <p:spTree>
-      <p:nvGrpSpPr>
-        <p:cNvPr id="1" name="Shape 123"/>
-        <p:cNvGrpSpPr/>
-        <p:nvPr/>
-      </p:nvGrpSpPr>
-      <p:grpSpPr>
-        <a:xfrm>
-          <a:off x="0" y="0"/>
-          <a:ext cx="0" cy="0"/>
-          <a:chOff x="0" y="0"/>
-          <a:chExt cx="0" cy="0"/>
-        </a:xfrm>
-      </p:grpSpPr>
-      <p:pic>
-        <p:nvPicPr>
-          <p:cNvPr id="124" name="Google Shape;124;p29"/>
-          <p:cNvPicPr preferRelativeResize="0"/>
-          <p:nvPr/>
-        </p:nvPicPr>
-        <p:blipFill rotWithShape="1">
-          <a:blip r:embed="rId3">
-            <a:alphaModFix/>
-          </a:blip>
-          <a:srcRect t="10733" b="22304"/>
-          <a:stretch/>
-        </p:blipFill>
-        <p:spPr>
-          <a:xfrm>
-            <a:off x="6842950" y="0"/>
-            <a:ext cx="1334900" cy="697199"/>
-          </a:xfrm>
-          <a:prstGeom prst="rect">
-            <a:avLst/>
-          </a:prstGeom>
-          <a:noFill/>
-          <a:ln>
-            <a:noFill/>
-          </a:ln>
-        </p:spPr>
-      </p:pic>
-      <p:graphicFrame>
-        <p:nvGraphicFramePr>
-          <p:cNvPr id="125" name="Google Shape;125;p29"/>
-          <p:cNvGraphicFramePr/>
-          <p:nvPr/>
-        </p:nvGraphicFramePr>
-        <p:xfrm>
-          <a:off x="113688" y="479700"/>
-          <a:ext cx="8916625" cy="4406760"/>
-        </p:xfrm>
-        <a:graphic>
-          <a:graphicData uri="http://schemas.openxmlformats.org/drawingml/2006/table">
-            <a:tbl>
-              <a:tblPr>
-                <a:noFill/>
-                <a:tableStyleId>{6C8AC783-B38B-4F6A-9F3E-C5600058E208}</a:tableStyleId>
-              </a:tblPr>
-              <a:tblGrid>
-                <a:gridCol w="1879850">
-                  <a:extLst>
-                    <a:ext uri="{9D8B030D-6E8A-4147-A177-3AD203B41FA5}">
-                      <a16:colId xmlns:a16="http://schemas.microsoft.com/office/drawing/2014/main" val="20000"/>
-                    </a:ext>
-                  </a:extLst>
-                </a:gridCol>
-                <a:gridCol w="2326275">
-                  <a:extLst>
-                    <a:ext uri="{9D8B030D-6E8A-4147-A177-3AD203B41FA5}">
-                      <a16:colId xmlns:a16="http://schemas.microsoft.com/office/drawing/2014/main" val="20001"/>
-                    </a:ext>
-                  </a:extLst>
-                </a:gridCol>
-                <a:gridCol w="2217175">
-                  <a:extLst>
-                    <a:ext uri="{9D8B030D-6E8A-4147-A177-3AD203B41FA5}">
-                      <a16:colId xmlns:a16="http://schemas.microsoft.com/office/drawing/2014/main" val="20002"/>
-                    </a:ext>
-                  </a:extLst>
-                </a:gridCol>
-                <a:gridCol w="2493325">
-                  <a:extLst>
-                    <a:ext uri="{9D8B030D-6E8A-4147-A177-3AD203B41FA5}">
-                      <a16:colId xmlns:a16="http://schemas.microsoft.com/office/drawing/2014/main" val="20003"/>
-                    </a:ext>
-                  </a:extLst>
-                </a:gridCol>
-              </a:tblGrid>
-              <a:tr h="1001400">
-                <a:tc>
-                  <a:txBody>
-                    <a:bodyPr/>
-                    <a:lstStyle/>
-                    <a:p>
-                      <a:pPr marL="0" lvl="0" indent="0" algn="l" rtl="0">
-                        <a:spcBef>
-                          <a:spcPts val="0"/>
-                        </a:spcBef>
-                        <a:spcAft>
-                          <a:spcPts val="0"/>
-                        </a:spcAft>
-                        <a:buClr>
-                          <a:srgbClr val="000000"/>
-                        </a:buClr>
-                        <a:buSzPts val="1100"/>
-                        <a:buFont typeface="Arial"/>
-                        <a:buNone/>
-                      </a:pPr>
-                      <a:r>
-                        <a:rPr lang="en" sz="900" b="1">
-                          <a:solidFill>
-                            <a:schemeClr val="dk2"/>
-                          </a:solidFill>
-                          <a:latin typeface="Montserrat"/>
-                          <a:ea typeface="Montserrat"/>
-                          <a:cs typeface="Montserrat"/>
-                          <a:sym typeface="Montserrat"/>
-                        </a:rPr>
-                        <a:t>1. Your Values</a:t>
-                      </a:r>
-                      <a:endParaRPr sz="900" b="1">
-                        <a:solidFill>
-                          <a:schemeClr val="dk2"/>
-                        </a:solidFill>
-                        <a:latin typeface="Montserrat"/>
-                        <a:ea typeface="Montserrat"/>
-                        <a:cs typeface="Montserrat"/>
-                        <a:sym typeface="Montserrat"/>
-                      </a:endParaRPr>
-                    </a:p>
-                    <a:p>
-                      <a:pPr marL="0" lvl="0" indent="0" algn="l" rtl="0">
-                        <a:spcBef>
-                          <a:spcPts val="0"/>
-                        </a:spcBef>
-                        <a:spcAft>
-                          <a:spcPts val="0"/>
-                        </a:spcAft>
-                        <a:buClr>
-                          <a:srgbClr val="000000"/>
-                        </a:buClr>
-                        <a:buSzPts val="1100"/>
-                        <a:buFont typeface="Arial"/>
-                        <a:buNone/>
-                      </a:pPr>
-                      <a:r>
-                        <a:rPr lang="en" sz="800" i="1">
-                          <a:solidFill>
-                            <a:schemeClr val="dk2"/>
-                          </a:solidFill>
-                          <a:latin typeface="Montserrat"/>
-                          <a:ea typeface="Montserrat"/>
-                          <a:cs typeface="Montserrat"/>
-                          <a:sym typeface="Montserrat"/>
-                        </a:rPr>
-                        <a:t>Who you are, what you value</a:t>
-                      </a:r>
-                      <a:endParaRPr sz="800" i="1">
-                        <a:solidFill>
-                          <a:schemeClr val="dk2"/>
-                        </a:solidFill>
-                        <a:latin typeface="Montserrat"/>
-                        <a:ea typeface="Montserrat"/>
-                        <a:cs typeface="Montserrat"/>
-                        <a:sym typeface="Montserrat"/>
-                      </a:endParaRPr>
-                    </a:p>
-                  </a:txBody>
-                  <a:tcPr marL="91425" marR="91425" marT="91425" marB="91425">
-                    <a:lnL w="9525" cap="flat" cmpd="sng">
-                      <a:solidFill>
-                        <a:srgbClr val="64C3F5"/>
-                      </a:solidFill>
-                      <a:prstDash val="solid"/>
-                      <a:round/>
-                      <a:headEnd type="none" w="sm" len="sm"/>
-                      <a:tailEnd type="none" w="sm" len="sm"/>
-                    </a:lnL>
-                    <a:lnR w="9525" cap="flat" cmpd="sng">
-                      <a:solidFill>
-                        <a:srgbClr val="64C3F5"/>
-                      </a:solidFill>
-                      <a:prstDash val="solid"/>
-                      <a:round/>
-                      <a:headEnd type="none" w="sm" len="sm"/>
-                      <a:tailEnd type="none" w="sm" len="sm"/>
-                    </a:lnR>
-                    <a:lnT w="9525" cap="flat" cmpd="sng">
-                      <a:solidFill>
-                        <a:srgbClr val="64C3F5"/>
-                      </a:solidFill>
-                      <a:prstDash val="solid"/>
-                      <a:round/>
-                      <a:headEnd type="none" w="sm" len="sm"/>
-                      <a:tailEnd type="none" w="sm" len="sm"/>
-                    </a:lnT>
-                    <a:lnB w="9525" cap="flat" cmpd="sng">
-                      <a:solidFill>
-                        <a:srgbClr val="64C3F5"/>
-                      </a:solidFill>
-                      <a:prstDash val="solid"/>
-                      <a:round/>
-                      <a:headEnd type="none" w="sm" len="sm"/>
-                      <a:tailEnd type="none" w="sm" len="sm"/>
-                    </a:lnB>
-                  </a:tcPr>
-                </a:tc>
-                <a:tc>
-                  <a:txBody>
-                    <a:bodyPr/>
-                    <a:lstStyle/>
-                    <a:p>
-                      <a:pPr marL="0" lvl="0" indent="0" algn="l" rtl="0">
-                        <a:spcBef>
-                          <a:spcPts val="0"/>
-                        </a:spcBef>
-                        <a:spcAft>
-                          <a:spcPts val="0"/>
-                        </a:spcAft>
-                        <a:buClr>
-                          <a:srgbClr val="000000"/>
-                        </a:buClr>
-                        <a:buSzPts val="1100"/>
-                        <a:buFont typeface="Arial"/>
-                        <a:buNone/>
-                      </a:pPr>
-                      <a:r>
-                        <a:rPr lang="en" sz="900" b="1">
-                          <a:solidFill>
-                            <a:schemeClr val="dk2"/>
-                          </a:solidFill>
-                          <a:latin typeface="Montserrat"/>
-                          <a:ea typeface="Montserrat"/>
-                          <a:cs typeface="Montserrat"/>
-                          <a:sym typeface="Montserrat"/>
-                        </a:rPr>
-                        <a:t>3. Brand attributes</a:t>
-                      </a:r>
-                      <a:endParaRPr sz="900" b="1">
-                        <a:solidFill>
-                          <a:schemeClr val="dk2"/>
-                        </a:solidFill>
-                        <a:latin typeface="Montserrat"/>
-                        <a:ea typeface="Montserrat"/>
-                        <a:cs typeface="Montserrat"/>
-                        <a:sym typeface="Montserrat"/>
-                      </a:endParaRPr>
-                    </a:p>
-                    <a:p>
-                      <a:pPr marL="0" lvl="0" indent="0" algn="l" rtl="0">
-                        <a:spcBef>
-                          <a:spcPts val="0"/>
-                        </a:spcBef>
-                        <a:spcAft>
-                          <a:spcPts val="0"/>
-                        </a:spcAft>
-                        <a:buClr>
-                          <a:srgbClr val="000000"/>
-                        </a:buClr>
-                        <a:buSzPts val="1100"/>
-                        <a:buFont typeface="Arial"/>
-                        <a:buNone/>
-                      </a:pPr>
-                      <a:r>
-                        <a:rPr lang="en" sz="800" i="1">
-                          <a:solidFill>
-                            <a:schemeClr val="dk2"/>
-                          </a:solidFill>
-                          <a:latin typeface="Montserrat"/>
-                          <a:ea typeface="Montserrat"/>
-                          <a:cs typeface="Montserrat"/>
-                          <a:sym typeface="Montserrat"/>
-                        </a:rPr>
-                        <a:t>What is your brand image? What do others think you’re good at? </a:t>
-                      </a:r>
-                      <a:endParaRPr sz="800" i="1">
-                        <a:solidFill>
-                          <a:schemeClr val="dk2"/>
-                        </a:solidFill>
-                        <a:latin typeface="Montserrat"/>
-                        <a:ea typeface="Montserrat"/>
-                        <a:cs typeface="Montserrat"/>
-                        <a:sym typeface="Montserrat"/>
-                      </a:endParaRPr>
-                    </a:p>
-                    <a:p>
-                      <a:pPr marL="0" lvl="0" indent="0" algn="l" rtl="0">
-                        <a:spcBef>
-                          <a:spcPts val="0"/>
-                        </a:spcBef>
-                        <a:spcAft>
-                          <a:spcPts val="0"/>
-                        </a:spcAft>
-                        <a:buClr>
-                          <a:srgbClr val="000000"/>
-                        </a:buClr>
-                        <a:buSzPts val="1100"/>
-                        <a:buFont typeface="Arial"/>
-                        <a:buNone/>
-                      </a:pPr>
-                      <a:endParaRPr sz="800" i="1">
-                        <a:solidFill>
-                          <a:schemeClr val="dk2"/>
-                        </a:solidFill>
-                        <a:latin typeface="Montserrat"/>
-                        <a:ea typeface="Montserrat"/>
-                        <a:cs typeface="Montserrat"/>
-                        <a:sym typeface="Montserrat"/>
-                      </a:endParaRPr>
-                    </a:p>
-                  </a:txBody>
-                  <a:tcPr marL="91425" marR="91425" marT="91425" marB="91425">
-                    <a:lnL w="9525" cap="flat" cmpd="sng">
-                      <a:solidFill>
-                        <a:srgbClr val="64C3F5"/>
-                      </a:solidFill>
-                      <a:prstDash val="solid"/>
-                      <a:round/>
-                      <a:headEnd type="none" w="sm" len="sm"/>
-                      <a:tailEnd type="none" w="sm" len="sm"/>
-                    </a:lnL>
-                    <a:lnR w="9525" cap="flat" cmpd="sng">
-                      <a:solidFill>
-                        <a:srgbClr val="64C3F5"/>
-                      </a:solidFill>
-                      <a:prstDash val="solid"/>
-                      <a:round/>
-                      <a:headEnd type="none" w="sm" len="sm"/>
-                      <a:tailEnd type="none" w="sm" len="sm"/>
-                    </a:lnR>
-                    <a:lnT w="9525" cap="flat" cmpd="sng">
-                      <a:solidFill>
-                        <a:srgbClr val="64C3F5"/>
-                      </a:solidFill>
-                      <a:prstDash val="solid"/>
-                      <a:round/>
-                      <a:headEnd type="none" w="sm" len="sm"/>
-                      <a:tailEnd type="none" w="sm" len="sm"/>
-                    </a:lnT>
-                    <a:lnB w="9525" cap="flat" cmpd="sng">
-                      <a:solidFill>
-                        <a:srgbClr val="64C3F5"/>
-                      </a:solidFill>
-                      <a:prstDash val="solid"/>
-                      <a:round/>
-                      <a:headEnd type="none" w="sm" len="sm"/>
-                      <a:tailEnd type="none" w="sm" len="sm"/>
-                    </a:lnB>
-                  </a:tcPr>
-                </a:tc>
-                <a:tc>
-                  <a:txBody>
-                    <a:bodyPr/>
-                    <a:lstStyle/>
-                    <a:p>
-                      <a:pPr marL="0" lvl="0" indent="0" algn="l" rtl="0">
-                        <a:spcBef>
-                          <a:spcPts val="0"/>
-                        </a:spcBef>
-                        <a:spcAft>
-                          <a:spcPts val="0"/>
-                        </a:spcAft>
-                        <a:buClr>
-                          <a:srgbClr val="000000"/>
-                        </a:buClr>
-                        <a:buSzPts val="1100"/>
-                        <a:buFont typeface="Arial"/>
-                        <a:buNone/>
-                      </a:pPr>
-                      <a:r>
-                        <a:rPr lang="en" sz="900" b="1">
-                          <a:solidFill>
-                            <a:schemeClr val="dk2"/>
-                          </a:solidFill>
-                          <a:latin typeface="Montserrat"/>
-                          <a:ea typeface="Montserrat"/>
-                          <a:cs typeface="Montserrat"/>
-                          <a:sym typeface="Montserrat"/>
-                        </a:rPr>
-                        <a:t>5. Who’s your target?</a:t>
-                      </a:r>
-                      <a:br>
-                        <a:rPr lang="en" sz="900" b="1">
-                          <a:solidFill>
-                            <a:schemeClr val="dk2"/>
-                          </a:solidFill>
-                          <a:latin typeface="Montserrat"/>
-                          <a:ea typeface="Montserrat"/>
-                          <a:cs typeface="Montserrat"/>
-                          <a:sym typeface="Montserrat"/>
-                        </a:rPr>
-                      </a:br>
-                      <a:r>
-                        <a:rPr lang="en" sz="800" i="1">
-                          <a:solidFill>
-                            <a:schemeClr val="dk2"/>
-                          </a:solidFill>
-                          <a:latin typeface="Montserrat"/>
-                          <a:ea typeface="Montserrat"/>
-                          <a:cs typeface="Montserrat"/>
-                          <a:sym typeface="Montserrat"/>
-                        </a:rPr>
-                        <a:t>Who are the people you target to achieve your goals? In what places or communities can you find them?</a:t>
-                      </a:r>
-                      <a:endParaRPr sz="800" i="1">
-                        <a:solidFill>
-                          <a:schemeClr val="dk2"/>
-                        </a:solidFill>
-                        <a:latin typeface="Montserrat"/>
-                        <a:ea typeface="Montserrat"/>
-                        <a:cs typeface="Montserrat"/>
-                        <a:sym typeface="Montserrat"/>
-                      </a:endParaRPr>
-                    </a:p>
-                    <a:p>
-                      <a:pPr marL="0" lvl="0" indent="0" algn="l" rtl="0">
-                        <a:spcBef>
-                          <a:spcPts val="0"/>
-                        </a:spcBef>
-                        <a:spcAft>
-                          <a:spcPts val="0"/>
-                        </a:spcAft>
-                        <a:buNone/>
-                      </a:pPr>
-                      <a:endParaRPr sz="900" b="1">
-                        <a:solidFill>
-                          <a:schemeClr val="dk2"/>
-                        </a:solidFill>
-                        <a:latin typeface="Montserrat"/>
-                        <a:ea typeface="Montserrat"/>
-                        <a:cs typeface="Montserrat"/>
-                        <a:sym typeface="Montserrat"/>
-                      </a:endParaRPr>
-                    </a:p>
-                  </a:txBody>
-                  <a:tcPr marL="91425" marR="91425" marT="91425" marB="91425">
-                    <a:lnL w="9525" cap="flat" cmpd="sng">
-                      <a:solidFill>
-                        <a:srgbClr val="64C3F5"/>
-                      </a:solidFill>
-                      <a:prstDash val="solid"/>
-                      <a:round/>
-                      <a:headEnd type="none" w="sm" len="sm"/>
-                      <a:tailEnd type="none" w="sm" len="sm"/>
-                    </a:lnL>
-                    <a:lnR w="9525" cap="flat" cmpd="sng">
-                      <a:solidFill>
-                        <a:srgbClr val="64C3F5"/>
-                      </a:solidFill>
-                      <a:prstDash val="solid"/>
-                      <a:round/>
-                      <a:headEnd type="none" w="sm" len="sm"/>
-                      <a:tailEnd type="none" w="sm" len="sm"/>
-                    </a:lnR>
-                    <a:lnT w="9525" cap="flat" cmpd="sng">
-                      <a:solidFill>
-                        <a:srgbClr val="64C3F5"/>
-                      </a:solidFill>
-                      <a:prstDash val="solid"/>
-                      <a:round/>
-                      <a:headEnd type="none" w="sm" len="sm"/>
-                      <a:tailEnd type="none" w="sm" len="sm"/>
-                    </a:lnT>
-                    <a:lnB w="9525" cap="flat" cmpd="sng">
-                      <a:solidFill>
-                        <a:srgbClr val="64C3F5"/>
-                      </a:solidFill>
-                      <a:prstDash val="solid"/>
-                      <a:round/>
-                      <a:headEnd type="none" w="sm" len="sm"/>
-                      <a:tailEnd type="none" w="sm" len="sm"/>
-                    </a:lnB>
-                  </a:tcPr>
-                </a:tc>
-                <a:tc>
-                  <a:txBody>
-                    <a:bodyPr/>
-                    <a:lstStyle/>
-                    <a:p>
-                      <a:pPr marL="0" lvl="0" indent="0" algn="l" rtl="0">
-                        <a:spcBef>
-                          <a:spcPts val="0"/>
-                        </a:spcBef>
-                        <a:spcAft>
-                          <a:spcPts val="0"/>
-                        </a:spcAft>
-                        <a:buClr>
-                          <a:srgbClr val="000000"/>
-                        </a:buClr>
-                        <a:buSzPts val="1100"/>
-                        <a:buFont typeface="Arial"/>
-                        <a:buNone/>
-                      </a:pPr>
-                      <a:r>
-                        <a:rPr lang="en" sz="900" b="1">
-                          <a:solidFill>
-                            <a:schemeClr val="dk2"/>
-                          </a:solidFill>
-                          <a:latin typeface="Montserrat"/>
-                          <a:ea typeface="Montserrat"/>
-                          <a:cs typeface="Montserrat"/>
-                          <a:sym typeface="Montserrat"/>
-                        </a:rPr>
-                        <a:t>7. Profiles/Channels</a:t>
-                      </a:r>
-                      <a:endParaRPr sz="800" i="1">
-                        <a:solidFill>
-                          <a:schemeClr val="dk2"/>
-                        </a:solidFill>
-                        <a:latin typeface="Montserrat"/>
-                        <a:ea typeface="Montserrat"/>
-                        <a:cs typeface="Montserrat"/>
-                        <a:sym typeface="Montserrat"/>
-                      </a:endParaRPr>
-                    </a:p>
-                    <a:p>
-                      <a:pPr marL="0" lvl="0" indent="0" algn="l" rtl="0">
-                        <a:spcBef>
-                          <a:spcPts val="0"/>
-                        </a:spcBef>
-                        <a:spcAft>
-                          <a:spcPts val="0"/>
-                        </a:spcAft>
-                        <a:buClr>
-                          <a:srgbClr val="000000"/>
-                        </a:buClr>
-                        <a:buSzPts val="1100"/>
-                        <a:buFont typeface="Arial"/>
-                        <a:buNone/>
-                      </a:pPr>
-                      <a:r>
-                        <a:rPr lang="en" sz="800" i="1">
-                          <a:solidFill>
-                            <a:schemeClr val="dk2"/>
-                          </a:solidFill>
-                          <a:latin typeface="Montserrat"/>
-                          <a:ea typeface="Montserrat"/>
-                          <a:cs typeface="Montserrat"/>
-                          <a:sym typeface="Montserrat"/>
-                        </a:rPr>
-                        <a:t>Time to tell the world: tailor your profile to portray your brand</a:t>
-                      </a:r>
-                      <a:endParaRPr sz="800" i="1">
-                        <a:solidFill>
-                          <a:schemeClr val="dk2"/>
-                        </a:solidFill>
-                        <a:latin typeface="Montserrat"/>
-                        <a:ea typeface="Montserrat"/>
-                        <a:cs typeface="Montserrat"/>
-                        <a:sym typeface="Montserrat"/>
-                      </a:endParaRPr>
-                    </a:p>
-                  </a:txBody>
-                  <a:tcPr marL="91425" marR="91425" marT="91425" marB="91425">
-                    <a:lnL w="9525" cap="flat" cmpd="sng">
-                      <a:solidFill>
-                        <a:srgbClr val="64C3F5"/>
-                      </a:solidFill>
-                      <a:prstDash val="solid"/>
-                      <a:round/>
-                      <a:headEnd type="none" w="sm" len="sm"/>
-                      <a:tailEnd type="none" w="sm" len="sm"/>
-                    </a:lnL>
-                    <a:lnR w="9525" cap="flat" cmpd="sng">
-                      <a:solidFill>
-                        <a:srgbClr val="64C3F5"/>
-                      </a:solidFill>
-                      <a:prstDash val="solid"/>
-                      <a:round/>
-                      <a:headEnd type="none" w="sm" len="sm"/>
-                      <a:tailEnd type="none" w="sm" len="sm"/>
-                    </a:lnR>
-                    <a:lnT w="9525" cap="flat" cmpd="sng">
-                      <a:solidFill>
-                        <a:srgbClr val="64C3F5"/>
-                      </a:solidFill>
-                      <a:prstDash val="solid"/>
-                      <a:round/>
-                      <a:headEnd type="none" w="sm" len="sm"/>
-                      <a:tailEnd type="none" w="sm" len="sm"/>
-                    </a:lnT>
-                    <a:lnB w="9525" cap="flat" cmpd="sng">
-                      <a:solidFill>
-                        <a:srgbClr val="64C3F5"/>
-                      </a:solidFill>
-                      <a:prstDash val="solid"/>
-                      <a:round/>
-                      <a:headEnd type="none" w="sm" len="sm"/>
-                      <a:tailEnd type="none" w="sm" len="sm"/>
-                    </a:lnB>
-                  </a:tcPr>
-                </a:tc>
-                <a:extLst>
-                  <a:ext uri="{0D108BD9-81ED-4DB2-BD59-A6C34878D82A}">
-                    <a16:rowId xmlns:a16="http://schemas.microsoft.com/office/drawing/2014/main" val="10000"/>
-                  </a:ext>
-                </a:extLst>
-              </a:tr>
-              <a:tr h="1229300">
-                <a:tc>
-                  <a:txBody>
-                    <a:bodyPr/>
-                    <a:lstStyle/>
-                    <a:p>
-                      <a:pPr marL="0" lvl="0" indent="0" algn="l" rtl="0">
-                        <a:spcBef>
-                          <a:spcPts val="0"/>
-                        </a:spcBef>
-                        <a:spcAft>
-                          <a:spcPts val="0"/>
-                        </a:spcAft>
-                        <a:buNone/>
-                      </a:pPr>
-                      <a:r>
-                        <a:rPr lang="en" sz="900" i="1">
-                          <a:solidFill>
-                            <a:schemeClr val="dk2"/>
-                          </a:solidFill>
-                          <a:latin typeface="Work Sans"/>
-                          <a:ea typeface="Work Sans"/>
-                          <a:cs typeface="Work Sans"/>
-                          <a:sym typeface="Work Sans"/>
-                        </a:rPr>
-                        <a:t>Write here</a:t>
-                      </a:r>
-                      <a:endParaRPr sz="900" i="1">
-                        <a:solidFill>
-                          <a:schemeClr val="dk2"/>
-                        </a:solidFill>
-                        <a:latin typeface="Work Sans"/>
-                        <a:ea typeface="Work Sans"/>
-                        <a:cs typeface="Work Sans"/>
-                        <a:sym typeface="Work Sans"/>
-                      </a:endParaRPr>
-                    </a:p>
-                  </a:txBody>
-                  <a:tcPr marL="91425" marR="91425" marT="91425" marB="91425">
-                    <a:lnL w="9525" cap="flat" cmpd="sng">
-                      <a:solidFill>
-                        <a:srgbClr val="64C3F5"/>
-                      </a:solidFill>
-                      <a:prstDash val="solid"/>
-                      <a:round/>
-                      <a:headEnd type="none" w="sm" len="sm"/>
-                      <a:tailEnd type="none" w="sm" len="sm"/>
-                    </a:lnL>
-                    <a:lnR w="9525" cap="flat" cmpd="sng">
-                      <a:solidFill>
-                        <a:srgbClr val="64C3F5"/>
-                      </a:solidFill>
-                      <a:prstDash val="solid"/>
-                      <a:round/>
-                      <a:headEnd type="none" w="sm" len="sm"/>
-                      <a:tailEnd type="none" w="sm" len="sm"/>
-                    </a:lnR>
-                    <a:lnT w="9525" cap="flat" cmpd="sng">
-                      <a:solidFill>
-                        <a:srgbClr val="64C3F5"/>
-                      </a:solidFill>
-                      <a:prstDash val="solid"/>
-                      <a:round/>
-                      <a:headEnd type="none" w="sm" len="sm"/>
-                      <a:tailEnd type="none" w="sm" len="sm"/>
-                    </a:lnT>
-                    <a:lnB w="9525" cap="flat" cmpd="sng">
-                      <a:solidFill>
-                        <a:srgbClr val="64C3F5"/>
-                      </a:solidFill>
-                      <a:prstDash val="solid"/>
-                      <a:round/>
-                      <a:headEnd type="none" w="sm" len="sm"/>
-                      <a:tailEnd type="none" w="sm" len="sm"/>
-                    </a:lnB>
-                  </a:tcPr>
-                </a:tc>
-                <a:tc>
-                  <a:txBody>
-                    <a:bodyPr/>
-                    <a:lstStyle/>
-                    <a:p>
-                      <a:pPr marL="0" lvl="0" indent="0" algn="l" rtl="0">
-                        <a:spcBef>
-                          <a:spcPts val="0"/>
-                        </a:spcBef>
-                        <a:spcAft>
-                          <a:spcPts val="0"/>
-                        </a:spcAft>
-                        <a:buClr>
-                          <a:schemeClr val="dk1"/>
-                        </a:buClr>
-                        <a:buSzPts val="1100"/>
-                        <a:buFont typeface="Arial"/>
-                        <a:buNone/>
-                      </a:pPr>
-                      <a:r>
-                        <a:rPr lang="en" sz="900" i="1">
-                          <a:solidFill>
-                            <a:schemeClr val="dk2"/>
-                          </a:solidFill>
-                          <a:latin typeface="Work Sans"/>
-                          <a:ea typeface="Work Sans"/>
-                          <a:cs typeface="Work Sans"/>
-                          <a:sym typeface="Work Sans"/>
-                        </a:rPr>
-                        <a:t>Write here</a:t>
-                      </a:r>
-                      <a:endParaRPr sz="900" i="1">
-                        <a:solidFill>
-                          <a:schemeClr val="dk2"/>
-                        </a:solidFill>
-                        <a:latin typeface="Work Sans"/>
-                        <a:ea typeface="Work Sans"/>
-                        <a:cs typeface="Work Sans"/>
-                        <a:sym typeface="Work Sans"/>
-                      </a:endParaRPr>
-                    </a:p>
-                    <a:p>
-                      <a:pPr marL="0" lvl="0" indent="0" algn="l" rtl="0">
-                        <a:spcBef>
-                          <a:spcPts val="0"/>
-                        </a:spcBef>
-                        <a:spcAft>
-                          <a:spcPts val="0"/>
-                        </a:spcAft>
-                        <a:buNone/>
-                      </a:pPr>
-                      <a:endParaRPr sz="900" i="1">
-                        <a:solidFill>
-                          <a:schemeClr val="dk2"/>
-                        </a:solidFill>
-                        <a:latin typeface="Work Sans"/>
-                        <a:ea typeface="Work Sans"/>
-                        <a:cs typeface="Work Sans"/>
-                        <a:sym typeface="Work Sans"/>
-                      </a:endParaRPr>
-                    </a:p>
-                  </a:txBody>
-                  <a:tcPr marL="91425" marR="91425" marT="91425" marB="91425">
-                    <a:lnL w="9525" cap="flat" cmpd="sng">
-                      <a:solidFill>
-                        <a:srgbClr val="64C3F5"/>
-                      </a:solidFill>
-                      <a:prstDash val="solid"/>
-                      <a:round/>
-                      <a:headEnd type="none" w="sm" len="sm"/>
-                      <a:tailEnd type="none" w="sm" len="sm"/>
-                    </a:lnL>
-                    <a:lnR w="9525" cap="flat" cmpd="sng">
-                      <a:solidFill>
-                        <a:srgbClr val="64C3F5"/>
-                      </a:solidFill>
-                      <a:prstDash val="solid"/>
-                      <a:round/>
-                      <a:headEnd type="none" w="sm" len="sm"/>
-                      <a:tailEnd type="none" w="sm" len="sm"/>
-                    </a:lnR>
-                    <a:lnT w="9525" cap="flat" cmpd="sng">
-                      <a:solidFill>
-                        <a:srgbClr val="64C3F5"/>
-                      </a:solidFill>
-                      <a:prstDash val="solid"/>
-                      <a:round/>
-                      <a:headEnd type="none" w="sm" len="sm"/>
-                      <a:tailEnd type="none" w="sm" len="sm"/>
-                    </a:lnT>
-                    <a:lnB w="9525" cap="flat" cmpd="sng">
-                      <a:solidFill>
-                        <a:srgbClr val="64C3F5"/>
-                      </a:solidFill>
-                      <a:prstDash val="solid"/>
-                      <a:round/>
-                      <a:headEnd type="none" w="sm" len="sm"/>
-                      <a:tailEnd type="none" w="sm" len="sm"/>
-                    </a:lnB>
-                  </a:tcPr>
-                </a:tc>
-                <a:tc>
-                  <a:txBody>
-                    <a:bodyPr/>
-                    <a:lstStyle/>
-                    <a:p>
-                      <a:pPr marL="0" lvl="0" indent="0" algn="l" rtl="0">
-                        <a:spcBef>
-                          <a:spcPts val="0"/>
-                        </a:spcBef>
-                        <a:spcAft>
-                          <a:spcPts val="0"/>
-                        </a:spcAft>
-                        <a:buClr>
-                          <a:schemeClr val="dk1"/>
-                        </a:buClr>
-                        <a:buSzPts val="1100"/>
-                        <a:buFont typeface="Arial"/>
-                        <a:buNone/>
-                      </a:pPr>
-                      <a:r>
-                        <a:rPr lang="en" sz="900" i="1">
-                          <a:solidFill>
-                            <a:schemeClr val="dk2"/>
-                          </a:solidFill>
-                          <a:latin typeface="Work Sans"/>
-                          <a:ea typeface="Work Sans"/>
-                          <a:cs typeface="Work Sans"/>
-                          <a:sym typeface="Work Sans"/>
-                        </a:rPr>
-                        <a:t>Write here</a:t>
-                      </a:r>
-                      <a:endParaRPr sz="900" i="1">
-                        <a:solidFill>
-                          <a:schemeClr val="dk2"/>
-                        </a:solidFill>
-                        <a:latin typeface="Work Sans"/>
-                        <a:ea typeface="Work Sans"/>
-                        <a:cs typeface="Work Sans"/>
-                        <a:sym typeface="Work Sans"/>
-                      </a:endParaRPr>
-                    </a:p>
-                    <a:p>
-                      <a:pPr marL="0" lvl="0" indent="0" algn="l" rtl="0">
-                        <a:spcBef>
-                          <a:spcPts val="0"/>
-                        </a:spcBef>
-                        <a:spcAft>
-                          <a:spcPts val="0"/>
-                        </a:spcAft>
-                        <a:buNone/>
-                      </a:pPr>
-                      <a:endParaRPr sz="900" i="1">
-                        <a:solidFill>
-                          <a:schemeClr val="dk2"/>
-                        </a:solidFill>
-                        <a:latin typeface="Work Sans"/>
-                        <a:ea typeface="Work Sans"/>
-                        <a:cs typeface="Work Sans"/>
-                        <a:sym typeface="Work Sans"/>
-                      </a:endParaRPr>
-                    </a:p>
-                  </a:txBody>
-                  <a:tcPr marL="91425" marR="91425" marT="91425" marB="91425">
-                    <a:lnL w="9525" cap="flat" cmpd="sng">
-                      <a:solidFill>
-                        <a:srgbClr val="64C3F5"/>
-                      </a:solidFill>
-                      <a:prstDash val="solid"/>
-                      <a:round/>
-                      <a:headEnd type="none" w="sm" len="sm"/>
-                      <a:tailEnd type="none" w="sm" len="sm"/>
-                    </a:lnL>
-                    <a:lnR w="9525" cap="flat" cmpd="sng">
-                      <a:solidFill>
-                        <a:srgbClr val="64C3F5"/>
-                      </a:solidFill>
-                      <a:prstDash val="solid"/>
-                      <a:round/>
-                      <a:headEnd type="none" w="sm" len="sm"/>
-                      <a:tailEnd type="none" w="sm" len="sm"/>
-                    </a:lnR>
-                    <a:lnT w="9525" cap="flat" cmpd="sng">
-                      <a:solidFill>
-                        <a:srgbClr val="64C3F5"/>
-                      </a:solidFill>
-                      <a:prstDash val="solid"/>
-                      <a:round/>
-                      <a:headEnd type="none" w="sm" len="sm"/>
-                      <a:tailEnd type="none" w="sm" len="sm"/>
-                    </a:lnT>
-                    <a:lnB w="9525" cap="flat" cmpd="sng">
-                      <a:solidFill>
-                        <a:srgbClr val="64C3F5"/>
-                      </a:solidFill>
-                      <a:prstDash val="solid"/>
-                      <a:round/>
-                      <a:headEnd type="none" w="sm" len="sm"/>
-                      <a:tailEnd type="none" w="sm" len="sm"/>
-                    </a:lnB>
-                  </a:tcPr>
-                </a:tc>
-                <a:tc>
-                  <a:txBody>
-                    <a:bodyPr/>
-                    <a:lstStyle/>
-                    <a:p>
-                      <a:pPr marL="0" lvl="0" indent="0" algn="l" rtl="0">
-                        <a:spcBef>
-                          <a:spcPts val="0"/>
-                        </a:spcBef>
-                        <a:spcAft>
-                          <a:spcPts val="0"/>
-                        </a:spcAft>
-                        <a:buClr>
-                          <a:schemeClr val="dk1"/>
-                        </a:buClr>
-                        <a:buSzPts val="1100"/>
-                        <a:buFont typeface="Arial"/>
-                        <a:buNone/>
-                      </a:pPr>
-                      <a:r>
-                        <a:rPr lang="en" sz="900" i="1">
-                          <a:solidFill>
-                            <a:schemeClr val="dk2"/>
-                          </a:solidFill>
-                          <a:latin typeface="Work Sans"/>
-                          <a:ea typeface="Work Sans"/>
-                          <a:cs typeface="Work Sans"/>
-                          <a:sym typeface="Work Sans"/>
-                        </a:rPr>
-                        <a:t>Write here</a:t>
-                      </a:r>
-                      <a:endParaRPr sz="900" i="1">
-                        <a:solidFill>
-                          <a:schemeClr val="dk2"/>
-                        </a:solidFill>
-                        <a:latin typeface="Work Sans"/>
-                        <a:ea typeface="Work Sans"/>
-                        <a:cs typeface="Work Sans"/>
-                        <a:sym typeface="Work Sans"/>
-                      </a:endParaRPr>
-                    </a:p>
-                    <a:p>
-                      <a:pPr marL="0" lvl="0" indent="0" algn="l" rtl="0">
-                        <a:spcBef>
-                          <a:spcPts val="0"/>
-                        </a:spcBef>
-                        <a:spcAft>
-                          <a:spcPts val="0"/>
-                        </a:spcAft>
-                        <a:buNone/>
-                      </a:pPr>
-                      <a:endParaRPr sz="900" i="1">
-                        <a:solidFill>
-                          <a:schemeClr val="dk2"/>
-                        </a:solidFill>
-                        <a:latin typeface="Work Sans"/>
-                        <a:ea typeface="Work Sans"/>
-                        <a:cs typeface="Work Sans"/>
-                        <a:sym typeface="Work Sans"/>
-                      </a:endParaRPr>
-                    </a:p>
-                  </a:txBody>
-                  <a:tcPr marL="91425" marR="91425" marT="91425" marB="91425">
-                    <a:lnL w="9525" cap="flat" cmpd="sng">
-                      <a:solidFill>
-                        <a:srgbClr val="64C3F5"/>
-                      </a:solidFill>
-                      <a:prstDash val="solid"/>
-                      <a:round/>
-                      <a:headEnd type="none" w="sm" len="sm"/>
-                      <a:tailEnd type="none" w="sm" len="sm"/>
-                    </a:lnL>
-                    <a:lnR w="9525" cap="flat" cmpd="sng">
-                      <a:solidFill>
-                        <a:srgbClr val="64C3F5"/>
-                      </a:solidFill>
-                      <a:prstDash val="solid"/>
-                      <a:round/>
-                      <a:headEnd type="none" w="sm" len="sm"/>
-                      <a:tailEnd type="none" w="sm" len="sm"/>
-                    </a:lnR>
-                    <a:lnT w="9525" cap="flat" cmpd="sng">
-                      <a:solidFill>
-                        <a:srgbClr val="64C3F5"/>
-                      </a:solidFill>
-                      <a:prstDash val="solid"/>
-                      <a:round/>
-                      <a:headEnd type="none" w="sm" len="sm"/>
-                      <a:tailEnd type="none" w="sm" len="sm"/>
-                    </a:lnT>
-                    <a:lnB w="9525" cap="flat" cmpd="sng">
-                      <a:solidFill>
-                        <a:srgbClr val="64C3F5"/>
-                      </a:solidFill>
-                      <a:prstDash val="solid"/>
-                      <a:round/>
-                      <a:headEnd type="none" w="sm" len="sm"/>
-                      <a:tailEnd type="none" w="sm" len="sm"/>
-                    </a:lnB>
-                  </a:tcPr>
-                </a:tc>
-                <a:extLst>
-                  <a:ext uri="{0D108BD9-81ED-4DB2-BD59-A6C34878D82A}">
-                    <a16:rowId xmlns:a16="http://schemas.microsoft.com/office/drawing/2014/main" val="10001"/>
-                  </a:ext>
-                </a:extLst>
-              </a:tr>
-              <a:tr h="808300">
-                <a:tc>
-                  <a:txBody>
-                    <a:bodyPr/>
-                    <a:lstStyle/>
-                    <a:p>
-                      <a:pPr marL="0" lvl="0" indent="0" algn="l" rtl="0">
-                        <a:spcBef>
-                          <a:spcPts val="0"/>
-                        </a:spcBef>
-                        <a:spcAft>
-                          <a:spcPts val="0"/>
-                        </a:spcAft>
-                        <a:buClr>
-                          <a:srgbClr val="000000"/>
-                        </a:buClr>
-                        <a:buSzPts val="1100"/>
-                        <a:buFont typeface="Arial"/>
-                        <a:buNone/>
-                      </a:pPr>
-                      <a:r>
-                        <a:rPr lang="en" sz="900" b="1">
-                          <a:solidFill>
-                            <a:schemeClr val="dk2"/>
-                          </a:solidFill>
-                          <a:latin typeface="Montserrat"/>
-                          <a:ea typeface="Montserrat"/>
-                          <a:cs typeface="Montserrat"/>
-                          <a:sym typeface="Montserrat"/>
-                        </a:rPr>
-                        <a:t>2. Top Skills</a:t>
-                      </a:r>
-                      <a:endParaRPr sz="900" b="1">
-                        <a:solidFill>
-                          <a:schemeClr val="dk2"/>
-                        </a:solidFill>
-                        <a:latin typeface="Montserrat"/>
-                        <a:ea typeface="Montserrat"/>
-                        <a:cs typeface="Montserrat"/>
-                        <a:sym typeface="Montserrat"/>
-                      </a:endParaRPr>
-                    </a:p>
-                    <a:p>
-                      <a:pPr marL="0" lvl="0" indent="0" algn="l" rtl="0">
-                        <a:spcBef>
-                          <a:spcPts val="0"/>
-                        </a:spcBef>
-                        <a:spcAft>
-                          <a:spcPts val="0"/>
-                        </a:spcAft>
-                        <a:buClr>
-                          <a:srgbClr val="000000"/>
-                        </a:buClr>
-                        <a:buSzPts val="1100"/>
-                        <a:buFont typeface="Arial"/>
-                        <a:buNone/>
-                      </a:pPr>
-                      <a:r>
-                        <a:rPr lang="en" sz="800">
-                          <a:solidFill>
-                            <a:schemeClr val="dk2"/>
-                          </a:solidFill>
-                          <a:latin typeface="Montserrat"/>
-                          <a:ea typeface="Montserrat"/>
-                          <a:cs typeface="Montserrat"/>
-                          <a:sym typeface="Montserrat"/>
-                        </a:rPr>
-                        <a:t>What you can do</a:t>
-                      </a:r>
-                      <a:endParaRPr sz="800">
-                        <a:solidFill>
-                          <a:schemeClr val="dk2"/>
-                        </a:solidFill>
-                        <a:latin typeface="Montserrat"/>
-                        <a:ea typeface="Montserrat"/>
-                        <a:cs typeface="Montserrat"/>
-                        <a:sym typeface="Montserrat"/>
-                      </a:endParaRPr>
-                    </a:p>
-                    <a:p>
-                      <a:pPr marL="0" lvl="0" indent="0" algn="l" rtl="0">
-                        <a:spcBef>
-                          <a:spcPts val="0"/>
-                        </a:spcBef>
-                        <a:spcAft>
-                          <a:spcPts val="0"/>
-                        </a:spcAft>
-                        <a:buClr>
-                          <a:srgbClr val="000000"/>
-                        </a:buClr>
-                        <a:buSzPts val="1100"/>
-                        <a:buFont typeface="Arial"/>
-                        <a:buNone/>
-                      </a:pPr>
-                      <a:r>
-                        <a:rPr lang="en" sz="800" i="1">
-                          <a:solidFill>
-                            <a:schemeClr val="dk2"/>
-                          </a:solidFill>
-                          <a:latin typeface="Montserrat"/>
-                          <a:ea typeface="Montserrat"/>
-                          <a:cs typeface="Montserrat"/>
-                          <a:sym typeface="Montserrat"/>
-                        </a:rPr>
-                        <a:t>Your skills, talent, experience, know-how.</a:t>
-                      </a:r>
-                      <a:endParaRPr sz="800" i="1">
-                        <a:solidFill>
-                          <a:schemeClr val="dk2"/>
-                        </a:solidFill>
-                        <a:latin typeface="Montserrat"/>
-                        <a:ea typeface="Montserrat"/>
-                        <a:cs typeface="Montserrat"/>
-                        <a:sym typeface="Montserrat"/>
-                      </a:endParaRPr>
-                    </a:p>
-                    <a:p>
-                      <a:pPr marL="0" lvl="0" indent="0" algn="l" rtl="0">
-                        <a:spcBef>
-                          <a:spcPts val="0"/>
-                        </a:spcBef>
-                        <a:spcAft>
-                          <a:spcPts val="0"/>
-                        </a:spcAft>
-                        <a:buClr>
-                          <a:srgbClr val="000000"/>
-                        </a:buClr>
-                        <a:buSzPts val="1100"/>
-                        <a:buFont typeface="Arial"/>
-                        <a:buNone/>
-                      </a:pPr>
-                      <a:endParaRPr sz="800" i="1">
-                        <a:solidFill>
-                          <a:schemeClr val="dk2"/>
-                        </a:solidFill>
-                        <a:latin typeface="Montserrat"/>
-                        <a:ea typeface="Montserrat"/>
-                        <a:cs typeface="Montserrat"/>
-                        <a:sym typeface="Montserrat"/>
-                      </a:endParaRPr>
-                    </a:p>
-                    <a:p>
-                      <a:pPr marL="0" lvl="0" indent="0" algn="l" rtl="0">
-                        <a:spcBef>
-                          <a:spcPts val="0"/>
-                        </a:spcBef>
-                        <a:spcAft>
-                          <a:spcPts val="0"/>
-                        </a:spcAft>
-                        <a:buClr>
-                          <a:srgbClr val="000000"/>
-                        </a:buClr>
-                        <a:buSzPts val="1100"/>
-                        <a:buFont typeface="Arial"/>
-                        <a:buNone/>
-                      </a:pPr>
-                      <a:r>
-                        <a:rPr lang="en" sz="800" i="1">
-                          <a:solidFill>
-                            <a:schemeClr val="dk2"/>
-                          </a:solidFill>
-                          <a:latin typeface="Montserrat"/>
-                          <a:ea typeface="Montserrat"/>
-                          <a:cs typeface="Montserrat"/>
-                          <a:sym typeface="Montserrat"/>
-                        </a:rPr>
-                        <a:t>Hint: Top skills exercise.</a:t>
-                      </a:r>
-                      <a:endParaRPr sz="900" b="1">
-                        <a:solidFill>
-                          <a:schemeClr val="dk2"/>
-                        </a:solidFill>
-                        <a:latin typeface="Montserrat"/>
-                        <a:ea typeface="Montserrat"/>
-                        <a:cs typeface="Montserrat"/>
-                        <a:sym typeface="Montserrat"/>
-                      </a:endParaRPr>
-                    </a:p>
-                  </a:txBody>
-                  <a:tcPr marL="91425" marR="91425" marT="91425" marB="91425">
-                    <a:lnL w="9525" cap="flat" cmpd="sng">
-                      <a:solidFill>
-                        <a:srgbClr val="64C3F5"/>
-                      </a:solidFill>
-                      <a:prstDash val="solid"/>
-                      <a:round/>
-                      <a:headEnd type="none" w="sm" len="sm"/>
-                      <a:tailEnd type="none" w="sm" len="sm"/>
-                    </a:lnL>
-                    <a:lnR w="9525" cap="flat" cmpd="sng">
-                      <a:solidFill>
-                        <a:srgbClr val="64C3F5"/>
-                      </a:solidFill>
-                      <a:prstDash val="solid"/>
-                      <a:round/>
-                      <a:headEnd type="none" w="sm" len="sm"/>
-                      <a:tailEnd type="none" w="sm" len="sm"/>
-                    </a:lnR>
-                    <a:lnT w="9525" cap="flat" cmpd="sng">
-                      <a:solidFill>
-                        <a:srgbClr val="64C3F5"/>
-                      </a:solidFill>
-                      <a:prstDash val="solid"/>
-                      <a:round/>
-                      <a:headEnd type="none" w="sm" len="sm"/>
-                      <a:tailEnd type="none" w="sm" len="sm"/>
-                    </a:lnT>
-                    <a:lnB w="9525" cap="flat" cmpd="sng">
-                      <a:solidFill>
-                        <a:srgbClr val="64C3F5"/>
-                      </a:solidFill>
-                      <a:prstDash val="solid"/>
-                      <a:round/>
-                      <a:headEnd type="none" w="sm" len="sm"/>
-                      <a:tailEnd type="none" w="sm" len="sm"/>
-                    </a:lnB>
-                  </a:tcPr>
-                </a:tc>
-                <a:tc>
-                  <a:txBody>
-                    <a:bodyPr/>
-                    <a:lstStyle/>
-                    <a:p>
-                      <a:pPr marL="0" lvl="0" indent="0" algn="l" rtl="0">
-                        <a:spcBef>
-                          <a:spcPts val="0"/>
-                        </a:spcBef>
-                        <a:spcAft>
-                          <a:spcPts val="0"/>
-                        </a:spcAft>
-                        <a:buClr>
-                          <a:srgbClr val="000000"/>
-                        </a:buClr>
-                        <a:buSzPts val="1100"/>
-                        <a:buFont typeface="Arial"/>
-                        <a:buNone/>
-                      </a:pPr>
-                      <a:r>
-                        <a:rPr lang="en" sz="900" b="1">
-                          <a:solidFill>
-                            <a:schemeClr val="dk2"/>
-                          </a:solidFill>
-                          <a:latin typeface="Montserrat"/>
-                          <a:ea typeface="Montserrat"/>
-                          <a:cs typeface="Montserrat"/>
-                          <a:sym typeface="Montserrat"/>
-                        </a:rPr>
-                        <a:t>4. Your goal</a:t>
-                      </a:r>
-                      <a:endParaRPr sz="900" b="1">
-                        <a:solidFill>
-                          <a:schemeClr val="dk2"/>
-                        </a:solidFill>
-                        <a:latin typeface="Montserrat"/>
-                        <a:ea typeface="Montserrat"/>
-                        <a:cs typeface="Montserrat"/>
-                        <a:sym typeface="Montserrat"/>
-                      </a:endParaRPr>
-                    </a:p>
-                    <a:p>
-                      <a:pPr marL="0" lvl="0" indent="0" algn="l" rtl="0">
-                        <a:spcBef>
-                          <a:spcPts val="0"/>
-                        </a:spcBef>
-                        <a:spcAft>
-                          <a:spcPts val="0"/>
-                        </a:spcAft>
-                        <a:buClr>
-                          <a:srgbClr val="000000"/>
-                        </a:buClr>
-                        <a:buSzPts val="1100"/>
-                        <a:buFont typeface="Arial"/>
-                        <a:buNone/>
-                      </a:pPr>
-                      <a:r>
-                        <a:rPr lang="en" sz="800" i="1">
-                          <a:solidFill>
-                            <a:schemeClr val="dk2"/>
-                          </a:solidFill>
-                          <a:latin typeface="Montserrat"/>
-                          <a:ea typeface="Montserrat"/>
-                          <a:cs typeface="Montserrat"/>
-                          <a:sym typeface="Montserrat"/>
-                        </a:rPr>
-                        <a:t>What do you want to achieve?</a:t>
-                      </a:r>
-                      <a:endParaRPr sz="800" i="1">
-                        <a:solidFill>
-                          <a:schemeClr val="dk2"/>
-                        </a:solidFill>
-                        <a:latin typeface="Montserrat"/>
-                        <a:ea typeface="Montserrat"/>
-                        <a:cs typeface="Montserrat"/>
-                        <a:sym typeface="Montserrat"/>
-                      </a:endParaRPr>
-                    </a:p>
-                    <a:p>
-                      <a:pPr marL="0" lvl="0" indent="0" algn="l" rtl="0">
-                        <a:spcBef>
-                          <a:spcPts val="0"/>
-                        </a:spcBef>
-                        <a:spcAft>
-                          <a:spcPts val="0"/>
-                        </a:spcAft>
-                        <a:buClr>
-                          <a:srgbClr val="000000"/>
-                        </a:buClr>
-                        <a:buSzPts val="1100"/>
-                        <a:buFont typeface="Arial"/>
-                        <a:buNone/>
-                      </a:pPr>
-                      <a:endParaRPr sz="800" i="1">
-                        <a:solidFill>
-                          <a:schemeClr val="dk2"/>
-                        </a:solidFill>
-                        <a:latin typeface="Montserrat"/>
-                        <a:ea typeface="Montserrat"/>
-                        <a:cs typeface="Montserrat"/>
-                        <a:sym typeface="Montserrat"/>
-                      </a:endParaRPr>
-                    </a:p>
-                    <a:p>
-                      <a:pPr marL="0" lvl="0" indent="0" algn="l" rtl="0">
-                        <a:spcBef>
-                          <a:spcPts val="0"/>
-                        </a:spcBef>
-                        <a:spcAft>
-                          <a:spcPts val="0"/>
-                        </a:spcAft>
-                        <a:buClr>
-                          <a:srgbClr val="000000"/>
-                        </a:buClr>
-                        <a:buSzPts val="1100"/>
-                        <a:buFont typeface="Arial"/>
-                        <a:buNone/>
-                      </a:pPr>
-                      <a:r>
-                        <a:rPr lang="en" sz="800" i="1">
-                          <a:solidFill>
-                            <a:schemeClr val="dk2"/>
-                          </a:solidFill>
-                          <a:latin typeface="Montserrat"/>
-                          <a:ea typeface="Montserrat"/>
-                          <a:cs typeface="Montserrat"/>
-                          <a:sym typeface="Montserrat"/>
-                        </a:rPr>
-                        <a:t> </a:t>
-                      </a:r>
-                      <a:endParaRPr sz="800" i="1">
-                        <a:solidFill>
-                          <a:schemeClr val="dk2"/>
-                        </a:solidFill>
-                        <a:latin typeface="Montserrat"/>
-                        <a:ea typeface="Montserrat"/>
-                        <a:cs typeface="Montserrat"/>
-                        <a:sym typeface="Montserrat"/>
-                      </a:endParaRPr>
-                    </a:p>
-                    <a:p>
-                      <a:pPr marL="0" lvl="0" indent="0" algn="l" rtl="0">
-                        <a:spcBef>
-                          <a:spcPts val="0"/>
-                        </a:spcBef>
-                        <a:spcAft>
-                          <a:spcPts val="0"/>
-                        </a:spcAft>
-                        <a:buClr>
-                          <a:srgbClr val="000000"/>
-                        </a:buClr>
-                        <a:buSzPts val="1100"/>
-                        <a:buFont typeface="Arial"/>
-                        <a:buNone/>
-                      </a:pPr>
-                      <a:endParaRPr sz="800" i="1">
-                        <a:solidFill>
-                          <a:schemeClr val="dk2"/>
-                        </a:solidFill>
-                        <a:latin typeface="Montserrat"/>
-                        <a:ea typeface="Montserrat"/>
-                        <a:cs typeface="Montserrat"/>
-                        <a:sym typeface="Montserrat"/>
-                      </a:endParaRPr>
-                    </a:p>
-                    <a:p>
-                      <a:pPr marL="0" lvl="0" indent="0" algn="l" rtl="0">
-                        <a:spcBef>
-                          <a:spcPts val="0"/>
-                        </a:spcBef>
-                        <a:spcAft>
-                          <a:spcPts val="0"/>
-                        </a:spcAft>
-                        <a:buClr>
-                          <a:srgbClr val="000000"/>
-                        </a:buClr>
-                        <a:buSzPts val="1100"/>
-                        <a:buFont typeface="Arial"/>
-                        <a:buNone/>
-                      </a:pPr>
-                      <a:r>
-                        <a:rPr lang="en" sz="800" i="1">
-                          <a:solidFill>
-                            <a:schemeClr val="dk2"/>
-                          </a:solidFill>
-                          <a:latin typeface="Montserrat"/>
-                          <a:ea typeface="Montserrat"/>
-                          <a:cs typeface="Montserrat"/>
-                          <a:sym typeface="Montserrat"/>
-                        </a:rPr>
-                        <a:t>Hint: Contract exercise. DYNAMIC</a:t>
-                      </a:r>
-                      <a:endParaRPr sz="800" i="1">
-                        <a:solidFill>
-                          <a:schemeClr val="dk2"/>
-                        </a:solidFill>
-                        <a:latin typeface="Montserrat"/>
-                        <a:ea typeface="Montserrat"/>
-                        <a:cs typeface="Montserrat"/>
-                        <a:sym typeface="Montserrat"/>
-                      </a:endParaRPr>
-                    </a:p>
-                  </a:txBody>
-                  <a:tcPr marL="91425" marR="91425" marT="91425" marB="91425">
-                    <a:lnL w="9525" cap="flat" cmpd="sng">
-                      <a:solidFill>
-                        <a:srgbClr val="64C3F5"/>
-                      </a:solidFill>
-                      <a:prstDash val="solid"/>
-                      <a:round/>
-                      <a:headEnd type="none" w="sm" len="sm"/>
-                      <a:tailEnd type="none" w="sm" len="sm"/>
-                    </a:lnL>
-                    <a:lnR w="9525" cap="flat" cmpd="sng">
-                      <a:solidFill>
-                        <a:srgbClr val="64C3F5"/>
-                      </a:solidFill>
-                      <a:prstDash val="solid"/>
-                      <a:round/>
-                      <a:headEnd type="none" w="sm" len="sm"/>
-                      <a:tailEnd type="none" w="sm" len="sm"/>
-                    </a:lnR>
-                    <a:lnT w="9525" cap="flat" cmpd="sng">
-                      <a:solidFill>
-                        <a:srgbClr val="64C3F5"/>
-                      </a:solidFill>
-                      <a:prstDash val="solid"/>
-                      <a:round/>
-                      <a:headEnd type="none" w="sm" len="sm"/>
-                      <a:tailEnd type="none" w="sm" len="sm"/>
-                    </a:lnT>
-                    <a:lnB w="9525" cap="flat" cmpd="sng">
-                      <a:solidFill>
-                        <a:srgbClr val="64C3F5"/>
-                      </a:solidFill>
-                      <a:prstDash val="solid"/>
-                      <a:round/>
-                      <a:headEnd type="none" w="sm" len="sm"/>
-                      <a:tailEnd type="none" w="sm" len="sm"/>
-                    </a:lnB>
-                  </a:tcPr>
-                </a:tc>
-                <a:tc>
-                  <a:txBody>
-                    <a:bodyPr/>
-                    <a:lstStyle/>
-                    <a:p>
-                      <a:pPr marL="0" lvl="0" indent="0" algn="l" rtl="0">
-                        <a:spcBef>
-                          <a:spcPts val="0"/>
-                        </a:spcBef>
-                        <a:spcAft>
-                          <a:spcPts val="0"/>
-                        </a:spcAft>
-                        <a:buClr>
-                          <a:srgbClr val="000000"/>
-                        </a:buClr>
-                        <a:buSzPts val="1100"/>
-                        <a:buFont typeface="Arial"/>
-                        <a:buNone/>
-                      </a:pPr>
-                      <a:r>
-                        <a:rPr lang="en" sz="900" b="1">
-                          <a:solidFill>
-                            <a:schemeClr val="dk2"/>
-                          </a:solidFill>
-                          <a:latin typeface="Montserrat"/>
-                          <a:ea typeface="Montserrat"/>
-                          <a:cs typeface="Montserrat"/>
-                          <a:sym typeface="Montserrat"/>
-                        </a:rPr>
-                        <a:t>6. Personal Branding Statement </a:t>
-                      </a:r>
-                      <a:br>
-                        <a:rPr lang="en" sz="900" b="1">
-                          <a:solidFill>
-                            <a:schemeClr val="dk2"/>
-                          </a:solidFill>
-                          <a:latin typeface="Montserrat"/>
-                          <a:ea typeface="Montserrat"/>
-                          <a:cs typeface="Montserrat"/>
-                          <a:sym typeface="Montserrat"/>
-                        </a:rPr>
-                      </a:br>
-                      <a:r>
-                        <a:rPr lang="en" sz="800" i="1">
-                          <a:solidFill>
-                            <a:schemeClr val="dk2"/>
-                          </a:solidFill>
-                          <a:latin typeface="Montserrat"/>
-                          <a:ea typeface="Montserrat"/>
-                          <a:cs typeface="Montserrat"/>
-                          <a:sym typeface="Montserrat"/>
-                        </a:rPr>
-                        <a:t>Tie it all together</a:t>
-                      </a:r>
-                      <a:endParaRPr sz="800" i="1">
-                        <a:solidFill>
-                          <a:schemeClr val="dk2"/>
-                        </a:solidFill>
-                        <a:latin typeface="Montserrat"/>
-                        <a:ea typeface="Montserrat"/>
-                        <a:cs typeface="Montserrat"/>
-                        <a:sym typeface="Montserrat"/>
-                      </a:endParaRPr>
-                    </a:p>
-                    <a:p>
-                      <a:pPr marL="0" lvl="0" indent="0" algn="l" rtl="0">
-                        <a:spcBef>
-                          <a:spcPts val="0"/>
-                        </a:spcBef>
-                        <a:spcAft>
-                          <a:spcPts val="0"/>
-                        </a:spcAft>
-                        <a:buClr>
-                          <a:srgbClr val="000000"/>
-                        </a:buClr>
-                        <a:buSzPts val="1100"/>
-                        <a:buFont typeface="Arial"/>
-                        <a:buNone/>
-                      </a:pPr>
-                      <a:endParaRPr sz="800" i="1">
-                        <a:solidFill>
-                          <a:schemeClr val="dk2"/>
-                        </a:solidFill>
-                        <a:latin typeface="Montserrat"/>
-                        <a:ea typeface="Montserrat"/>
-                        <a:cs typeface="Montserrat"/>
-                        <a:sym typeface="Montserrat"/>
-                      </a:endParaRPr>
-                    </a:p>
-                    <a:p>
-                      <a:pPr marL="0" lvl="0" indent="0" algn="l" rtl="0">
-                        <a:spcBef>
-                          <a:spcPts val="0"/>
-                        </a:spcBef>
-                        <a:spcAft>
-                          <a:spcPts val="0"/>
-                        </a:spcAft>
-                        <a:buClr>
-                          <a:srgbClr val="000000"/>
-                        </a:buClr>
-                        <a:buSzPts val="1100"/>
-                        <a:buFont typeface="Arial"/>
-                        <a:buNone/>
-                      </a:pPr>
-                      <a:r>
-                        <a:rPr lang="en" sz="800" i="1">
-                          <a:solidFill>
-                            <a:schemeClr val="dk2"/>
-                          </a:solidFill>
-                          <a:latin typeface="Montserrat"/>
-                          <a:ea typeface="Montserrat"/>
-                          <a:cs typeface="Montserrat"/>
-                          <a:sym typeface="Montserrat"/>
-                        </a:rPr>
-                        <a:t>1 + 2 + 3 + 4 + 5</a:t>
-                      </a:r>
-                      <a:endParaRPr sz="800" i="1">
-                        <a:solidFill>
-                          <a:schemeClr val="dk2"/>
-                        </a:solidFill>
-                        <a:latin typeface="Montserrat"/>
-                        <a:ea typeface="Montserrat"/>
-                        <a:cs typeface="Montserrat"/>
-                        <a:sym typeface="Montserrat"/>
-                      </a:endParaRPr>
-                    </a:p>
-                    <a:p>
-                      <a:pPr marL="0" lvl="0" indent="0" algn="l" rtl="0">
-                        <a:spcBef>
-                          <a:spcPts val="0"/>
-                        </a:spcBef>
-                        <a:spcAft>
-                          <a:spcPts val="0"/>
-                        </a:spcAft>
-                        <a:buClr>
-                          <a:srgbClr val="000000"/>
-                        </a:buClr>
-                        <a:buSzPts val="1100"/>
-                        <a:buFont typeface="Arial"/>
-                        <a:buNone/>
-                      </a:pPr>
-                      <a:endParaRPr sz="800" i="1">
-                        <a:solidFill>
-                          <a:schemeClr val="dk2"/>
-                        </a:solidFill>
-                        <a:latin typeface="Montserrat"/>
-                        <a:ea typeface="Montserrat"/>
-                        <a:cs typeface="Montserrat"/>
-                        <a:sym typeface="Montserrat"/>
-                      </a:endParaRPr>
-                    </a:p>
-                    <a:p>
-                      <a:pPr marL="0" lvl="0" indent="0" algn="l" rtl="0">
-                        <a:spcBef>
-                          <a:spcPts val="0"/>
-                        </a:spcBef>
-                        <a:spcAft>
-                          <a:spcPts val="0"/>
-                        </a:spcAft>
-                        <a:buClr>
-                          <a:srgbClr val="000000"/>
-                        </a:buClr>
-                        <a:buSzPts val="1100"/>
-                        <a:buFont typeface="Arial"/>
-                        <a:buNone/>
-                      </a:pPr>
-                      <a:r>
-                        <a:rPr lang="en" sz="800" i="1">
-                          <a:solidFill>
-                            <a:schemeClr val="dk2"/>
-                          </a:solidFill>
-                          <a:latin typeface="Montserrat"/>
-                          <a:ea typeface="Montserrat"/>
-                          <a:cs typeface="Montserrat"/>
-                          <a:sym typeface="Montserrat"/>
-                        </a:rPr>
-                        <a:t>Hint: Branding statement exercise</a:t>
-                      </a:r>
-                      <a:endParaRPr sz="900" b="1">
-                        <a:solidFill>
-                          <a:schemeClr val="dk2"/>
-                        </a:solidFill>
-                        <a:latin typeface="Montserrat"/>
-                        <a:ea typeface="Montserrat"/>
-                        <a:cs typeface="Montserrat"/>
-                        <a:sym typeface="Montserrat"/>
-                      </a:endParaRPr>
-                    </a:p>
-                  </a:txBody>
-                  <a:tcPr marL="91425" marR="91425" marT="91425" marB="91425">
-                    <a:lnL w="9525" cap="flat" cmpd="sng">
-                      <a:solidFill>
-                        <a:srgbClr val="64C3F5"/>
-                      </a:solidFill>
-                      <a:prstDash val="solid"/>
-                      <a:round/>
-                      <a:headEnd type="none" w="sm" len="sm"/>
-                      <a:tailEnd type="none" w="sm" len="sm"/>
-                    </a:lnL>
-                    <a:lnR w="9525" cap="flat" cmpd="sng">
-                      <a:solidFill>
-                        <a:srgbClr val="64C3F5"/>
-                      </a:solidFill>
-                      <a:prstDash val="solid"/>
-                      <a:round/>
-                      <a:headEnd type="none" w="sm" len="sm"/>
-                      <a:tailEnd type="none" w="sm" len="sm"/>
-                    </a:lnR>
-                    <a:lnT w="9525" cap="flat" cmpd="sng">
-                      <a:solidFill>
-                        <a:srgbClr val="64C3F5"/>
-                      </a:solidFill>
-                      <a:prstDash val="solid"/>
-                      <a:round/>
-                      <a:headEnd type="none" w="sm" len="sm"/>
-                      <a:tailEnd type="none" w="sm" len="sm"/>
-                    </a:lnT>
-                    <a:lnB w="9525" cap="flat" cmpd="sng">
-                      <a:solidFill>
-                        <a:srgbClr val="64C3F5"/>
-                      </a:solidFill>
-                      <a:prstDash val="solid"/>
-                      <a:round/>
-                      <a:headEnd type="none" w="sm" len="sm"/>
-                      <a:tailEnd type="none" w="sm" len="sm"/>
-                    </a:lnB>
-                  </a:tcPr>
-                </a:tc>
-                <a:tc>
-                  <a:txBody>
-                    <a:bodyPr/>
-                    <a:lstStyle/>
-                    <a:p>
-                      <a:pPr marL="0" lvl="0" indent="0" algn="l" rtl="0">
-                        <a:spcBef>
-                          <a:spcPts val="0"/>
-                        </a:spcBef>
-                        <a:spcAft>
-                          <a:spcPts val="0"/>
-                        </a:spcAft>
-                        <a:buClr>
-                          <a:srgbClr val="000000"/>
-                        </a:buClr>
-                        <a:buSzPts val="1100"/>
-                        <a:buFont typeface="Arial"/>
-                        <a:buNone/>
-                      </a:pPr>
-                      <a:r>
-                        <a:rPr lang="en" sz="900" b="1">
-                          <a:solidFill>
-                            <a:schemeClr val="dk2"/>
-                          </a:solidFill>
-                          <a:latin typeface="Montserrat"/>
-                          <a:ea typeface="Montserrat"/>
-                          <a:cs typeface="Montserrat"/>
-                          <a:sym typeface="Montserrat"/>
-                        </a:rPr>
-                        <a:t>8. Promote your brand</a:t>
-                      </a:r>
-                      <a:br>
-                        <a:rPr lang="en" sz="900" b="1">
-                          <a:solidFill>
-                            <a:schemeClr val="dk2"/>
-                          </a:solidFill>
-                          <a:latin typeface="Montserrat"/>
-                          <a:ea typeface="Montserrat"/>
-                          <a:cs typeface="Montserrat"/>
-                          <a:sym typeface="Montserrat"/>
-                        </a:rPr>
-                      </a:br>
-                      <a:r>
-                        <a:rPr lang="en" sz="800" i="1">
-                          <a:solidFill>
-                            <a:schemeClr val="dk2"/>
-                          </a:solidFill>
-                          <a:latin typeface="Montserrat"/>
-                          <a:ea typeface="Montserrat"/>
-                          <a:cs typeface="Montserrat"/>
-                          <a:sym typeface="Montserrat"/>
-                        </a:rPr>
-                        <a:t>Es: social networks, personal website, marketplaces, new offices or branches, new service or product types, etc.</a:t>
-                      </a:r>
-                      <a:endParaRPr sz="900" b="1">
-                        <a:solidFill>
-                          <a:schemeClr val="dk2"/>
-                        </a:solidFill>
-                        <a:latin typeface="Montserrat"/>
-                        <a:ea typeface="Montserrat"/>
-                        <a:cs typeface="Montserrat"/>
-                        <a:sym typeface="Montserrat"/>
-                      </a:endParaRPr>
-                    </a:p>
-                    <a:p>
-                      <a:pPr marL="0" lvl="0" indent="0" algn="l" rtl="0">
-                        <a:spcBef>
-                          <a:spcPts val="0"/>
-                        </a:spcBef>
-                        <a:spcAft>
-                          <a:spcPts val="0"/>
-                        </a:spcAft>
-                        <a:buNone/>
-                      </a:pPr>
-                      <a:endParaRPr sz="800" i="1">
-                        <a:solidFill>
-                          <a:schemeClr val="dk2"/>
-                        </a:solidFill>
-                        <a:latin typeface="Montserrat"/>
-                        <a:ea typeface="Montserrat"/>
-                        <a:cs typeface="Montserrat"/>
-                        <a:sym typeface="Montserrat"/>
-                      </a:endParaRPr>
-                    </a:p>
-                    <a:p>
-                      <a:pPr marL="0" lvl="0" indent="0" algn="l" rtl="0">
-                        <a:spcBef>
-                          <a:spcPts val="0"/>
-                        </a:spcBef>
-                        <a:spcAft>
-                          <a:spcPts val="0"/>
-                        </a:spcAft>
-                        <a:buNone/>
-                      </a:pPr>
-                      <a:r>
-                        <a:rPr lang="en" sz="800" i="1">
-                          <a:solidFill>
-                            <a:schemeClr val="dk2"/>
-                          </a:solidFill>
-                          <a:latin typeface="Montserrat"/>
-                          <a:ea typeface="Montserrat"/>
-                          <a:cs typeface="Montserrat"/>
-                          <a:sym typeface="Montserrat"/>
-                        </a:rPr>
-                        <a:t>Hint: Networking challenges</a:t>
-                      </a:r>
-                      <a:endParaRPr sz="900" b="1">
-                        <a:solidFill>
-                          <a:schemeClr val="dk2"/>
-                        </a:solidFill>
-                        <a:latin typeface="Montserrat"/>
-                        <a:ea typeface="Montserrat"/>
-                        <a:cs typeface="Montserrat"/>
-                        <a:sym typeface="Montserrat"/>
-                      </a:endParaRPr>
-                    </a:p>
-                  </a:txBody>
-                  <a:tcPr marL="91425" marR="91425" marT="91425" marB="91425">
-                    <a:lnL w="9525" cap="flat" cmpd="sng">
-                      <a:solidFill>
-                        <a:srgbClr val="64C3F5"/>
-                      </a:solidFill>
-                      <a:prstDash val="solid"/>
-                      <a:round/>
-                      <a:headEnd type="none" w="sm" len="sm"/>
-                      <a:tailEnd type="none" w="sm" len="sm"/>
-                    </a:lnL>
-                    <a:lnR w="9525" cap="flat" cmpd="sng">
-                      <a:solidFill>
-                        <a:srgbClr val="64C3F5"/>
-                      </a:solidFill>
-                      <a:prstDash val="solid"/>
-                      <a:round/>
-                      <a:headEnd type="none" w="sm" len="sm"/>
-                      <a:tailEnd type="none" w="sm" len="sm"/>
-                    </a:lnR>
-                    <a:lnT w="9525" cap="flat" cmpd="sng">
-                      <a:solidFill>
-                        <a:srgbClr val="64C3F5"/>
-                      </a:solidFill>
-                      <a:prstDash val="solid"/>
-                      <a:round/>
-                      <a:headEnd type="none" w="sm" len="sm"/>
-                      <a:tailEnd type="none" w="sm" len="sm"/>
-                    </a:lnT>
-                    <a:lnB w="9525" cap="flat" cmpd="sng">
-                      <a:solidFill>
-                        <a:srgbClr val="64C3F5"/>
-                      </a:solidFill>
-                      <a:prstDash val="solid"/>
-                      <a:round/>
-                      <a:headEnd type="none" w="sm" len="sm"/>
-                      <a:tailEnd type="none" w="sm" len="sm"/>
-                    </a:lnB>
-                  </a:tcPr>
-                </a:tc>
-                <a:extLst>
-                  <a:ext uri="{0D108BD9-81ED-4DB2-BD59-A6C34878D82A}">
-                    <a16:rowId xmlns:a16="http://schemas.microsoft.com/office/drawing/2014/main" val="10002"/>
-                  </a:ext>
-                </a:extLst>
-              </a:tr>
-              <a:tr h="1246450">
-                <a:tc>
-                  <a:txBody>
-                    <a:bodyPr/>
-                    <a:lstStyle/>
-                    <a:p>
-                      <a:pPr marL="0" lvl="0" indent="0" algn="l" rtl="0">
-                        <a:spcBef>
-                          <a:spcPts val="0"/>
-                        </a:spcBef>
-                        <a:spcAft>
-                          <a:spcPts val="0"/>
-                        </a:spcAft>
-                        <a:buClr>
-                          <a:schemeClr val="dk1"/>
-                        </a:buClr>
-                        <a:buSzPts val="1100"/>
-                        <a:buFont typeface="Arial"/>
-                        <a:buNone/>
-                      </a:pPr>
-                      <a:r>
-                        <a:rPr lang="en" sz="900" i="1">
-                          <a:solidFill>
-                            <a:schemeClr val="dk2"/>
-                          </a:solidFill>
-                          <a:latin typeface="Work Sans"/>
-                          <a:ea typeface="Work Sans"/>
-                          <a:cs typeface="Work Sans"/>
-                          <a:sym typeface="Work Sans"/>
-                        </a:rPr>
-                        <a:t>Write here</a:t>
-                      </a:r>
-                      <a:endParaRPr sz="900" i="1">
-                        <a:solidFill>
-                          <a:schemeClr val="dk2"/>
-                        </a:solidFill>
-                        <a:latin typeface="Work Sans"/>
-                        <a:ea typeface="Work Sans"/>
-                        <a:cs typeface="Work Sans"/>
-                        <a:sym typeface="Work Sans"/>
-                      </a:endParaRPr>
-                    </a:p>
-                    <a:p>
-                      <a:pPr marL="0" lvl="0" indent="0" algn="l" rtl="0">
-                        <a:spcBef>
-                          <a:spcPts val="0"/>
-                        </a:spcBef>
-                        <a:spcAft>
-                          <a:spcPts val="0"/>
-                        </a:spcAft>
-                        <a:buNone/>
-                      </a:pPr>
-                      <a:endParaRPr sz="900" i="1">
-                        <a:solidFill>
-                          <a:schemeClr val="dk2"/>
-                        </a:solidFill>
-                        <a:latin typeface="Work Sans"/>
-                        <a:ea typeface="Work Sans"/>
-                        <a:cs typeface="Work Sans"/>
-                        <a:sym typeface="Work Sans"/>
-                      </a:endParaRPr>
-                    </a:p>
-                  </a:txBody>
-                  <a:tcPr marL="91425" marR="91425" marT="91425" marB="91425">
-                    <a:lnL w="9525" cap="flat" cmpd="sng">
-                      <a:solidFill>
-                        <a:srgbClr val="64C3F5"/>
-                      </a:solidFill>
-                      <a:prstDash val="solid"/>
-                      <a:round/>
-                      <a:headEnd type="none" w="sm" len="sm"/>
-                      <a:tailEnd type="none" w="sm" len="sm"/>
-                    </a:lnL>
-                    <a:lnR w="9525" cap="flat" cmpd="sng">
-                      <a:solidFill>
-                        <a:srgbClr val="64C3F5"/>
-                      </a:solidFill>
-                      <a:prstDash val="solid"/>
-                      <a:round/>
-                      <a:headEnd type="none" w="sm" len="sm"/>
-                      <a:tailEnd type="none" w="sm" len="sm"/>
-                    </a:lnR>
-                    <a:lnT w="9525" cap="flat" cmpd="sng">
-                      <a:solidFill>
-                        <a:srgbClr val="64C3F5"/>
-                      </a:solidFill>
-                      <a:prstDash val="solid"/>
-                      <a:round/>
-                      <a:headEnd type="none" w="sm" len="sm"/>
-                      <a:tailEnd type="none" w="sm" len="sm"/>
-                    </a:lnT>
-                    <a:lnB w="9525" cap="flat" cmpd="sng">
-                      <a:solidFill>
-                        <a:srgbClr val="64C3F5"/>
-                      </a:solidFill>
-                      <a:prstDash val="solid"/>
-                      <a:round/>
-                      <a:headEnd type="none" w="sm" len="sm"/>
-                      <a:tailEnd type="none" w="sm" len="sm"/>
-                    </a:lnB>
-                  </a:tcPr>
-                </a:tc>
-                <a:tc>
-                  <a:txBody>
-                    <a:bodyPr/>
-                    <a:lstStyle/>
-                    <a:p>
-                      <a:pPr marL="0" lvl="0" indent="0" algn="l" rtl="0">
-                        <a:spcBef>
-                          <a:spcPts val="0"/>
-                        </a:spcBef>
-                        <a:spcAft>
-                          <a:spcPts val="0"/>
-                        </a:spcAft>
-                        <a:buClr>
-                          <a:schemeClr val="dk1"/>
-                        </a:buClr>
-                        <a:buSzPts val="1100"/>
-                        <a:buFont typeface="Arial"/>
-                        <a:buNone/>
-                      </a:pPr>
-                      <a:r>
-                        <a:rPr lang="en" sz="900" i="1">
-                          <a:solidFill>
-                            <a:schemeClr val="dk2"/>
-                          </a:solidFill>
-                          <a:latin typeface="Work Sans"/>
-                          <a:ea typeface="Work Sans"/>
-                          <a:cs typeface="Work Sans"/>
-                          <a:sym typeface="Work Sans"/>
-                        </a:rPr>
-                        <a:t>Write here</a:t>
-                      </a:r>
-                      <a:endParaRPr sz="900" i="1">
-                        <a:solidFill>
-                          <a:schemeClr val="dk2"/>
-                        </a:solidFill>
-                        <a:latin typeface="Work Sans"/>
-                        <a:ea typeface="Work Sans"/>
-                        <a:cs typeface="Work Sans"/>
-                        <a:sym typeface="Work Sans"/>
-                      </a:endParaRPr>
-                    </a:p>
-                    <a:p>
-                      <a:pPr marL="0" lvl="0" indent="0" algn="l" rtl="0">
-                        <a:spcBef>
-                          <a:spcPts val="0"/>
-                        </a:spcBef>
-                        <a:spcAft>
-                          <a:spcPts val="0"/>
-                        </a:spcAft>
-                        <a:buNone/>
-                      </a:pPr>
-                      <a:endParaRPr sz="900" i="1">
-                        <a:solidFill>
-                          <a:schemeClr val="dk2"/>
-                        </a:solidFill>
-                        <a:latin typeface="Work Sans"/>
-                        <a:ea typeface="Work Sans"/>
-                        <a:cs typeface="Work Sans"/>
-                        <a:sym typeface="Work Sans"/>
-                      </a:endParaRPr>
-                    </a:p>
-                  </a:txBody>
-                  <a:tcPr marL="91425" marR="91425" marT="91425" marB="91425">
-                    <a:lnL w="9525" cap="flat" cmpd="sng">
-                      <a:solidFill>
-                        <a:srgbClr val="64C3F5"/>
-                      </a:solidFill>
-                      <a:prstDash val="solid"/>
-                      <a:round/>
-                      <a:headEnd type="none" w="sm" len="sm"/>
-                      <a:tailEnd type="none" w="sm" len="sm"/>
-                    </a:lnL>
-                    <a:lnR w="9525" cap="flat" cmpd="sng">
-                      <a:solidFill>
-                        <a:srgbClr val="64C3F5"/>
-                      </a:solidFill>
-                      <a:prstDash val="solid"/>
-                      <a:round/>
-                      <a:headEnd type="none" w="sm" len="sm"/>
-                      <a:tailEnd type="none" w="sm" len="sm"/>
-                    </a:lnR>
-                    <a:lnT w="9525" cap="flat" cmpd="sng">
-                      <a:solidFill>
-                        <a:srgbClr val="64C3F5"/>
-                      </a:solidFill>
-                      <a:prstDash val="solid"/>
-                      <a:round/>
-                      <a:headEnd type="none" w="sm" len="sm"/>
-                      <a:tailEnd type="none" w="sm" len="sm"/>
-                    </a:lnT>
-                    <a:lnB w="9525" cap="flat" cmpd="sng">
-                      <a:solidFill>
-                        <a:srgbClr val="64C3F5"/>
-                      </a:solidFill>
-                      <a:prstDash val="solid"/>
-                      <a:round/>
-                      <a:headEnd type="none" w="sm" len="sm"/>
-                      <a:tailEnd type="none" w="sm" len="sm"/>
-                    </a:lnB>
-                  </a:tcPr>
-                </a:tc>
-                <a:tc>
-                  <a:txBody>
-                    <a:bodyPr/>
-                    <a:lstStyle/>
-                    <a:p>
-                      <a:pPr marL="0" lvl="0" indent="0" algn="l" rtl="0">
-                        <a:spcBef>
-                          <a:spcPts val="0"/>
-                        </a:spcBef>
-                        <a:spcAft>
-                          <a:spcPts val="0"/>
-                        </a:spcAft>
-                        <a:buClr>
-                          <a:schemeClr val="dk1"/>
-                        </a:buClr>
-                        <a:buSzPts val="1100"/>
-                        <a:buFont typeface="Arial"/>
-                        <a:buNone/>
-                      </a:pPr>
-                      <a:r>
-                        <a:rPr lang="en" sz="900" i="1">
-                          <a:solidFill>
-                            <a:schemeClr val="dk2"/>
-                          </a:solidFill>
-                          <a:latin typeface="Work Sans"/>
-                          <a:ea typeface="Work Sans"/>
-                          <a:cs typeface="Work Sans"/>
-                          <a:sym typeface="Work Sans"/>
-                        </a:rPr>
-                        <a:t>Write here</a:t>
-                      </a:r>
-                      <a:endParaRPr sz="900" i="1">
-                        <a:solidFill>
-                          <a:schemeClr val="dk2"/>
-                        </a:solidFill>
-                        <a:latin typeface="Work Sans"/>
-                        <a:ea typeface="Work Sans"/>
-                        <a:cs typeface="Work Sans"/>
-                        <a:sym typeface="Work Sans"/>
-                      </a:endParaRPr>
-                    </a:p>
-                    <a:p>
-                      <a:pPr marL="0" lvl="0" indent="0" algn="l" rtl="0">
-                        <a:spcBef>
-                          <a:spcPts val="0"/>
-                        </a:spcBef>
-                        <a:spcAft>
-                          <a:spcPts val="0"/>
-                        </a:spcAft>
-                        <a:buNone/>
-                      </a:pPr>
-                      <a:endParaRPr sz="900" i="1">
-                        <a:solidFill>
-                          <a:schemeClr val="dk2"/>
-                        </a:solidFill>
-                        <a:latin typeface="Work Sans"/>
-                        <a:ea typeface="Work Sans"/>
-                        <a:cs typeface="Work Sans"/>
-                        <a:sym typeface="Work Sans"/>
-                      </a:endParaRPr>
-                    </a:p>
-                  </a:txBody>
-                  <a:tcPr marL="91425" marR="91425" marT="91425" marB="91425">
-                    <a:lnL w="9525" cap="flat" cmpd="sng">
-                      <a:solidFill>
-                        <a:srgbClr val="64C3F5"/>
-                      </a:solidFill>
-                      <a:prstDash val="solid"/>
-                      <a:round/>
-                      <a:headEnd type="none" w="sm" len="sm"/>
-                      <a:tailEnd type="none" w="sm" len="sm"/>
-                    </a:lnL>
-                    <a:lnR w="9525" cap="flat" cmpd="sng">
-                      <a:solidFill>
-                        <a:srgbClr val="64C3F5"/>
-                      </a:solidFill>
-                      <a:prstDash val="solid"/>
-                      <a:round/>
-                      <a:headEnd type="none" w="sm" len="sm"/>
-                      <a:tailEnd type="none" w="sm" len="sm"/>
-                    </a:lnR>
-                    <a:lnT w="9525" cap="flat" cmpd="sng">
-                      <a:solidFill>
-                        <a:srgbClr val="64C3F5"/>
-                      </a:solidFill>
-                      <a:prstDash val="solid"/>
-                      <a:round/>
-                      <a:headEnd type="none" w="sm" len="sm"/>
-                      <a:tailEnd type="none" w="sm" len="sm"/>
-                    </a:lnT>
-                    <a:lnB w="9525" cap="flat" cmpd="sng">
-                      <a:solidFill>
-                        <a:srgbClr val="64C3F5"/>
-                      </a:solidFill>
-                      <a:prstDash val="solid"/>
-                      <a:round/>
-                      <a:headEnd type="none" w="sm" len="sm"/>
-                      <a:tailEnd type="none" w="sm" len="sm"/>
-                    </a:lnB>
-                  </a:tcPr>
-                </a:tc>
-                <a:tc>
-                  <a:txBody>
-                    <a:bodyPr/>
-                    <a:lstStyle/>
-                    <a:p>
-                      <a:pPr marL="0" lvl="0" indent="0" algn="l" rtl="0">
-                        <a:spcBef>
-                          <a:spcPts val="0"/>
-                        </a:spcBef>
-                        <a:spcAft>
-                          <a:spcPts val="0"/>
-                        </a:spcAft>
-                        <a:buClr>
-                          <a:schemeClr val="dk1"/>
-                        </a:buClr>
-                        <a:buSzPts val="1100"/>
-                        <a:buFont typeface="Arial"/>
-                        <a:buNone/>
-                      </a:pPr>
-                      <a:r>
-                        <a:rPr lang="en" sz="900" i="1">
-                          <a:solidFill>
-                            <a:schemeClr val="dk2"/>
-                          </a:solidFill>
-                          <a:latin typeface="Work Sans"/>
-                          <a:ea typeface="Work Sans"/>
-                          <a:cs typeface="Work Sans"/>
-                          <a:sym typeface="Work Sans"/>
-                        </a:rPr>
-                        <a:t>Write here</a:t>
-                      </a:r>
-                      <a:endParaRPr sz="900" i="1">
-                        <a:solidFill>
-                          <a:schemeClr val="dk2"/>
-                        </a:solidFill>
-                        <a:latin typeface="Work Sans"/>
-                        <a:ea typeface="Work Sans"/>
-                        <a:cs typeface="Work Sans"/>
-                        <a:sym typeface="Work Sans"/>
-                      </a:endParaRPr>
-                    </a:p>
-                    <a:p>
-                      <a:pPr marL="0" lvl="0" indent="0" algn="l" rtl="0">
-                        <a:spcBef>
-                          <a:spcPts val="0"/>
-                        </a:spcBef>
-                        <a:spcAft>
-                          <a:spcPts val="0"/>
-                        </a:spcAft>
-                        <a:buNone/>
-                      </a:pPr>
-                      <a:endParaRPr sz="900" i="1">
-                        <a:solidFill>
-                          <a:schemeClr val="dk2"/>
-                        </a:solidFill>
-                        <a:latin typeface="Work Sans"/>
-                        <a:ea typeface="Work Sans"/>
-                        <a:cs typeface="Work Sans"/>
-                        <a:sym typeface="Work Sans"/>
-                      </a:endParaRPr>
-                    </a:p>
-                  </a:txBody>
-                  <a:tcPr marL="91425" marR="91425" marT="91425" marB="91425">
-                    <a:lnL w="9525" cap="flat" cmpd="sng">
-                      <a:solidFill>
-                        <a:srgbClr val="64C3F5"/>
-                      </a:solidFill>
-                      <a:prstDash val="solid"/>
-                      <a:round/>
-                      <a:headEnd type="none" w="sm" len="sm"/>
-                      <a:tailEnd type="none" w="sm" len="sm"/>
-                    </a:lnL>
-                    <a:lnR w="9525" cap="flat" cmpd="sng">
-                      <a:solidFill>
-                        <a:srgbClr val="64C3F5"/>
-                      </a:solidFill>
-                      <a:prstDash val="solid"/>
-                      <a:round/>
-                      <a:headEnd type="none" w="sm" len="sm"/>
-                      <a:tailEnd type="none" w="sm" len="sm"/>
-                    </a:lnR>
-                    <a:lnT w="9525" cap="flat" cmpd="sng">
-                      <a:solidFill>
-                        <a:srgbClr val="64C3F5"/>
-                      </a:solidFill>
-                      <a:prstDash val="solid"/>
-                      <a:round/>
-                      <a:headEnd type="none" w="sm" len="sm"/>
-                      <a:tailEnd type="none" w="sm" len="sm"/>
-                    </a:lnT>
-                    <a:lnB w="9525" cap="flat" cmpd="sng">
-                      <a:solidFill>
-                        <a:srgbClr val="64C3F5"/>
-                      </a:solidFill>
-                      <a:prstDash val="solid"/>
-                      <a:round/>
-                      <a:headEnd type="none" w="sm" len="sm"/>
-                      <a:tailEnd type="none" w="sm" len="sm"/>
-                    </a:lnB>
-                  </a:tcPr>
-                </a:tc>
-                <a:extLst>
-                  <a:ext uri="{0D108BD9-81ED-4DB2-BD59-A6C34878D82A}">
-                    <a16:rowId xmlns:a16="http://schemas.microsoft.com/office/drawing/2014/main" val="10003"/>
-                  </a:ext>
-                </a:extLst>
-              </a:tr>
-            </a:tbl>
-          </a:graphicData>
-        </a:graphic>
-      </p:graphicFrame>
-      <p:pic>
-        <p:nvPicPr>
-          <p:cNvPr id="126" name="Google Shape;126;p29"/>
-          <p:cNvPicPr preferRelativeResize="0"/>
-          <p:nvPr/>
-        </p:nvPicPr>
-        <p:blipFill>
-          <a:blip r:embed="rId4">
-            <a:alphaModFix/>
-          </a:blip>
-          <a:stretch>
-            <a:fillRect/>
-          </a:stretch>
-        </p:blipFill>
-        <p:spPr>
-          <a:xfrm>
-            <a:off x="8673300" y="83520"/>
-            <a:ext cx="302039" cy="314400"/>
-          </a:xfrm>
-          <a:prstGeom prst="rect">
-            <a:avLst/>
-          </a:prstGeom>
-          <a:noFill/>
-          <a:ln>
-            <a:noFill/>
-          </a:ln>
-        </p:spPr>
-      </p:pic>
-      <p:sp>
-        <p:nvSpPr>
-          <p:cNvPr id="127" name="Google Shape;127;p29"/>
-          <p:cNvSpPr txBox="1"/>
-          <p:nvPr/>
-        </p:nvSpPr>
-        <p:spPr>
-          <a:xfrm>
-            <a:off x="113675" y="-6325"/>
-            <a:ext cx="6873600" cy="494100"/>
-          </a:xfrm>
-          <a:prstGeom prst="rect">
-            <a:avLst/>
-          </a:prstGeom>
-          <a:noFill/>
-          <a:ln>
-            <a:noFill/>
-          </a:ln>
-        </p:spPr>
-        <p:txBody>
-          <a:bodyPr spcFirstLastPara="1" wrap="square" lIns="91425" tIns="91425" rIns="91425" bIns="91425" anchor="t" anchorCtr="0">
-            <a:noAutofit/>
-          </a:bodyPr>
-          <a:lstStyle/>
-          <a:p>
-            <a:pPr marL="0" lvl="0" indent="0" algn="l" rtl="0">
-              <a:lnSpc>
-                <a:spcPct val="100000"/>
-              </a:lnSpc>
-              <a:spcBef>
-                <a:spcPts val="0"/>
-              </a:spcBef>
-              <a:spcAft>
-                <a:spcPts val="0"/>
-              </a:spcAft>
-              <a:buNone/>
-            </a:pPr>
-            <a:r>
-              <a:rPr lang="en" sz="2300" b="1">
-                <a:solidFill>
-                  <a:srgbClr val="2DC5FA"/>
-                </a:solidFill>
-                <a:latin typeface="Work Sans"/>
-                <a:ea typeface="Work Sans"/>
-                <a:cs typeface="Work Sans"/>
-                <a:sym typeface="Work Sans"/>
-              </a:rPr>
-              <a:t>Personal Branding Canvas</a:t>
-            </a:r>
-            <a:endParaRPr sz="2300" b="1">
-              <a:solidFill>
-                <a:srgbClr val="2DC5FA"/>
-              </a:solidFill>
-              <a:latin typeface="Work Sans"/>
-              <a:ea typeface="Work Sans"/>
-              <a:cs typeface="Work Sans"/>
-              <a:sym typeface="Work Sans"/>
-            </a:endParaRPr>
-          </a:p>
-          <a:p>
-            <a:pPr marL="0" lvl="0" indent="0" algn="l" rtl="0">
-              <a:lnSpc>
-                <a:spcPct val="100000"/>
-              </a:lnSpc>
-              <a:spcBef>
-                <a:spcPts val="1600"/>
-              </a:spcBef>
-              <a:spcAft>
-                <a:spcPts val="1600"/>
-              </a:spcAft>
-              <a:buNone/>
-            </a:pPr>
-            <a:endParaRPr sz="2300" b="1">
               <a:solidFill>
                 <a:srgbClr val="2DC5FA"/>
               </a:solidFill>
